--- a/artifacts/arch/SeagullsV25_Final_1.0.pptx
+++ b/artifacts/arch/SeagullsV25_Final_1.0.pptx
@@ -5,14 +5,15 @@
     <p:sldMasterId id="2147483648" r:id="rId1"/>
   </p:sldMasterIdLst>
   <p:notesMasterIdLst>
-    <p:notesMasterId r:id="rId7"/>
+    <p:notesMasterId r:id="rId8"/>
   </p:notesMasterIdLst>
   <p:sldIdLst>
     <p:sldId id="262" r:id="rId2"/>
     <p:sldId id="271" r:id="rId3"/>
     <p:sldId id="274" r:id="rId4"/>
-    <p:sldId id="295" r:id="rId5"/>
+    <p:sldId id="307" r:id="rId5"/>
     <p:sldId id="306" r:id="rId6"/>
+    <p:sldId id="308" r:id="rId7"/>
   </p:sldIdLst>
   <p:sldSz cx="12192000" cy="6858000"/>
   <p:notesSz cx="6858000" cy="9144000"/>
@@ -113,7 +114,7 @@
   </p:defaultTextStyle>
   <p:extLst>
     <p:ext uri="{EFAFB233-063F-42B5-8137-9DF3F51BA10A}">
-      <p15:sldGuideLst xmlns:p15="http://schemas.microsoft.com/office/powerpoint/2012/main" xmlns="">
+      <p15:sldGuideLst xmlns="" xmlns:p15="http://schemas.microsoft.com/office/powerpoint/2012/main">
         <p15:guide id="1" orient="horz" pos="2160">
           <p15:clr>
             <a:srgbClr val="A4A3A4"/>
@@ -213,7 +214,7 @@
             <a:fld id="{D320A705-07DB-4FE2-8EA1-381DAD484B72}" type="datetimeFigureOut">
               <a:rPr lang="en-IN" smtClean="0"/>
               <a:pPr/>
-              <a:t>25-03-2025</a:t>
+              <a:t>26-03-2025</a:t>
             </a:fld>
             <a:endParaRPr lang="en-IN"/>
           </a:p>
@@ -382,7 +383,7 @@
     </p:spTree>
     <p:extLst>
       <p:ext uri="{BB962C8B-B14F-4D97-AF65-F5344CB8AC3E}">
-        <p14:creationId xmlns:p14="http://schemas.microsoft.com/office/powerpoint/2010/main" xmlns="" val="1144479384"/>
+        <p14:creationId xmlns="" xmlns:p14="http://schemas.microsoft.com/office/powerpoint/2010/main" val="1144479384"/>
       </p:ext>
     </p:extLst>
   </p:cSld>
@@ -504,7 +505,7 @@
           <p:cNvPr id="2" name="Title 1">
             <a:extLst>
               <a:ext uri="{FF2B5EF4-FFF2-40B4-BE49-F238E27FC236}">
-                <a16:creationId xmlns:a16="http://schemas.microsoft.com/office/drawing/2014/main" xmlns="" id="{CD0FDA4E-DA98-99A6-7775-5E4EBC471525}"/>
+                <a16:creationId xmlns="" xmlns:a16="http://schemas.microsoft.com/office/drawing/2014/main" id="{CD0FDA4E-DA98-99A6-7775-5E4EBC471525}"/>
               </a:ext>
             </a:extLst>
           </p:cNvPr>
@@ -541,7 +542,7 @@
           <p:cNvPr id="3" name="Subtitle 2">
             <a:extLst>
               <a:ext uri="{FF2B5EF4-FFF2-40B4-BE49-F238E27FC236}">
-                <a16:creationId xmlns:a16="http://schemas.microsoft.com/office/drawing/2014/main" xmlns="" id="{6C627274-75FB-A51C-344A-2A47A10CC7E5}"/>
+                <a16:creationId xmlns="" xmlns:a16="http://schemas.microsoft.com/office/drawing/2014/main" id="{6C627274-75FB-A51C-344A-2A47A10CC7E5}"/>
               </a:ext>
             </a:extLst>
           </p:cNvPr>
@@ -611,7 +612,7 @@
           <p:cNvPr id="4" name="Date Placeholder 3">
             <a:extLst>
               <a:ext uri="{FF2B5EF4-FFF2-40B4-BE49-F238E27FC236}">
-                <a16:creationId xmlns:a16="http://schemas.microsoft.com/office/drawing/2014/main" xmlns="" id="{C19267CE-01A0-E38F-4CB8-A8BFD95D693B}"/>
+                <a16:creationId xmlns="" xmlns:a16="http://schemas.microsoft.com/office/drawing/2014/main" id="{C19267CE-01A0-E38F-4CB8-A8BFD95D693B}"/>
               </a:ext>
             </a:extLst>
           </p:cNvPr>
@@ -630,7 +631,7 @@
             <a:fld id="{DB7D2D2E-EAC4-42CE-8EAE-33F749632CB6}" type="datetimeFigureOut">
               <a:rPr lang="en-US" smtClean="0"/>
               <a:pPr/>
-              <a:t>3/25/2025</a:t>
+              <a:t>3/26/2025</a:t>
             </a:fld>
             <a:endParaRPr lang="en-US"/>
           </a:p>
@@ -641,7 +642,7 @@
           <p:cNvPr id="5" name="Footer Placeholder 4">
             <a:extLst>
               <a:ext uri="{FF2B5EF4-FFF2-40B4-BE49-F238E27FC236}">
-                <a16:creationId xmlns:a16="http://schemas.microsoft.com/office/drawing/2014/main" xmlns="" id="{4E0F90F4-1F56-C969-0DFA-943EC69FDC88}"/>
+                <a16:creationId xmlns="" xmlns:a16="http://schemas.microsoft.com/office/drawing/2014/main" id="{4E0F90F4-1F56-C969-0DFA-943EC69FDC88}"/>
               </a:ext>
             </a:extLst>
           </p:cNvPr>
@@ -666,7 +667,7 @@
           <p:cNvPr id="6" name="Slide Number Placeholder 5">
             <a:extLst>
               <a:ext uri="{FF2B5EF4-FFF2-40B4-BE49-F238E27FC236}">
-                <a16:creationId xmlns:a16="http://schemas.microsoft.com/office/drawing/2014/main" xmlns="" id="{52D143FC-304E-9F73-5A86-36A685C2D78A}"/>
+                <a16:creationId xmlns="" xmlns:a16="http://schemas.microsoft.com/office/drawing/2014/main" id="{52D143FC-304E-9F73-5A86-36A685C2D78A}"/>
               </a:ext>
             </a:extLst>
           </p:cNvPr>
@@ -694,7 +695,7 @@
     </p:spTree>
     <p:extLst>
       <p:ext uri="{BB962C8B-B14F-4D97-AF65-F5344CB8AC3E}">
-        <p14:creationId xmlns:p14="http://schemas.microsoft.com/office/powerpoint/2010/main" xmlns="" val="1317070874"/>
+        <p14:creationId xmlns="" xmlns:p14="http://schemas.microsoft.com/office/powerpoint/2010/main" val="1317070874"/>
       </p:ext>
     </p:extLst>
   </p:cSld>
@@ -726,7 +727,7 @@
           <p:cNvPr id="2" name="Title 1">
             <a:extLst>
               <a:ext uri="{FF2B5EF4-FFF2-40B4-BE49-F238E27FC236}">
-                <a16:creationId xmlns:a16="http://schemas.microsoft.com/office/drawing/2014/main" xmlns="" id="{A6F71134-D25E-46F3-06D8-F79796379B30}"/>
+                <a16:creationId xmlns="" xmlns:a16="http://schemas.microsoft.com/office/drawing/2014/main" id="{A6F71134-D25E-46F3-06D8-F79796379B30}"/>
               </a:ext>
             </a:extLst>
           </p:cNvPr>
@@ -754,7 +755,7 @@
           <p:cNvPr id="3" name="Vertical Text Placeholder 2">
             <a:extLst>
               <a:ext uri="{FF2B5EF4-FFF2-40B4-BE49-F238E27FC236}">
-                <a16:creationId xmlns:a16="http://schemas.microsoft.com/office/drawing/2014/main" xmlns="" id="{7ED1CACF-7648-C8F1-2816-FBF35BEF4621}"/>
+                <a16:creationId xmlns="" xmlns:a16="http://schemas.microsoft.com/office/drawing/2014/main" id="{7ED1CACF-7648-C8F1-2816-FBF35BEF4621}"/>
               </a:ext>
             </a:extLst>
           </p:cNvPr>
@@ -811,7 +812,7 @@
           <p:cNvPr id="4" name="Date Placeholder 3">
             <a:extLst>
               <a:ext uri="{FF2B5EF4-FFF2-40B4-BE49-F238E27FC236}">
-                <a16:creationId xmlns:a16="http://schemas.microsoft.com/office/drawing/2014/main" xmlns="" id="{3500ECD7-3EEB-A5EC-6D21-7DF60DB43498}"/>
+                <a16:creationId xmlns="" xmlns:a16="http://schemas.microsoft.com/office/drawing/2014/main" id="{3500ECD7-3EEB-A5EC-6D21-7DF60DB43498}"/>
               </a:ext>
             </a:extLst>
           </p:cNvPr>
@@ -830,7 +831,7 @@
             <a:fld id="{DB7D2D2E-EAC4-42CE-8EAE-33F749632CB6}" type="datetimeFigureOut">
               <a:rPr lang="en-US" smtClean="0"/>
               <a:pPr/>
-              <a:t>3/25/2025</a:t>
+              <a:t>3/26/2025</a:t>
             </a:fld>
             <a:endParaRPr lang="en-US"/>
           </a:p>
@@ -841,7 +842,7 @@
           <p:cNvPr id="5" name="Footer Placeholder 4">
             <a:extLst>
               <a:ext uri="{FF2B5EF4-FFF2-40B4-BE49-F238E27FC236}">
-                <a16:creationId xmlns:a16="http://schemas.microsoft.com/office/drawing/2014/main" xmlns="" id="{8024130E-0A24-1C7E-3A35-6F10D627799C}"/>
+                <a16:creationId xmlns="" xmlns:a16="http://schemas.microsoft.com/office/drawing/2014/main" id="{8024130E-0A24-1C7E-3A35-6F10D627799C}"/>
               </a:ext>
             </a:extLst>
           </p:cNvPr>
@@ -866,7 +867,7 @@
           <p:cNvPr id="6" name="Slide Number Placeholder 5">
             <a:extLst>
               <a:ext uri="{FF2B5EF4-FFF2-40B4-BE49-F238E27FC236}">
-                <a16:creationId xmlns:a16="http://schemas.microsoft.com/office/drawing/2014/main" xmlns="" id="{C2DA9DC3-1E06-95AE-34C1-1F7502F2ABE3}"/>
+                <a16:creationId xmlns="" xmlns:a16="http://schemas.microsoft.com/office/drawing/2014/main" id="{C2DA9DC3-1E06-95AE-34C1-1F7502F2ABE3}"/>
               </a:ext>
             </a:extLst>
           </p:cNvPr>
@@ -894,7 +895,7 @@
     </p:spTree>
     <p:extLst>
       <p:ext uri="{BB962C8B-B14F-4D97-AF65-F5344CB8AC3E}">
-        <p14:creationId xmlns:p14="http://schemas.microsoft.com/office/powerpoint/2010/main" xmlns="" val="1440045203"/>
+        <p14:creationId xmlns="" xmlns:p14="http://schemas.microsoft.com/office/powerpoint/2010/main" val="1440045203"/>
       </p:ext>
     </p:extLst>
   </p:cSld>
@@ -926,7 +927,7 @@
           <p:cNvPr id="2" name="Vertical Title 1">
             <a:extLst>
               <a:ext uri="{FF2B5EF4-FFF2-40B4-BE49-F238E27FC236}">
-                <a16:creationId xmlns:a16="http://schemas.microsoft.com/office/drawing/2014/main" xmlns="" id="{187A42A6-14FE-EA87-685F-6D03DCCC738D}"/>
+                <a16:creationId xmlns="" xmlns:a16="http://schemas.microsoft.com/office/drawing/2014/main" id="{187A42A6-14FE-EA87-685F-6D03DCCC738D}"/>
               </a:ext>
             </a:extLst>
           </p:cNvPr>
@@ -959,7 +960,7 @@
           <p:cNvPr id="3" name="Vertical Text Placeholder 2">
             <a:extLst>
               <a:ext uri="{FF2B5EF4-FFF2-40B4-BE49-F238E27FC236}">
-                <a16:creationId xmlns:a16="http://schemas.microsoft.com/office/drawing/2014/main" xmlns="" id="{13366588-1A62-F9B1-2FB8-32D8F5ECAE9F}"/>
+                <a16:creationId xmlns="" xmlns:a16="http://schemas.microsoft.com/office/drawing/2014/main" id="{13366588-1A62-F9B1-2FB8-32D8F5ECAE9F}"/>
               </a:ext>
             </a:extLst>
           </p:cNvPr>
@@ -1021,7 +1022,7 @@
           <p:cNvPr id="4" name="Date Placeholder 3">
             <a:extLst>
               <a:ext uri="{FF2B5EF4-FFF2-40B4-BE49-F238E27FC236}">
-                <a16:creationId xmlns:a16="http://schemas.microsoft.com/office/drawing/2014/main" xmlns="" id="{A43BFD6E-AE93-D757-13FB-0493C278AD26}"/>
+                <a16:creationId xmlns="" xmlns:a16="http://schemas.microsoft.com/office/drawing/2014/main" id="{A43BFD6E-AE93-D757-13FB-0493C278AD26}"/>
               </a:ext>
             </a:extLst>
           </p:cNvPr>
@@ -1040,7 +1041,7 @@
             <a:fld id="{DB7D2D2E-EAC4-42CE-8EAE-33F749632CB6}" type="datetimeFigureOut">
               <a:rPr lang="en-US" smtClean="0"/>
               <a:pPr/>
-              <a:t>3/25/2025</a:t>
+              <a:t>3/26/2025</a:t>
             </a:fld>
             <a:endParaRPr lang="en-US"/>
           </a:p>
@@ -1051,7 +1052,7 @@
           <p:cNvPr id="5" name="Footer Placeholder 4">
             <a:extLst>
               <a:ext uri="{FF2B5EF4-FFF2-40B4-BE49-F238E27FC236}">
-                <a16:creationId xmlns:a16="http://schemas.microsoft.com/office/drawing/2014/main" xmlns="" id="{E45C34C6-E42B-ADCE-1D1A-452BAB1D3A77}"/>
+                <a16:creationId xmlns="" xmlns:a16="http://schemas.microsoft.com/office/drawing/2014/main" id="{E45C34C6-E42B-ADCE-1D1A-452BAB1D3A77}"/>
               </a:ext>
             </a:extLst>
           </p:cNvPr>
@@ -1076,7 +1077,7 @@
           <p:cNvPr id="6" name="Slide Number Placeholder 5">
             <a:extLst>
               <a:ext uri="{FF2B5EF4-FFF2-40B4-BE49-F238E27FC236}">
-                <a16:creationId xmlns:a16="http://schemas.microsoft.com/office/drawing/2014/main" xmlns="" id="{566DF5EE-7414-A62E-70E2-650A660C224F}"/>
+                <a16:creationId xmlns="" xmlns:a16="http://schemas.microsoft.com/office/drawing/2014/main" id="{566DF5EE-7414-A62E-70E2-650A660C224F}"/>
               </a:ext>
             </a:extLst>
           </p:cNvPr>
@@ -1104,7 +1105,7 @@
     </p:spTree>
     <p:extLst>
       <p:ext uri="{BB962C8B-B14F-4D97-AF65-F5344CB8AC3E}">
-        <p14:creationId xmlns:p14="http://schemas.microsoft.com/office/powerpoint/2010/main" xmlns="" val="4279875457"/>
+        <p14:creationId xmlns="" xmlns:p14="http://schemas.microsoft.com/office/powerpoint/2010/main" val="4279875457"/>
       </p:ext>
     </p:extLst>
   </p:cSld>
@@ -1136,7 +1137,7 @@
           <p:cNvPr id="2" name="Title 1">
             <a:extLst>
               <a:ext uri="{FF2B5EF4-FFF2-40B4-BE49-F238E27FC236}">
-                <a16:creationId xmlns:a16="http://schemas.microsoft.com/office/drawing/2014/main" xmlns="" id="{B7019AFF-F694-6ECB-C0DA-A8A08CD21B1B}"/>
+                <a16:creationId xmlns="" xmlns:a16="http://schemas.microsoft.com/office/drawing/2014/main" id="{B7019AFF-F694-6ECB-C0DA-A8A08CD21B1B}"/>
               </a:ext>
             </a:extLst>
           </p:cNvPr>
@@ -1164,7 +1165,7 @@
           <p:cNvPr id="3" name="Content Placeholder 2">
             <a:extLst>
               <a:ext uri="{FF2B5EF4-FFF2-40B4-BE49-F238E27FC236}">
-                <a16:creationId xmlns:a16="http://schemas.microsoft.com/office/drawing/2014/main" xmlns="" id="{BF86780C-9841-4150-CF10-72DCD2A6BD14}"/>
+                <a16:creationId xmlns="" xmlns:a16="http://schemas.microsoft.com/office/drawing/2014/main" id="{BF86780C-9841-4150-CF10-72DCD2A6BD14}"/>
               </a:ext>
             </a:extLst>
           </p:cNvPr>
@@ -1221,7 +1222,7 @@
           <p:cNvPr id="4" name="Date Placeholder 3">
             <a:extLst>
               <a:ext uri="{FF2B5EF4-FFF2-40B4-BE49-F238E27FC236}">
-                <a16:creationId xmlns:a16="http://schemas.microsoft.com/office/drawing/2014/main" xmlns="" id="{B4D7877C-DA0E-B04B-8E9A-8DE1FCE96AEC}"/>
+                <a16:creationId xmlns="" xmlns:a16="http://schemas.microsoft.com/office/drawing/2014/main" id="{B4D7877C-DA0E-B04B-8E9A-8DE1FCE96AEC}"/>
               </a:ext>
             </a:extLst>
           </p:cNvPr>
@@ -1240,7 +1241,7 @@
             <a:fld id="{DB7D2D2E-EAC4-42CE-8EAE-33F749632CB6}" type="datetimeFigureOut">
               <a:rPr lang="en-US" smtClean="0"/>
               <a:pPr/>
-              <a:t>3/25/2025</a:t>
+              <a:t>3/26/2025</a:t>
             </a:fld>
             <a:endParaRPr lang="en-US"/>
           </a:p>
@@ -1251,7 +1252,7 @@
           <p:cNvPr id="5" name="Footer Placeholder 4">
             <a:extLst>
               <a:ext uri="{FF2B5EF4-FFF2-40B4-BE49-F238E27FC236}">
-                <a16:creationId xmlns:a16="http://schemas.microsoft.com/office/drawing/2014/main" xmlns="" id="{6C351504-FBF3-D8A1-EE8A-5C3551F15F63}"/>
+                <a16:creationId xmlns="" xmlns:a16="http://schemas.microsoft.com/office/drawing/2014/main" id="{6C351504-FBF3-D8A1-EE8A-5C3551F15F63}"/>
               </a:ext>
             </a:extLst>
           </p:cNvPr>
@@ -1276,7 +1277,7 @@
           <p:cNvPr id="6" name="Slide Number Placeholder 5">
             <a:extLst>
               <a:ext uri="{FF2B5EF4-FFF2-40B4-BE49-F238E27FC236}">
-                <a16:creationId xmlns:a16="http://schemas.microsoft.com/office/drawing/2014/main" xmlns="" id="{D6696843-3119-4BA9-0770-B30499B0730B}"/>
+                <a16:creationId xmlns="" xmlns:a16="http://schemas.microsoft.com/office/drawing/2014/main" id="{D6696843-3119-4BA9-0770-B30499B0730B}"/>
               </a:ext>
             </a:extLst>
           </p:cNvPr>
@@ -1304,7 +1305,7 @@
     </p:spTree>
     <p:extLst>
       <p:ext uri="{BB962C8B-B14F-4D97-AF65-F5344CB8AC3E}">
-        <p14:creationId xmlns:p14="http://schemas.microsoft.com/office/powerpoint/2010/main" xmlns="" val="309730708"/>
+        <p14:creationId xmlns="" xmlns:p14="http://schemas.microsoft.com/office/powerpoint/2010/main" val="309730708"/>
       </p:ext>
     </p:extLst>
   </p:cSld>
@@ -1336,7 +1337,7 @@
           <p:cNvPr id="2" name="Title 1">
             <a:extLst>
               <a:ext uri="{FF2B5EF4-FFF2-40B4-BE49-F238E27FC236}">
-                <a16:creationId xmlns:a16="http://schemas.microsoft.com/office/drawing/2014/main" xmlns="" id="{3927B1C6-A8A0-A0A4-F3EA-634193FA1227}"/>
+                <a16:creationId xmlns="" xmlns:a16="http://schemas.microsoft.com/office/drawing/2014/main" id="{3927B1C6-A8A0-A0A4-F3EA-634193FA1227}"/>
               </a:ext>
             </a:extLst>
           </p:cNvPr>
@@ -1373,7 +1374,7 @@
           <p:cNvPr id="3" name="Text Placeholder 2">
             <a:extLst>
               <a:ext uri="{FF2B5EF4-FFF2-40B4-BE49-F238E27FC236}">
-                <a16:creationId xmlns:a16="http://schemas.microsoft.com/office/drawing/2014/main" xmlns="" id="{8F530636-5152-A39E-784E-73094EF2BB4B}"/>
+                <a16:creationId xmlns="" xmlns:a16="http://schemas.microsoft.com/office/drawing/2014/main" id="{8F530636-5152-A39E-784E-73094EF2BB4B}"/>
               </a:ext>
             </a:extLst>
           </p:cNvPr>
@@ -1498,7 +1499,7 @@
           <p:cNvPr id="4" name="Date Placeholder 3">
             <a:extLst>
               <a:ext uri="{FF2B5EF4-FFF2-40B4-BE49-F238E27FC236}">
-                <a16:creationId xmlns:a16="http://schemas.microsoft.com/office/drawing/2014/main" xmlns="" id="{4E4238C1-EFDE-AC1B-8AF3-2D0D216C571B}"/>
+                <a16:creationId xmlns="" xmlns:a16="http://schemas.microsoft.com/office/drawing/2014/main" id="{4E4238C1-EFDE-AC1B-8AF3-2D0D216C571B}"/>
               </a:ext>
             </a:extLst>
           </p:cNvPr>
@@ -1517,7 +1518,7 @@
             <a:fld id="{DB7D2D2E-EAC4-42CE-8EAE-33F749632CB6}" type="datetimeFigureOut">
               <a:rPr lang="en-US" smtClean="0"/>
               <a:pPr/>
-              <a:t>3/25/2025</a:t>
+              <a:t>3/26/2025</a:t>
             </a:fld>
             <a:endParaRPr lang="en-US"/>
           </a:p>
@@ -1528,7 +1529,7 @@
           <p:cNvPr id="5" name="Footer Placeholder 4">
             <a:extLst>
               <a:ext uri="{FF2B5EF4-FFF2-40B4-BE49-F238E27FC236}">
-                <a16:creationId xmlns:a16="http://schemas.microsoft.com/office/drawing/2014/main" xmlns="" id="{2A0D5A55-0EB7-A5FB-91CC-7B5A47FA084A}"/>
+                <a16:creationId xmlns="" xmlns:a16="http://schemas.microsoft.com/office/drawing/2014/main" id="{2A0D5A55-0EB7-A5FB-91CC-7B5A47FA084A}"/>
               </a:ext>
             </a:extLst>
           </p:cNvPr>
@@ -1553,7 +1554,7 @@
           <p:cNvPr id="6" name="Slide Number Placeholder 5">
             <a:extLst>
               <a:ext uri="{FF2B5EF4-FFF2-40B4-BE49-F238E27FC236}">
-                <a16:creationId xmlns:a16="http://schemas.microsoft.com/office/drawing/2014/main" xmlns="" id="{6A70A0E0-DFC3-BD1D-E847-C2B724CDA0D7}"/>
+                <a16:creationId xmlns="" xmlns:a16="http://schemas.microsoft.com/office/drawing/2014/main" id="{6A70A0E0-DFC3-BD1D-E847-C2B724CDA0D7}"/>
               </a:ext>
             </a:extLst>
           </p:cNvPr>
@@ -1581,7 +1582,7 @@
     </p:spTree>
     <p:extLst>
       <p:ext uri="{BB962C8B-B14F-4D97-AF65-F5344CB8AC3E}">
-        <p14:creationId xmlns:p14="http://schemas.microsoft.com/office/powerpoint/2010/main" xmlns="" val="1113576531"/>
+        <p14:creationId xmlns="" xmlns:p14="http://schemas.microsoft.com/office/powerpoint/2010/main" val="1113576531"/>
       </p:ext>
     </p:extLst>
   </p:cSld>
@@ -1613,7 +1614,7 @@
           <p:cNvPr id="2" name="Title 1">
             <a:extLst>
               <a:ext uri="{FF2B5EF4-FFF2-40B4-BE49-F238E27FC236}">
-                <a16:creationId xmlns:a16="http://schemas.microsoft.com/office/drawing/2014/main" xmlns="" id="{81429BE2-A01F-1CBA-6A6C-2ED3BB030028}"/>
+                <a16:creationId xmlns="" xmlns:a16="http://schemas.microsoft.com/office/drawing/2014/main" id="{81429BE2-A01F-1CBA-6A6C-2ED3BB030028}"/>
               </a:ext>
             </a:extLst>
           </p:cNvPr>
@@ -1641,7 +1642,7 @@
           <p:cNvPr id="3" name="Content Placeholder 2">
             <a:extLst>
               <a:ext uri="{FF2B5EF4-FFF2-40B4-BE49-F238E27FC236}">
-                <a16:creationId xmlns:a16="http://schemas.microsoft.com/office/drawing/2014/main" xmlns="" id="{87400FD1-2BF2-8EFA-4029-AE891AC6D15D}"/>
+                <a16:creationId xmlns="" xmlns:a16="http://schemas.microsoft.com/office/drawing/2014/main" id="{87400FD1-2BF2-8EFA-4029-AE891AC6D15D}"/>
               </a:ext>
             </a:extLst>
           </p:cNvPr>
@@ -1703,7 +1704,7 @@
           <p:cNvPr id="4" name="Content Placeholder 3">
             <a:extLst>
               <a:ext uri="{FF2B5EF4-FFF2-40B4-BE49-F238E27FC236}">
-                <a16:creationId xmlns:a16="http://schemas.microsoft.com/office/drawing/2014/main" xmlns="" id="{3C58FE83-EB70-F56A-115F-EAF70726F216}"/>
+                <a16:creationId xmlns="" xmlns:a16="http://schemas.microsoft.com/office/drawing/2014/main" id="{3C58FE83-EB70-F56A-115F-EAF70726F216}"/>
               </a:ext>
             </a:extLst>
           </p:cNvPr>
@@ -1765,7 +1766,7 @@
           <p:cNvPr id="5" name="Date Placeholder 4">
             <a:extLst>
               <a:ext uri="{FF2B5EF4-FFF2-40B4-BE49-F238E27FC236}">
-                <a16:creationId xmlns:a16="http://schemas.microsoft.com/office/drawing/2014/main" xmlns="" id="{20976B70-B424-63B7-9459-DA525CC3837C}"/>
+                <a16:creationId xmlns="" xmlns:a16="http://schemas.microsoft.com/office/drawing/2014/main" id="{20976B70-B424-63B7-9459-DA525CC3837C}"/>
               </a:ext>
             </a:extLst>
           </p:cNvPr>
@@ -1784,7 +1785,7 @@
             <a:fld id="{DB7D2D2E-EAC4-42CE-8EAE-33F749632CB6}" type="datetimeFigureOut">
               <a:rPr lang="en-US" smtClean="0"/>
               <a:pPr/>
-              <a:t>3/25/2025</a:t>
+              <a:t>3/26/2025</a:t>
             </a:fld>
             <a:endParaRPr lang="en-US"/>
           </a:p>
@@ -1795,7 +1796,7 @@
           <p:cNvPr id="6" name="Footer Placeholder 5">
             <a:extLst>
               <a:ext uri="{FF2B5EF4-FFF2-40B4-BE49-F238E27FC236}">
-                <a16:creationId xmlns:a16="http://schemas.microsoft.com/office/drawing/2014/main" xmlns="" id="{42AC22A0-2B04-3E53-B29D-555A19ABD39B}"/>
+                <a16:creationId xmlns="" xmlns:a16="http://schemas.microsoft.com/office/drawing/2014/main" id="{42AC22A0-2B04-3E53-B29D-555A19ABD39B}"/>
               </a:ext>
             </a:extLst>
           </p:cNvPr>
@@ -1820,7 +1821,7 @@
           <p:cNvPr id="7" name="Slide Number Placeholder 6">
             <a:extLst>
               <a:ext uri="{FF2B5EF4-FFF2-40B4-BE49-F238E27FC236}">
-                <a16:creationId xmlns:a16="http://schemas.microsoft.com/office/drawing/2014/main" xmlns="" id="{24103B75-9716-A208-B380-D6148941627A}"/>
+                <a16:creationId xmlns="" xmlns:a16="http://schemas.microsoft.com/office/drawing/2014/main" id="{24103B75-9716-A208-B380-D6148941627A}"/>
               </a:ext>
             </a:extLst>
           </p:cNvPr>
@@ -1848,7 +1849,7 @@
     </p:spTree>
     <p:extLst>
       <p:ext uri="{BB962C8B-B14F-4D97-AF65-F5344CB8AC3E}">
-        <p14:creationId xmlns:p14="http://schemas.microsoft.com/office/powerpoint/2010/main" xmlns="" val="3631034654"/>
+        <p14:creationId xmlns="" xmlns:p14="http://schemas.microsoft.com/office/powerpoint/2010/main" val="3631034654"/>
       </p:ext>
     </p:extLst>
   </p:cSld>
@@ -1880,7 +1881,7 @@
           <p:cNvPr id="2" name="Title 1">
             <a:extLst>
               <a:ext uri="{FF2B5EF4-FFF2-40B4-BE49-F238E27FC236}">
-                <a16:creationId xmlns:a16="http://schemas.microsoft.com/office/drawing/2014/main" xmlns="" id="{E214BCB4-2A36-42BF-35FB-17324BF32C32}"/>
+                <a16:creationId xmlns="" xmlns:a16="http://schemas.microsoft.com/office/drawing/2014/main" id="{E214BCB4-2A36-42BF-35FB-17324BF32C32}"/>
               </a:ext>
             </a:extLst>
           </p:cNvPr>
@@ -1913,7 +1914,7 @@
           <p:cNvPr id="3" name="Text Placeholder 2">
             <a:extLst>
               <a:ext uri="{FF2B5EF4-FFF2-40B4-BE49-F238E27FC236}">
-                <a16:creationId xmlns:a16="http://schemas.microsoft.com/office/drawing/2014/main" xmlns="" id="{048ADD37-98C5-198F-6FF5-C2575B320A8C}"/>
+                <a16:creationId xmlns="" xmlns:a16="http://schemas.microsoft.com/office/drawing/2014/main" id="{048ADD37-98C5-198F-6FF5-C2575B320A8C}"/>
               </a:ext>
             </a:extLst>
           </p:cNvPr>
@@ -1984,7 +1985,7 @@
           <p:cNvPr id="4" name="Content Placeholder 3">
             <a:extLst>
               <a:ext uri="{FF2B5EF4-FFF2-40B4-BE49-F238E27FC236}">
-                <a16:creationId xmlns:a16="http://schemas.microsoft.com/office/drawing/2014/main" xmlns="" id="{C14DDE9E-BBD7-3435-E889-C35111161541}"/>
+                <a16:creationId xmlns="" xmlns:a16="http://schemas.microsoft.com/office/drawing/2014/main" id="{C14DDE9E-BBD7-3435-E889-C35111161541}"/>
               </a:ext>
             </a:extLst>
           </p:cNvPr>
@@ -2046,7 +2047,7 @@
           <p:cNvPr id="5" name="Text Placeholder 4">
             <a:extLst>
               <a:ext uri="{FF2B5EF4-FFF2-40B4-BE49-F238E27FC236}">
-                <a16:creationId xmlns:a16="http://schemas.microsoft.com/office/drawing/2014/main" xmlns="" id="{22603917-F0BC-116E-FA3E-89F3E87B6164}"/>
+                <a16:creationId xmlns="" xmlns:a16="http://schemas.microsoft.com/office/drawing/2014/main" id="{22603917-F0BC-116E-FA3E-89F3E87B6164}"/>
               </a:ext>
             </a:extLst>
           </p:cNvPr>
@@ -2117,7 +2118,7 @@
           <p:cNvPr id="6" name="Content Placeholder 5">
             <a:extLst>
               <a:ext uri="{FF2B5EF4-FFF2-40B4-BE49-F238E27FC236}">
-                <a16:creationId xmlns:a16="http://schemas.microsoft.com/office/drawing/2014/main" xmlns="" id="{34293626-84FF-EF62-2961-295FF61B464A}"/>
+                <a16:creationId xmlns="" xmlns:a16="http://schemas.microsoft.com/office/drawing/2014/main" id="{34293626-84FF-EF62-2961-295FF61B464A}"/>
               </a:ext>
             </a:extLst>
           </p:cNvPr>
@@ -2179,7 +2180,7 @@
           <p:cNvPr id="7" name="Date Placeholder 6">
             <a:extLst>
               <a:ext uri="{FF2B5EF4-FFF2-40B4-BE49-F238E27FC236}">
-                <a16:creationId xmlns:a16="http://schemas.microsoft.com/office/drawing/2014/main" xmlns="" id="{3B78BB93-862E-D49A-CFC1-A0760B76B601}"/>
+                <a16:creationId xmlns="" xmlns:a16="http://schemas.microsoft.com/office/drawing/2014/main" id="{3B78BB93-862E-D49A-CFC1-A0760B76B601}"/>
               </a:ext>
             </a:extLst>
           </p:cNvPr>
@@ -2198,7 +2199,7 @@
             <a:fld id="{DB7D2D2E-EAC4-42CE-8EAE-33F749632CB6}" type="datetimeFigureOut">
               <a:rPr lang="en-US" smtClean="0"/>
               <a:pPr/>
-              <a:t>3/25/2025</a:t>
+              <a:t>3/26/2025</a:t>
             </a:fld>
             <a:endParaRPr lang="en-US"/>
           </a:p>
@@ -2209,7 +2210,7 @@
           <p:cNvPr id="8" name="Footer Placeholder 7">
             <a:extLst>
               <a:ext uri="{FF2B5EF4-FFF2-40B4-BE49-F238E27FC236}">
-                <a16:creationId xmlns:a16="http://schemas.microsoft.com/office/drawing/2014/main" xmlns="" id="{AE22E4E9-51DD-6FF1-4CFB-5BDF053D10BA}"/>
+                <a16:creationId xmlns="" xmlns:a16="http://schemas.microsoft.com/office/drawing/2014/main" id="{AE22E4E9-51DD-6FF1-4CFB-5BDF053D10BA}"/>
               </a:ext>
             </a:extLst>
           </p:cNvPr>
@@ -2234,7 +2235,7 @@
           <p:cNvPr id="9" name="Slide Number Placeholder 8">
             <a:extLst>
               <a:ext uri="{FF2B5EF4-FFF2-40B4-BE49-F238E27FC236}">
-                <a16:creationId xmlns:a16="http://schemas.microsoft.com/office/drawing/2014/main" xmlns="" id="{D4A339A6-CF38-A9B6-7EF8-170958292F62}"/>
+                <a16:creationId xmlns="" xmlns:a16="http://schemas.microsoft.com/office/drawing/2014/main" id="{D4A339A6-CF38-A9B6-7EF8-170958292F62}"/>
               </a:ext>
             </a:extLst>
           </p:cNvPr>
@@ -2262,7 +2263,7 @@
     </p:spTree>
     <p:extLst>
       <p:ext uri="{BB962C8B-B14F-4D97-AF65-F5344CB8AC3E}">
-        <p14:creationId xmlns:p14="http://schemas.microsoft.com/office/powerpoint/2010/main" xmlns="" val="2377690720"/>
+        <p14:creationId xmlns="" xmlns:p14="http://schemas.microsoft.com/office/powerpoint/2010/main" val="2377690720"/>
       </p:ext>
     </p:extLst>
   </p:cSld>
@@ -2294,7 +2295,7 @@
           <p:cNvPr id="2" name="Title 1">
             <a:extLst>
               <a:ext uri="{FF2B5EF4-FFF2-40B4-BE49-F238E27FC236}">
-                <a16:creationId xmlns:a16="http://schemas.microsoft.com/office/drawing/2014/main" xmlns="" id="{26E4255E-96E5-BF57-9A78-3358A7B40E5B}"/>
+                <a16:creationId xmlns="" xmlns:a16="http://schemas.microsoft.com/office/drawing/2014/main" id="{26E4255E-96E5-BF57-9A78-3358A7B40E5B}"/>
               </a:ext>
             </a:extLst>
           </p:cNvPr>
@@ -2322,7 +2323,7 @@
           <p:cNvPr id="3" name="Date Placeholder 2">
             <a:extLst>
               <a:ext uri="{FF2B5EF4-FFF2-40B4-BE49-F238E27FC236}">
-                <a16:creationId xmlns:a16="http://schemas.microsoft.com/office/drawing/2014/main" xmlns="" id="{BB986BE8-D80F-95EF-F7AB-00897FCACC36}"/>
+                <a16:creationId xmlns="" xmlns:a16="http://schemas.microsoft.com/office/drawing/2014/main" id="{BB986BE8-D80F-95EF-F7AB-00897FCACC36}"/>
               </a:ext>
             </a:extLst>
           </p:cNvPr>
@@ -2341,7 +2342,7 @@
             <a:fld id="{DB7D2D2E-EAC4-42CE-8EAE-33F749632CB6}" type="datetimeFigureOut">
               <a:rPr lang="en-US" smtClean="0"/>
               <a:pPr/>
-              <a:t>3/25/2025</a:t>
+              <a:t>3/26/2025</a:t>
             </a:fld>
             <a:endParaRPr lang="en-US"/>
           </a:p>
@@ -2352,7 +2353,7 @@
           <p:cNvPr id="4" name="Footer Placeholder 3">
             <a:extLst>
               <a:ext uri="{FF2B5EF4-FFF2-40B4-BE49-F238E27FC236}">
-                <a16:creationId xmlns:a16="http://schemas.microsoft.com/office/drawing/2014/main" xmlns="" id="{FA2FC874-6020-D98F-A812-B4D7429B9299}"/>
+                <a16:creationId xmlns="" xmlns:a16="http://schemas.microsoft.com/office/drawing/2014/main" id="{FA2FC874-6020-D98F-A812-B4D7429B9299}"/>
               </a:ext>
             </a:extLst>
           </p:cNvPr>
@@ -2377,7 +2378,7 @@
           <p:cNvPr id="5" name="Slide Number Placeholder 4">
             <a:extLst>
               <a:ext uri="{FF2B5EF4-FFF2-40B4-BE49-F238E27FC236}">
-                <a16:creationId xmlns:a16="http://schemas.microsoft.com/office/drawing/2014/main" xmlns="" id="{86305BBC-C925-0158-4693-02AE12AE19AA}"/>
+                <a16:creationId xmlns="" xmlns:a16="http://schemas.microsoft.com/office/drawing/2014/main" id="{86305BBC-C925-0158-4693-02AE12AE19AA}"/>
               </a:ext>
             </a:extLst>
           </p:cNvPr>
@@ -2405,7 +2406,7 @@
     </p:spTree>
     <p:extLst>
       <p:ext uri="{BB962C8B-B14F-4D97-AF65-F5344CB8AC3E}">
-        <p14:creationId xmlns:p14="http://schemas.microsoft.com/office/powerpoint/2010/main" xmlns="" val="161875001"/>
+        <p14:creationId xmlns="" xmlns:p14="http://schemas.microsoft.com/office/powerpoint/2010/main" val="161875001"/>
       </p:ext>
     </p:extLst>
   </p:cSld>
@@ -2437,7 +2438,7 @@
           <p:cNvPr id="2" name="Date Placeholder 1">
             <a:extLst>
               <a:ext uri="{FF2B5EF4-FFF2-40B4-BE49-F238E27FC236}">
-                <a16:creationId xmlns:a16="http://schemas.microsoft.com/office/drawing/2014/main" xmlns="" id="{768E94B4-5352-F85E-6692-65EB2000D609}"/>
+                <a16:creationId xmlns="" xmlns:a16="http://schemas.microsoft.com/office/drawing/2014/main" id="{768E94B4-5352-F85E-6692-65EB2000D609}"/>
               </a:ext>
             </a:extLst>
           </p:cNvPr>
@@ -2456,7 +2457,7 @@
             <a:fld id="{DB7D2D2E-EAC4-42CE-8EAE-33F749632CB6}" type="datetimeFigureOut">
               <a:rPr lang="en-US" smtClean="0"/>
               <a:pPr/>
-              <a:t>3/25/2025</a:t>
+              <a:t>3/26/2025</a:t>
             </a:fld>
             <a:endParaRPr lang="en-US"/>
           </a:p>
@@ -2467,7 +2468,7 @@
           <p:cNvPr id="3" name="Footer Placeholder 2">
             <a:extLst>
               <a:ext uri="{FF2B5EF4-FFF2-40B4-BE49-F238E27FC236}">
-                <a16:creationId xmlns:a16="http://schemas.microsoft.com/office/drawing/2014/main" xmlns="" id="{E411CB3E-0915-4667-DFFA-93F3AC50A19A}"/>
+                <a16:creationId xmlns="" xmlns:a16="http://schemas.microsoft.com/office/drawing/2014/main" id="{E411CB3E-0915-4667-DFFA-93F3AC50A19A}"/>
               </a:ext>
             </a:extLst>
           </p:cNvPr>
@@ -2492,7 +2493,7 @@
           <p:cNvPr id="4" name="Slide Number Placeholder 3">
             <a:extLst>
               <a:ext uri="{FF2B5EF4-FFF2-40B4-BE49-F238E27FC236}">
-                <a16:creationId xmlns:a16="http://schemas.microsoft.com/office/drawing/2014/main" xmlns="" id="{9F419DD0-B1F8-13CD-4F66-133973CBE502}"/>
+                <a16:creationId xmlns="" xmlns:a16="http://schemas.microsoft.com/office/drawing/2014/main" id="{9F419DD0-B1F8-13CD-4F66-133973CBE502}"/>
               </a:ext>
             </a:extLst>
           </p:cNvPr>
@@ -2520,7 +2521,7 @@
     </p:spTree>
     <p:extLst>
       <p:ext uri="{BB962C8B-B14F-4D97-AF65-F5344CB8AC3E}">
-        <p14:creationId xmlns:p14="http://schemas.microsoft.com/office/powerpoint/2010/main" xmlns="" val="1292915948"/>
+        <p14:creationId xmlns="" xmlns:p14="http://schemas.microsoft.com/office/powerpoint/2010/main" val="1292915948"/>
       </p:ext>
     </p:extLst>
   </p:cSld>
@@ -2552,7 +2553,7 @@
           <p:cNvPr id="2" name="Title 1">
             <a:extLst>
               <a:ext uri="{FF2B5EF4-FFF2-40B4-BE49-F238E27FC236}">
-                <a16:creationId xmlns:a16="http://schemas.microsoft.com/office/drawing/2014/main" xmlns="" id="{2295A750-6666-F15F-E40C-1B8572F8203F}"/>
+                <a16:creationId xmlns="" xmlns:a16="http://schemas.microsoft.com/office/drawing/2014/main" id="{2295A750-6666-F15F-E40C-1B8572F8203F}"/>
               </a:ext>
             </a:extLst>
           </p:cNvPr>
@@ -2589,7 +2590,7 @@
           <p:cNvPr id="3" name="Content Placeholder 2">
             <a:extLst>
               <a:ext uri="{FF2B5EF4-FFF2-40B4-BE49-F238E27FC236}">
-                <a16:creationId xmlns:a16="http://schemas.microsoft.com/office/drawing/2014/main" xmlns="" id="{6FA1659E-424B-EB06-FF57-0054562EAA42}"/>
+                <a16:creationId xmlns="" xmlns:a16="http://schemas.microsoft.com/office/drawing/2014/main" id="{6FA1659E-424B-EB06-FF57-0054562EAA42}"/>
               </a:ext>
             </a:extLst>
           </p:cNvPr>
@@ -2679,7 +2680,7 @@
           <p:cNvPr id="4" name="Text Placeholder 3">
             <a:extLst>
               <a:ext uri="{FF2B5EF4-FFF2-40B4-BE49-F238E27FC236}">
-                <a16:creationId xmlns:a16="http://schemas.microsoft.com/office/drawing/2014/main" xmlns="" id="{74173ACE-5C84-38DC-27BA-84148456542E}"/>
+                <a16:creationId xmlns="" xmlns:a16="http://schemas.microsoft.com/office/drawing/2014/main" id="{74173ACE-5C84-38DC-27BA-84148456542E}"/>
               </a:ext>
             </a:extLst>
           </p:cNvPr>
@@ -2750,7 +2751,7 @@
           <p:cNvPr id="5" name="Date Placeholder 4">
             <a:extLst>
               <a:ext uri="{FF2B5EF4-FFF2-40B4-BE49-F238E27FC236}">
-                <a16:creationId xmlns:a16="http://schemas.microsoft.com/office/drawing/2014/main" xmlns="" id="{4B2FCF69-BEFA-136C-FE1D-C9318D506CE2}"/>
+                <a16:creationId xmlns="" xmlns:a16="http://schemas.microsoft.com/office/drawing/2014/main" id="{4B2FCF69-BEFA-136C-FE1D-C9318D506CE2}"/>
               </a:ext>
             </a:extLst>
           </p:cNvPr>
@@ -2769,7 +2770,7 @@
             <a:fld id="{DB7D2D2E-EAC4-42CE-8EAE-33F749632CB6}" type="datetimeFigureOut">
               <a:rPr lang="en-US" smtClean="0"/>
               <a:pPr/>
-              <a:t>3/25/2025</a:t>
+              <a:t>3/26/2025</a:t>
             </a:fld>
             <a:endParaRPr lang="en-US"/>
           </a:p>
@@ -2780,7 +2781,7 @@
           <p:cNvPr id="6" name="Footer Placeholder 5">
             <a:extLst>
               <a:ext uri="{FF2B5EF4-FFF2-40B4-BE49-F238E27FC236}">
-                <a16:creationId xmlns:a16="http://schemas.microsoft.com/office/drawing/2014/main" xmlns="" id="{0D822FE8-4533-13A1-A302-15724CB53AC2}"/>
+                <a16:creationId xmlns="" xmlns:a16="http://schemas.microsoft.com/office/drawing/2014/main" id="{0D822FE8-4533-13A1-A302-15724CB53AC2}"/>
               </a:ext>
             </a:extLst>
           </p:cNvPr>
@@ -2805,7 +2806,7 @@
           <p:cNvPr id="7" name="Slide Number Placeholder 6">
             <a:extLst>
               <a:ext uri="{FF2B5EF4-FFF2-40B4-BE49-F238E27FC236}">
-                <a16:creationId xmlns:a16="http://schemas.microsoft.com/office/drawing/2014/main" xmlns="" id="{EEF520F6-B61D-96FF-9EFB-AB0D5C3D4763}"/>
+                <a16:creationId xmlns="" xmlns:a16="http://schemas.microsoft.com/office/drawing/2014/main" id="{EEF520F6-B61D-96FF-9EFB-AB0D5C3D4763}"/>
               </a:ext>
             </a:extLst>
           </p:cNvPr>
@@ -2833,7 +2834,7 @@
     </p:spTree>
     <p:extLst>
       <p:ext uri="{BB962C8B-B14F-4D97-AF65-F5344CB8AC3E}">
-        <p14:creationId xmlns:p14="http://schemas.microsoft.com/office/powerpoint/2010/main" xmlns="" val="3117924138"/>
+        <p14:creationId xmlns="" xmlns:p14="http://schemas.microsoft.com/office/powerpoint/2010/main" val="3117924138"/>
       </p:ext>
     </p:extLst>
   </p:cSld>
@@ -2865,7 +2866,7 @@
           <p:cNvPr id="2" name="Title 1">
             <a:extLst>
               <a:ext uri="{FF2B5EF4-FFF2-40B4-BE49-F238E27FC236}">
-                <a16:creationId xmlns:a16="http://schemas.microsoft.com/office/drawing/2014/main" xmlns="" id="{DBEE323E-7BAD-EBBE-E4BE-9D96B17971F8}"/>
+                <a16:creationId xmlns="" xmlns:a16="http://schemas.microsoft.com/office/drawing/2014/main" id="{DBEE323E-7BAD-EBBE-E4BE-9D96B17971F8}"/>
               </a:ext>
             </a:extLst>
           </p:cNvPr>
@@ -2902,7 +2903,7 @@
           <p:cNvPr id="3" name="Picture Placeholder 2">
             <a:extLst>
               <a:ext uri="{FF2B5EF4-FFF2-40B4-BE49-F238E27FC236}">
-                <a16:creationId xmlns:a16="http://schemas.microsoft.com/office/drawing/2014/main" xmlns="" id="{C2E9CD05-5DCD-89AA-7CDF-6DCE08A27027}"/>
+                <a16:creationId xmlns="" xmlns:a16="http://schemas.microsoft.com/office/drawing/2014/main" id="{C2E9CD05-5DCD-89AA-7CDF-6DCE08A27027}"/>
               </a:ext>
             </a:extLst>
           </p:cNvPr>
@@ -2969,7 +2970,7 @@
           <p:cNvPr id="4" name="Text Placeholder 3">
             <a:extLst>
               <a:ext uri="{FF2B5EF4-FFF2-40B4-BE49-F238E27FC236}">
-                <a16:creationId xmlns:a16="http://schemas.microsoft.com/office/drawing/2014/main" xmlns="" id="{BE04A185-1286-A3CF-5BB1-8D97CAAF07AD}"/>
+                <a16:creationId xmlns="" xmlns:a16="http://schemas.microsoft.com/office/drawing/2014/main" id="{BE04A185-1286-A3CF-5BB1-8D97CAAF07AD}"/>
               </a:ext>
             </a:extLst>
           </p:cNvPr>
@@ -3040,7 +3041,7 @@
           <p:cNvPr id="5" name="Date Placeholder 4">
             <a:extLst>
               <a:ext uri="{FF2B5EF4-FFF2-40B4-BE49-F238E27FC236}">
-                <a16:creationId xmlns:a16="http://schemas.microsoft.com/office/drawing/2014/main" xmlns="" id="{BB2FBC04-7A4C-CADE-01EF-27358C4C9A2C}"/>
+                <a16:creationId xmlns="" xmlns:a16="http://schemas.microsoft.com/office/drawing/2014/main" id="{BB2FBC04-7A4C-CADE-01EF-27358C4C9A2C}"/>
               </a:ext>
             </a:extLst>
           </p:cNvPr>
@@ -3059,7 +3060,7 @@
             <a:fld id="{DB7D2D2E-EAC4-42CE-8EAE-33F749632CB6}" type="datetimeFigureOut">
               <a:rPr lang="en-US" smtClean="0"/>
               <a:pPr/>
-              <a:t>3/25/2025</a:t>
+              <a:t>3/26/2025</a:t>
             </a:fld>
             <a:endParaRPr lang="en-US"/>
           </a:p>
@@ -3070,7 +3071,7 @@
           <p:cNvPr id="6" name="Footer Placeholder 5">
             <a:extLst>
               <a:ext uri="{FF2B5EF4-FFF2-40B4-BE49-F238E27FC236}">
-                <a16:creationId xmlns:a16="http://schemas.microsoft.com/office/drawing/2014/main" xmlns="" id="{4290A039-3CCC-1817-74BB-C85A614E3C78}"/>
+                <a16:creationId xmlns="" xmlns:a16="http://schemas.microsoft.com/office/drawing/2014/main" id="{4290A039-3CCC-1817-74BB-C85A614E3C78}"/>
               </a:ext>
             </a:extLst>
           </p:cNvPr>
@@ -3095,7 +3096,7 @@
           <p:cNvPr id="7" name="Slide Number Placeholder 6">
             <a:extLst>
               <a:ext uri="{FF2B5EF4-FFF2-40B4-BE49-F238E27FC236}">
-                <a16:creationId xmlns:a16="http://schemas.microsoft.com/office/drawing/2014/main" xmlns="" id="{D6B65F36-31FA-4BD0-A0F7-C705DC3FD002}"/>
+                <a16:creationId xmlns="" xmlns:a16="http://schemas.microsoft.com/office/drawing/2014/main" id="{D6B65F36-31FA-4BD0-A0F7-C705DC3FD002}"/>
               </a:ext>
             </a:extLst>
           </p:cNvPr>
@@ -3123,7 +3124,7 @@
     </p:spTree>
     <p:extLst>
       <p:ext uri="{BB962C8B-B14F-4D97-AF65-F5344CB8AC3E}">
-        <p14:creationId xmlns:p14="http://schemas.microsoft.com/office/powerpoint/2010/main" xmlns="" val="3709242446"/>
+        <p14:creationId xmlns="" xmlns:p14="http://schemas.microsoft.com/office/powerpoint/2010/main" val="3709242446"/>
       </p:ext>
     </p:extLst>
   </p:cSld>
@@ -3160,7 +3161,7 @@
           <p:cNvPr id="2" name="Title Placeholder 1">
             <a:extLst>
               <a:ext uri="{FF2B5EF4-FFF2-40B4-BE49-F238E27FC236}">
-                <a16:creationId xmlns:a16="http://schemas.microsoft.com/office/drawing/2014/main" xmlns="" id="{9EBB33B2-137D-FF39-16EE-63146EB1D432}"/>
+                <a16:creationId xmlns="" xmlns:a16="http://schemas.microsoft.com/office/drawing/2014/main" id="{9EBB33B2-137D-FF39-16EE-63146EB1D432}"/>
               </a:ext>
             </a:extLst>
           </p:cNvPr>
@@ -3198,7 +3199,7 @@
           <p:cNvPr id="3" name="Text Placeholder 2">
             <a:extLst>
               <a:ext uri="{FF2B5EF4-FFF2-40B4-BE49-F238E27FC236}">
-                <a16:creationId xmlns:a16="http://schemas.microsoft.com/office/drawing/2014/main" xmlns="" id="{499CF31D-8CF2-442A-4561-9FECFA40B9B3}"/>
+                <a16:creationId xmlns="" xmlns:a16="http://schemas.microsoft.com/office/drawing/2014/main" id="{499CF31D-8CF2-442A-4561-9FECFA40B9B3}"/>
               </a:ext>
             </a:extLst>
           </p:cNvPr>
@@ -3265,7 +3266,7 @@
           <p:cNvPr id="4" name="Date Placeholder 3">
             <a:extLst>
               <a:ext uri="{FF2B5EF4-FFF2-40B4-BE49-F238E27FC236}">
-                <a16:creationId xmlns:a16="http://schemas.microsoft.com/office/drawing/2014/main" xmlns="" id="{8436089C-8ADB-5602-652D-C8EA06A4A873}"/>
+                <a16:creationId xmlns="" xmlns:a16="http://schemas.microsoft.com/office/drawing/2014/main" id="{8436089C-8ADB-5602-652D-C8EA06A4A873}"/>
               </a:ext>
             </a:extLst>
           </p:cNvPr>
@@ -3302,7 +3303,7 @@
             <a:fld id="{DB7D2D2E-EAC4-42CE-8EAE-33F749632CB6}" type="datetimeFigureOut">
               <a:rPr lang="en-US" smtClean="0"/>
               <a:pPr/>
-              <a:t>3/25/2025</a:t>
+              <a:t>3/26/2025</a:t>
             </a:fld>
             <a:endParaRPr lang="en-US"/>
           </a:p>
@@ -3313,7 +3314,7 @@
           <p:cNvPr id="5" name="Footer Placeholder 4">
             <a:extLst>
               <a:ext uri="{FF2B5EF4-FFF2-40B4-BE49-F238E27FC236}">
-                <a16:creationId xmlns:a16="http://schemas.microsoft.com/office/drawing/2014/main" xmlns="" id="{5BF5F38D-B2A6-755F-2204-0A486E82C947}"/>
+                <a16:creationId xmlns="" xmlns:a16="http://schemas.microsoft.com/office/drawing/2014/main" id="{5BF5F38D-B2A6-755F-2204-0A486E82C947}"/>
               </a:ext>
             </a:extLst>
           </p:cNvPr>
@@ -3356,7 +3357,7 @@
           <p:cNvPr id="6" name="Slide Number Placeholder 5">
             <a:extLst>
               <a:ext uri="{FF2B5EF4-FFF2-40B4-BE49-F238E27FC236}">
-                <a16:creationId xmlns:a16="http://schemas.microsoft.com/office/drawing/2014/main" xmlns="" id="{D58B705F-DDE2-DB93-AFEE-DD54CD6F813A}"/>
+                <a16:creationId xmlns="" xmlns:a16="http://schemas.microsoft.com/office/drawing/2014/main" id="{D58B705F-DDE2-DB93-AFEE-DD54CD6F813A}"/>
               </a:ext>
             </a:extLst>
           </p:cNvPr>
@@ -3402,7 +3403,7 @@
     </p:spTree>
     <p:extLst>
       <p:ext uri="{BB962C8B-B14F-4D97-AF65-F5344CB8AC3E}">
-        <p14:creationId xmlns:p14="http://schemas.microsoft.com/office/powerpoint/2010/main" xmlns="" val="3964764200"/>
+        <p14:creationId xmlns="" xmlns:p14="http://schemas.microsoft.com/office/powerpoint/2010/main" val="3964764200"/>
       </p:ext>
     </p:extLst>
   </p:cSld>
@@ -3725,7 +3726,7 @@
           <p:cNvPr id="4" name="Title 3">
             <a:extLst>
               <a:ext uri="{FF2B5EF4-FFF2-40B4-BE49-F238E27FC236}">
-                <a16:creationId xmlns:a16="http://schemas.microsoft.com/office/drawing/2014/main" xmlns="" id="{18B10B1B-C9A0-5C1D-1E2B-EBB455AA5B66}"/>
+                <a16:creationId xmlns="" xmlns:a16="http://schemas.microsoft.com/office/drawing/2014/main" id="{18B10B1B-C9A0-5C1D-1E2B-EBB455AA5B66}"/>
               </a:ext>
             </a:extLst>
           </p:cNvPr>
@@ -3770,7 +3771,7 @@
           <p:cNvPr id="5" name="Subtitle 4">
             <a:extLst>
               <a:ext uri="{FF2B5EF4-FFF2-40B4-BE49-F238E27FC236}">
-                <a16:creationId xmlns:a16="http://schemas.microsoft.com/office/drawing/2014/main" xmlns="" id="{F063F9F8-D11C-0A55-C089-FCAD1955F695}"/>
+                <a16:creationId xmlns="" xmlns:a16="http://schemas.microsoft.com/office/drawing/2014/main" id="{F063F9F8-D11C-0A55-C089-FCAD1955F695}"/>
               </a:ext>
             </a:extLst>
           </p:cNvPr>
@@ -3812,7 +3813,7 @@
           <p:cNvPr id="6" name="Rectangle 5">
             <a:extLst>
               <a:ext uri="{FF2B5EF4-FFF2-40B4-BE49-F238E27FC236}">
-                <a16:creationId xmlns:a16="http://schemas.microsoft.com/office/drawing/2014/main" xmlns="" id="{120F8FB5-5C0D-7516-F8D9-A7E78D33A1D3}"/>
+                <a16:creationId xmlns="" xmlns:a16="http://schemas.microsoft.com/office/drawing/2014/main" id="{120F8FB5-5C0D-7516-F8D9-A7E78D33A1D3}"/>
               </a:ext>
             </a:extLst>
           </p:cNvPr>
@@ -3858,7 +3859,7 @@
           <p:cNvPr id="7" name="TextBox 6">
             <a:extLst>
               <a:ext uri="{FF2B5EF4-FFF2-40B4-BE49-F238E27FC236}">
-                <a16:creationId xmlns:a16="http://schemas.microsoft.com/office/drawing/2014/main" xmlns="" id="{3D4E6149-2D30-F2F4-F76B-B32B4D39972A}"/>
+                <a16:creationId xmlns="" xmlns:a16="http://schemas.microsoft.com/office/drawing/2014/main" id="{3D4E6149-2D30-F2F4-F76B-B32B4D39972A}"/>
               </a:ext>
             </a:extLst>
           </p:cNvPr>
@@ -3991,12 +3992,6 @@
               </a:rPr>
               <a:t>5</a:t>
             </a:r>
-            <a:endParaRPr lang="en-US" sz="3200" b="1" dirty="0">
-              <a:solidFill>
-                <a:srgbClr val="660066"/>
-              </a:solidFill>
-              <a:latin typeface="Monotype Corsiva" panose="03010101010201010101" pitchFamily="66" charset="0"/>
-            </a:endParaRPr>
           </a:p>
         </p:txBody>
       </p:sp>
@@ -4005,7 +4000,7 @@
           <p:cNvPr id="8" name="TextBox 7">
             <a:extLst>
               <a:ext uri="{FF2B5EF4-FFF2-40B4-BE49-F238E27FC236}">
-                <a16:creationId xmlns:a16="http://schemas.microsoft.com/office/drawing/2014/main" xmlns="" id="{38E8BD16-22C1-8E23-9A0A-FD55F6C0A5A8}"/>
+                <a16:creationId xmlns="" xmlns:a16="http://schemas.microsoft.com/office/drawing/2014/main" id="{38E8BD16-22C1-8E23-9A0A-FD55F6C0A5A8}"/>
               </a:ext>
             </a:extLst>
           </p:cNvPr>
@@ -4049,7 +4044,7 @@
           <p:cNvPr id="9" name="TextBox 8">
             <a:extLst>
               <a:ext uri="{FF2B5EF4-FFF2-40B4-BE49-F238E27FC236}">
-                <a16:creationId xmlns:a16="http://schemas.microsoft.com/office/drawing/2014/main" xmlns="" id="{7CAF47B3-FE25-B5CA-3D74-CF15650251DC}"/>
+                <a16:creationId xmlns="" xmlns:a16="http://schemas.microsoft.com/office/drawing/2014/main" id="{7CAF47B3-FE25-B5CA-3D74-CF15650251DC}"/>
               </a:ext>
             </a:extLst>
           </p:cNvPr>
@@ -4111,7 +4106,7 @@
           <p:cNvPr id="10" name="TextBox 9">
             <a:extLst>
               <a:ext uri="{FF2B5EF4-FFF2-40B4-BE49-F238E27FC236}">
-                <a16:creationId xmlns:a16="http://schemas.microsoft.com/office/drawing/2014/main" xmlns="" id="{E6436171-7421-E4D2-60E9-3C0F3A027DDC}"/>
+                <a16:creationId xmlns="" xmlns:a16="http://schemas.microsoft.com/office/drawing/2014/main" id="{E6436171-7421-E4D2-60E9-3C0F3A027DDC}"/>
               </a:ext>
             </a:extLst>
           </p:cNvPr>
@@ -4182,7 +4177,7 @@
     </p:spTree>
     <p:extLst>
       <p:ext uri="{BB962C8B-B14F-4D97-AF65-F5344CB8AC3E}">
-        <p14:creationId xmlns:p14="http://schemas.microsoft.com/office/powerpoint/2010/main" xmlns="" val="1758778708"/>
+        <p14:creationId xmlns="" xmlns:p14="http://schemas.microsoft.com/office/powerpoint/2010/main" val="1758778708"/>
       </p:ext>
     </p:extLst>
   </p:cSld>
@@ -4221,7 +4216,7 @@
           <p:cNvPr id="7" name="Title 1">
             <a:extLst>
               <a:ext uri="{FF2B5EF4-FFF2-40B4-BE49-F238E27FC236}">
-                <a16:creationId xmlns:a16="http://schemas.microsoft.com/office/drawing/2014/main" xmlns="" id="{57353EC1-0929-E614-5054-EDB18A7FEEEB}"/>
+                <a16:creationId xmlns="" xmlns:a16="http://schemas.microsoft.com/office/drawing/2014/main" id="{57353EC1-0929-E614-5054-EDB18A7FEEEB}"/>
               </a:ext>
             </a:extLst>
           </p:cNvPr>
@@ -4232,7 +4227,7 @@
         </p:nvSpPr>
         <p:spPr>
           <a:xfrm>
-            <a:off x="838200" y="365126"/>
+            <a:off x="266700" y="165101"/>
             <a:ext cx="10515600" cy="660734"/>
           </a:xfrm>
           <a:prstGeom prst="rect">
@@ -4279,7 +4274,7 @@
           <p:cNvPr id="5" name="Picture 4">
             <a:extLst>
               <a:ext uri="{FF2B5EF4-FFF2-40B4-BE49-F238E27FC236}">
-                <a16:creationId xmlns:a16="http://schemas.microsoft.com/office/drawing/2014/main" xmlns="" id="{14310A56-AC39-3525-E556-C1AF370863EB}"/>
+                <a16:creationId xmlns="" xmlns:a16="http://schemas.microsoft.com/office/drawing/2014/main" id="{14310A56-AC39-3525-E556-C1AF370863EB}"/>
               </a:ext>
             </a:extLst>
           </p:cNvPr>
@@ -4292,7 +4287,7 @@
           <a:blip r:embed="rId2" cstate="print">
             <a:extLst>
               <a:ext uri="{28A0092B-C50C-407E-A947-70E740481C1C}">
-                <a14:useLocalDpi xmlns:a14="http://schemas.microsoft.com/office/drawing/2010/main" xmlns="" val="0"/>
+                <a14:useLocalDpi xmlns="" xmlns:a14="http://schemas.microsoft.com/office/drawing/2010/main" val="0"/>
               </a:ext>
             </a:extLst>
           </a:blip>
@@ -4315,7 +4310,7 @@
           <p:cNvPr id="32" name="Picture 31">
             <a:extLst>
               <a:ext uri="{FF2B5EF4-FFF2-40B4-BE49-F238E27FC236}">
-                <a16:creationId xmlns:a16="http://schemas.microsoft.com/office/drawing/2014/main" xmlns="" id="{D638AC41-38F9-FD53-29F9-C1A69B0F2C68}"/>
+                <a16:creationId xmlns="" xmlns:a16="http://schemas.microsoft.com/office/drawing/2014/main" id="{D638AC41-38F9-FD53-29F9-C1A69B0F2C68}"/>
               </a:ext>
             </a:extLst>
           </p:cNvPr>
@@ -4328,7 +4323,7 @@
           <a:blip r:embed="rId3" cstate="print">
             <a:extLst>
               <a:ext uri="{28A0092B-C50C-407E-A947-70E740481C1C}">
-                <a14:useLocalDpi xmlns:a14="http://schemas.microsoft.com/office/drawing/2010/main" xmlns="" val="0"/>
+                <a14:useLocalDpi xmlns="" xmlns:a14="http://schemas.microsoft.com/office/drawing/2010/main" val="0"/>
               </a:ext>
             </a:extLst>
           </a:blip>
@@ -4351,7 +4346,7 @@
           <p:cNvPr id="38" name="Picture 37">
             <a:extLst>
               <a:ext uri="{FF2B5EF4-FFF2-40B4-BE49-F238E27FC236}">
-                <a16:creationId xmlns:a16="http://schemas.microsoft.com/office/drawing/2014/main" xmlns="" id="{B481BBEA-3E1D-0910-73C6-055A01443DA1}"/>
+                <a16:creationId xmlns="" xmlns:a16="http://schemas.microsoft.com/office/drawing/2014/main" id="{B481BBEA-3E1D-0910-73C6-055A01443DA1}"/>
               </a:ext>
             </a:extLst>
           </p:cNvPr>
@@ -4364,7 +4359,7 @@
           <a:blip r:embed="rId4" cstate="print">
             <a:extLst>
               <a:ext uri="{28A0092B-C50C-407E-A947-70E740481C1C}">
-                <a14:useLocalDpi xmlns:a14="http://schemas.microsoft.com/office/drawing/2010/main" xmlns="" val="0"/>
+                <a14:useLocalDpi xmlns="" xmlns:a14="http://schemas.microsoft.com/office/drawing/2010/main" val="0"/>
               </a:ext>
             </a:extLst>
           </a:blip>
@@ -4374,49 +4369,14 @@
         </p:blipFill>
         <p:spPr>
           <a:xfrm>
-            <a:off x="901014" y="2392451"/>
-            <a:ext cx="1509570" cy="1450242"/>
+            <a:off x="765356" y="1895474"/>
+            <a:ext cx="1283277" cy="1232843"/>
           </a:xfrm>
           <a:prstGeom prst="rect">
             <a:avLst/>
           </a:prstGeom>
         </p:spPr>
       </p:pic>
-      <p:sp>
-        <p:nvSpPr>
-          <p:cNvPr id="4" name="TextBox 3">
-            <a:extLst>
-              <a:ext uri="{FF2B5EF4-FFF2-40B4-BE49-F238E27FC236}">
-                <a16:creationId xmlns:a16="http://schemas.microsoft.com/office/drawing/2014/main" xmlns="" id="{F9FFA7F0-6D93-627F-1C27-46910BD3C894}"/>
-              </a:ext>
-            </a:extLst>
-          </p:cNvPr>
-          <p:cNvSpPr txBox="1"/>
-          <p:nvPr/>
-        </p:nvSpPr>
-        <p:spPr>
-          <a:xfrm>
-            <a:off x="8008702" y="1266825"/>
-            <a:ext cx="906698" cy="646331"/>
-          </a:xfrm>
-          <a:prstGeom prst="rect">
-            <a:avLst/>
-          </a:prstGeom>
-          <a:noFill/>
-        </p:spPr>
-        <p:txBody>
-          <a:bodyPr wrap="square" rtlCol="0">
-            <a:spAutoFit/>
-          </a:bodyPr>
-          <a:lstStyle/>
-          <a:p>
-            <a:r>
-              <a:rPr lang="en-IN" dirty="0"/>
-              <a:t>Public Cloud</a:t>
-            </a:r>
-          </a:p>
-        </p:txBody>
-      </p:sp>
       <p:sp>
         <p:nvSpPr>
           <p:cNvPr id="27651" name="AutoShape 3" descr="Node.js Logo PNG Transparent – Brands Logos"/>
@@ -4496,7 +4456,7 @@
         </p:blipFill>
         <p:spPr bwMode="auto">
           <a:xfrm>
-            <a:off x="240957" y="4963426"/>
+            <a:off x="336207" y="4372876"/>
             <a:ext cx="2568145" cy="937711"/>
           </a:xfrm>
           <a:prstGeom prst="rect">
@@ -4528,7 +4488,7 @@
         </p:blipFill>
         <p:spPr bwMode="auto">
           <a:xfrm>
-            <a:off x="3448308" y="4757609"/>
+            <a:off x="6448683" y="4386134"/>
             <a:ext cx="2152650" cy="876300"/>
           </a:xfrm>
           <a:prstGeom prst="rect">
@@ -4560,7 +4520,7 @@
         </p:blipFill>
         <p:spPr bwMode="auto">
           <a:xfrm>
-            <a:off x="9553575" y="4832545"/>
+            <a:off x="9553575" y="5413570"/>
             <a:ext cx="2028825" cy="785915"/>
           </a:xfrm>
           <a:prstGeom prst="rect">
@@ -4592,7 +4552,7 @@
         </p:blipFill>
         <p:spPr bwMode="auto">
           <a:xfrm>
-            <a:off x="9102810" y="2501045"/>
+            <a:off x="9445710" y="2177195"/>
             <a:ext cx="2122916" cy="1182383"/>
           </a:xfrm>
           <a:prstGeom prst="rect">
@@ -4624,8 +4584,8 @@
         </p:blipFill>
         <p:spPr bwMode="auto">
           <a:xfrm>
-            <a:off x="6096000" y="4601317"/>
-            <a:ext cx="2709863" cy="1156546"/>
+            <a:off x="3467100" y="4502684"/>
+            <a:ext cx="2047875" cy="874016"/>
           </a:xfrm>
           <a:prstGeom prst="rect">
             <a:avLst/>
@@ -4656,8 +4616,72 @@
         </p:blipFill>
         <p:spPr bwMode="auto">
           <a:xfrm>
-            <a:off x="438150" y="3907593"/>
+            <a:off x="400050" y="3412293"/>
             <a:ext cx="2376487" cy="873956"/>
+          </a:xfrm>
+          <a:prstGeom prst="rect">
+            <a:avLst/>
+          </a:prstGeom>
+          <a:noFill/>
+          <a:ln w="9525">
+            <a:noFill/>
+            <a:miter lim="800000"/>
+            <a:headEnd/>
+            <a:tailEnd/>
+          </a:ln>
+        </p:spPr>
+      </p:pic>
+      <p:pic>
+        <p:nvPicPr>
+          <p:cNvPr id="1026" name="Picture 2"/>
+          <p:cNvPicPr>
+            <a:picLocks noChangeAspect="1" noChangeArrowheads="1"/>
+          </p:cNvPicPr>
+          <p:nvPr/>
+        </p:nvPicPr>
+        <p:blipFill>
+          <a:blip r:embed="rId12" cstate="print"/>
+          <a:srcRect/>
+          <a:stretch>
+            <a:fillRect/>
+          </a:stretch>
+        </p:blipFill>
+        <p:spPr bwMode="auto">
+          <a:xfrm>
+            <a:off x="9495421" y="3781425"/>
+            <a:ext cx="2077453" cy="1233488"/>
+          </a:xfrm>
+          <a:prstGeom prst="rect">
+            <a:avLst/>
+          </a:prstGeom>
+          <a:noFill/>
+          <a:ln w="9525">
+            <a:noFill/>
+            <a:miter lim="800000"/>
+            <a:headEnd/>
+            <a:tailEnd/>
+          </a:ln>
+        </p:spPr>
+      </p:pic>
+      <p:pic>
+        <p:nvPicPr>
+          <p:cNvPr id="1028" name="Picture 4"/>
+          <p:cNvPicPr>
+            <a:picLocks noChangeAspect="1" noChangeArrowheads="1"/>
+          </p:cNvPicPr>
+          <p:nvPr/>
+        </p:nvPicPr>
+        <p:blipFill>
+          <a:blip r:embed="rId13" cstate="print"/>
+          <a:srcRect/>
+          <a:stretch>
+            <a:fillRect/>
+          </a:stretch>
+        </p:blipFill>
+        <p:spPr bwMode="auto">
+          <a:xfrm>
+            <a:off x="552450" y="5583270"/>
+            <a:ext cx="2352674" cy="850868"/>
           </a:xfrm>
           <a:prstGeom prst="rect">
             <a:avLst/>
@@ -4674,7 +4698,7 @@
     </p:spTree>
     <p:extLst>
       <p:ext uri="{BB962C8B-B14F-4D97-AF65-F5344CB8AC3E}">
-        <p14:creationId xmlns:p14="http://schemas.microsoft.com/office/powerpoint/2010/main" xmlns="" val="540608390"/>
+        <p14:creationId xmlns="" xmlns:p14="http://schemas.microsoft.com/office/powerpoint/2010/main" val="540608390"/>
       </p:ext>
     </p:extLst>
   </p:cSld>
@@ -4713,7 +4737,7 @@
           <p:cNvPr id="136" name="Title 1">
             <a:extLst>
               <a:ext uri="{FF2B5EF4-FFF2-40B4-BE49-F238E27FC236}">
-                <a16:creationId xmlns:a16="http://schemas.microsoft.com/office/drawing/2014/main" xmlns="" id="{3FE3D8BE-F8DD-087C-1839-CDD4F975E237}"/>
+                <a16:creationId xmlns="" xmlns:a16="http://schemas.microsoft.com/office/drawing/2014/main" id="{3FE3D8BE-F8DD-087C-1839-CDD4F975E237}"/>
               </a:ext>
             </a:extLst>
           </p:cNvPr>
@@ -4776,7 +4800,7 @@
     </p:spTree>
     <p:extLst>
       <p:ext uri="{BB962C8B-B14F-4D97-AF65-F5344CB8AC3E}">
-        <p14:creationId xmlns:p14="http://schemas.microsoft.com/office/powerpoint/2010/main" xmlns="" val="3928614693"/>
+        <p14:creationId xmlns="" xmlns:p14="http://schemas.microsoft.com/office/powerpoint/2010/main" val="3928614693"/>
       </p:ext>
     </p:extLst>
   </p:cSld>
@@ -4812,10 +4836,61 @@
       </p:grpSpPr>
       <p:sp>
         <p:nvSpPr>
+          <p:cNvPr id="22" name="Rectangle 21"/>
+          <p:cNvSpPr/>
+          <p:nvPr/>
+        </p:nvSpPr>
+        <p:spPr>
+          <a:xfrm>
+            <a:off x="104775" y="762001"/>
+            <a:ext cx="6353175" cy="1247774"/>
+          </a:xfrm>
+          <a:prstGeom prst="rect">
+            <a:avLst/>
+          </a:prstGeom>
+          <a:solidFill>
+            <a:schemeClr val="accent1">
+              <a:lumMod val="20000"/>
+              <a:lumOff val="80000"/>
+            </a:schemeClr>
+          </a:solidFill>
+        </p:spPr>
+        <p:style>
+          <a:lnRef idx="2">
+            <a:schemeClr val="accent1">
+              <a:shade val="50000"/>
+            </a:schemeClr>
+          </a:lnRef>
+          <a:fillRef idx="1">
+            <a:schemeClr val="accent1"/>
+          </a:fillRef>
+          <a:effectRef idx="0">
+            <a:schemeClr val="accent1"/>
+          </a:effectRef>
+          <a:fontRef idx="minor">
+            <a:schemeClr val="lt1"/>
+          </a:fontRef>
+        </p:style>
+        <p:txBody>
+          <a:bodyPr rtlCol="0" anchor="ctr"/>
+          <a:lstStyle/>
+          <a:p>
+            <a:endParaRPr lang="en-IN" sz="2800" b="1" i="1" dirty="0" smtClean="0">
+              <a:solidFill>
+                <a:schemeClr val="tx1"/>
+              </a:solidFill>
+              <a:ea typeface="+mj-ea"/>
+              <a:cs typeface="+mj-cs"/>
+            </a:endParaRPr>
+          </a:p>
+        </p:txBody>
+      </p:sp>
+      <p:sp>
+        <p:nvSpPr>
           <p:cNvPr id="4" name="Title 1">
             <a:extLst>
               <a:ext uri="{FF2B5EF4-FFF2-40B4-BE49-F238E27FC236}">
-                <a16:creationId xmlns:a16="http://schemas.microsoft.com/office/drawing/2014/main" xmlns="" id="{5C678135-7BF8-C549-D0A9-04663429EE21}"/>
+                <a16:creationId xmlns="" xmlns:a16="http://schemas.microsoft.com/office/drawing/2014/main" id="{5C678135-7BF8-C549-D0A9-04663429EE21}"/>
               </a:ext>
             </a:extLst>
           </p:cNvPr>
@@ -4826,7 +4901,7 @@
         </p:nvSpPr>
         <p:spPr>
           <a:xfrm>
-            <a:off x="838200" y="365126"/>
+            <a:off x="123825" y="146051"/>
             <a:ext cx="10515600" cy="660734"/>
           </a:xfrm>
           <a:prstGeom prst="rect">
@@ -4870,37 +4945,19 @@
       </p:sp>
       <p:sp>
         <p:nvSpPr>
-          <p:cNvPr id="5" name="TextBox 4">
-            <a:extLst>
-              <a:ext uri="{FF2B5EF4-FFF2-40B4-BE49-F238E27FC236}">
-                <a16:creationId xmlns:a16="http://schemas.microsoft.com/office/drawing/2014/main" xmlns="" id="{8B20A8EC-AEA6-D280-C3C0-33EAB320A91E}"/>
-              </a:ext>
-            </a:extLst>
-          </p:cNvPr>
+          <p:cNvPr id="19" name="TextBox 18"/>
           <p:cNvSpPr txBox="1"/>
           <p:nvPr/>
         </p:nvSpPr>
         <p:spPr>
           <a:xfrm>
-            <a:off x="879144" y="1978035"/>
-            <a:ext cx="4972878" cy="369332"/>
+            <a:off x="142874" y="771525"/>
+            <a:ext cx="6124575" cy="1261884"/>
           </a:xfrm>
           <a:prstGeom prst="rect">
             <a:avLst/>
           </a:prstGeom>
           <a:noFill/>
-          <a:ln>
-            <a:solidFill>
-              <a:srgbClr val="7030A0"/>
-            </a:solidFill>
-          </a:ln>
-          <a:effectLst>
-            <a:glow rad="101600">
-              <a:srgbClr val="660066">
-                <a:alpha val="60000"/>
-              </a:srgbClr>
-            </a:glow>
-          </a:effectLst>
         </p:spPr>
         <p:txBody>
           <a:bodyPr wrap="square" rtlCol="0">
@@ -4908,43 +4965,147 @@
           </a:bodyPr>
           <a:lstStyle/>
           <a:p>
-            <a:endParaRPr lang="en-US" dirty="0"/>
-          </a:p>
-        </p:txBody>
-      </p:sp>
-      <p:sp>
-        <p:nvSpPr>
-          <p:cNvPr id="7" name="TextBox 6">
-            <a:extLst>
-              <a:ext uri="{FF2B5EF4-FFF2-40B4-BE49-F238E27FC236}">
-                <a16:creationId xmlns:a16="http://schemas.microsoft.com/office/drawing/2014/main" xmlns="" id="{77225366-2B1C-0CBE-5DA4-EFD305402BF6}"/>
-              </a:ext>
-            </a:extLst>
-          </p:cNvPr>
+            <a:r>
+              <a:rPr lang="en-IN" sz="2800" b="1" i="1" dirty="0" smtClean="0">
+                <a:ea typeface="+mj-ea"/>
+                <a:cs typeface="+mj-cs"/>
+              </a:rPr>
+              <a:t>Problem Statement:</a:t>
+            </a:r>
+          </a:p>
+          <a:p>
+            <a:pPr>
+              <a:lnSpc>
+                <a:spcPct val="150000"/>
+              </a:lnSpc>
+            </a:pPr>
+            <a:r>
+              <a:rPr lang="en-IN" sz="1600" i="1" dirty="0" smtClean="0">
+                <a:ea typeface="+mj-ea"/>
+                <a:cs typeface="+mj-cs"/>
+              </a:rPr>
+              <a:t>Develop a gen-AI enabled Integrated platform environment that provides an integrated console to platform support</a:t>
+            </a:r>
+          </a:p>
+        </p:txBody>
+      </p:sp>
+      <p:sp>
+        <p:nvSpPr>
+          <p:cNvPr id="23" name="Rectangle 22"/>
+          <p:cNvSpPr/>
+          <p:nvPr/>
+        </p:nvSpPr>
+        <p:spPr>
+          <a:xfrm>
+            <a:off x="114300" y="2124075"/>
+            <a:ext cx="6334125" cy="4114799"/>
+          </a:xfrm>
+          <a:prstGeom prst="rect">
+            <a:avLst/>
+          </a:prstGeom>
+          <a:solidFill>
+            <a:schemeClr val="accent1">
+              <a:lumMod val="20000"/>
+              <a:lumOff val="80000"/>
+            </a:schemeClr>
+          </a:solidFill>
+        </p:spPr>
+        <p:style>
+          <a:lnRef idx="2">
+            <a:schemeClr val="accent1">
+              <a:shade val="50000"/>
+            </a:schemeClr>
+          </a:lnRef>
+          <a:fillRef idx="1">
+            <a:schemeClr val="accent1"/>
+          </a:fillRef>
+          <a:effectRef idx="0">
+            <a:schemeClr val="accent1"/>
+          </a:effectRef>
+          <a:fontRef idx="minor">
+            <a:schemeClr val="lt1"/>
+          </a:fontRef>
+        </p:style>
+        <p:txBody>
+          <a:bodyPr rtlCol="0" anchor="ctr"/>
+          <a:lstStyle/>
+          <a:p>
+            <a:endParaRPr lang="en-IN" sz="2800" b="1" i="1" dirty="0" smtClean="0">
+              <a:solidFill>
+                <a:schemeClr val="tx1"/>
+              </a:solidFill>
+              <a:ea typeface="+mj-ea"/>
+              <a:cs typeface="+mj-cs"/>
+            </a:endParaRPr>
+          </a:p>
+        </p:txBody>
+      </p:sp>
+      <p:sp>
+        <p:nvSpPr>
+          <p:cNvPr id="24" name="Rectangle 23"/>
+          <p:cNvSpPr/>
+          <p:nvPr/>
+        </p:nvSpPr>
+        <p:spPr>
+          <a:xfrm>
+            <a:off x="6543676" y="762000"/>
+            <a:ext cx="5524500" cy="4571999"/>
+          </a:xfrm>
+          <a:prstGeom prst="rect">
+            <a:avLst/>
+          </a:prstGeom>
+          <a:solidFill>
+            <a:schemeClr val="accent1">
+              <a:lumMod val="20000"/>
+              <a:lumOff val="80000"/>
+            </a:schemeClr>
+          </a:solidFill>
+        </p:spPr>
+        <p:style>
+          <a:lnRef idx="2">
+            <a:schemeClr val="accent1">
+              <a:shade val="50000"/>
+            </a:schemeClr>
+          </a:lnRef>
+          <a:fillRef idx="1">
+            <a:schemeClr val="accent1"/>
+          </a:fillRef>
+          <a:effectRef idx="0">
+            <a:schemeClr val="accent1"/>
+          </a:effectRef>
+          <a:fontRef idx="minor">
+            <a:schemeClr val="lt1"/>
+          </a:fontRef>
+        </p:style>
+        <p:txBody>
+          <a:bodyPr rtlCol="0" anchor="ctr"/>
+          <a:lstStyle/>
+          <a:p>
+            <a:endParaRPr lang="en-IN" sz="2800" b="1" i="1" dirty="0" smtClean="0">
+              <a:solidFill>
+                <a:schemeClr val="tx1"/>
+              </a:solidFill>
+              <a:ea typeface="+mj-ea"/>
+              <a:cs typeface="+mj-cs"/>
+            </a:endParaRPr>
+          </a:p>
+        </p:txBody>
+      </p:sp>
+      <p:sp>
+        <p:nvSpPr>
+          <p:cNvPr id="26" name="TextBox 25"/>
           <p:cNvSpPr txBox="1"/>
           <p:nvPr/>
         </p:nvSpPr>
         <p:spPr>
           <a:xfrm>
-            <a:off x="6266153" y="1978034"/>
-            <a:ext cx="4972878" cy="369332"/>
+            <a:off x="6581775" y="809625"/>
+            <a:ext cx="5391150" cy="6924973"/>
           </a:xfrm>
           <a:prstGeom prst="rect">
             <a:avLst/>
           </a:prstGeom>
           <a:noFill/>
-          <a:ln>
-            <a:solidFill>
-              <a:srgbClr val="7030A0"/>
-            </a:solidFill>
-          </a:ln>
-          <a:effectLst>
-            <a:glow rad="101600">
-              <a:srgbClr val="660066">
-                <a:alpha val="60000"/>
-              </a:srgbClr>
-            </a:glow>
-          </a:effectLst>
         </p:spPr>
         <p:txBody>
           <a:bodyPr wrap="square" rtlCol="0">
@@ -4952,43 +5113,303 @@
           </a:bodyPr>
           <a:lstStyle/>
           <a:p>
-            <a:endParaRPr lang="en-US" dirty="0"/>
-          </a:p>
-        </p:txBody>
-      </p:sp>
-      <p:sp>
-        <p:nvSpPr>
-          <p:cNvPr id="8" name="TextBox 7">
-            <a:extLst>
-              <a:ext uri="{FF2B5EF4-FFF2-40B4-BE49-F238E27FC236}">
-                <a16:creationId xmlns:a16="http://schemas.microsoft.com/office/drawing/2014/main" xmlns="" id="{DA9C9831-471C-B1C7-3F89-41590652A68A}"/>
-              </a:ext>
-            </a:extLst>
-          </p:cNvPr>
+            <a:r>
+              <a:rPr lang="en-IN" sz="2800" b="1" i="1" dirty="0" smtClean="0">
+                <a:ea typeface="+mj-ea"/>
+                <a:cs typeface="+mj-cs"/>
+              </a:rPr>
+              <a:t>Novelty:</a:t>
+            </a:r>
+          </a:p>
+          <a:p>
+            <a:pPr>
+              <a:lnSpc>
+                <a:spcPct val="150000"/>
+              </a:lnSpc>
+              <a:buFont typeface="Wingdings" pitchFamily="2" charset="2"/>
+              <a:buChar char="ü"/>
+            </a:pPr>
+            <a:r>
+              <a:rPr lang="en-IN" sz="1600" b="1" i="1" dirty="0" smtClean="0"/>
+              <a:t>Self</a:t>
+            </a:r>
+            <a:r>
+              <a:rPr lang="en-IN" sz="1600" i="1" dirty="0" smtClean="0"/>
+              <a:t> </a:t>
+            </a:r>
+            <a:r>
+              <a:rPr lang="en-IN" sz="1600" b="1" i="1" dirty="0" smtClean="0"/>
+              <a:t>healing</a:t>
+            </a:r>
+            <a:r>
+              <a:rPr lang="en-IN" sz="1600" i="1" dirty="0" smtClean="0"/>
+              <a:t> </a:t>
+            </a:r>
+            <a:r>
+              <a:rPr lang="en-IN" sz="1600" i="1" dirty="0" smtClean="0"/>
+              <a:t>and </a:t>
+            </a:r>
+            <a:r>
+              <a:rPr lang="en-IN" sz="1600" b="1" i="1" dirty="0" smtClean="0"/>
+              <a:t>auto updates in </a:t>
+            </a:r>
+            <a:r>
+              <a:rPr lang="en-IN" sz="1600" b="1" i="1" dirty="0" err="1" smtClean="0"/>
+              <a:t>Servicenow</a:t>
+            </a:r>
+            <a:r>
+              <a:rPr lang="en-IN" sz="1600" i="1" dirty="0" smtClean="0"/>
+              <a:t> with </a:t>
+            </a:r>
+            <a:r>
+              <a:rPr lang="en-IN" sz="1600" i="1" dirty="0" err="1" smtClean="0"/>
+              <a:t>GenAI</a:t>
+            </a:r>
+            <a:r>
+              <a:rPr lang="en-IN" sz="1600" i="1" dirty="0" smtClean="0"/>
+              <a:t> automated Incident </a:t>
+            </a:r>
+            <a:r>
+              <a:rPr lang="en-IN" sz="1600" i="1" dirty="0" smtClean="0"/>
+              <a:t>resolution workflow</a:t>
+            </a:r>
+            <a:endParaRPr lang="en-IN" sz="1600" i="1" dirty="0" smtClean="0"/>
+          </a:p>
+          <a:p>
+            <a:pPr>
+              <a:lnSpc>
+                <a:spcPct val="150000"/>
+              </a:lnSpc>
+              <a:buFont typeface="Wingdings" pitchFamily="2" charset="2"/>
+              <a:buChar char="ü"/>
+            </a:pPr>
+            <a:r>
+              <a:rPr lang="en-IN" sz="1600" b="1" i="1" dirty="0" smtClean="0"/>
+              <a:t>Real time data sync </a:t>
+            </a:r>
+            <a:r>
+              <a:rPr lang="en-IN" sz="1600" i="1" dirty="0" smtClean="0"/>
+              <a:t>of new Incidents and data source updates to Vector database</a:t>
+            </a:r>
+          </a:p>
+          <a:p>
+            <a:pPr>
+              <a:lnSpc>
+                <a:spcPct val="150000"/>
+              </a:lnSpc>
+              <a:buFont typeface="Wingdings" pitchFamily="2" charset="2"/>
+              <a:buChar char="ü"/>
+            </a:pPr>
+            <a:r>
+              <a:rPr lang="en-IN" sz="1600" b="1" i="1" dirty="0" smtClean="0"/>
+              <a:t>Configurable</a:t>
+            </a:r>
+            <a:r>
+              <a:rPr lang="en-IN" sz="1600" i="1" dirty="0" smtClean="0"/>
+              <a:t> workflows for RAG and </a:t>
+            </a:r>
+            <a:r>
+              <a:rPr lang="en-IN" sz="1600" i="1" dirty="0" err="1" smtClean="0"/>
+              <a:t>datasync</a:t>
+            </a:r>
+            <a:endParaRPr lang="en-IN" sz="1600" i="1" dirty="0" smtClean="0"/>
+          </a:p>
+          <a:p>
+            <a:pPr>
+              <a:lnSpc>
+                <a:spcPct val="150000"/>
+              </a:lnSpc>
+              <a:buFont typeface="Wingdings" pitchFamily="2" charset="2"/>
+              <a:buChar char="ü"/>
+            </a:pPr>
+            <a:r>
+              <a:rPr lang="en-IN" sz="1600" b="1" i="1" dirty="0" smtClean="0"/>
+              <a:t>Multi agent </a:t>
+            </a:r>
+            <a:r>
+              <a:rPr lang="en-IN" sz="1600" i="1" dirty="0" smtClean="0"/>
+              <a:t>orchestration to segregate </a:t>
+            </a:r>
+            <a:r>
+              <a:rPr lang="en-IN" sz="1600" i="1" dirty="0" smtClean="0"/>
+              <a:t>responsibilities</a:t>
+            </a:r>
+          </a:p>
+          <a:p>
+            <a:pPr>
+              <a:lnSpc>
+                <a:spcPct val="150000"/>
+              </a:lnSpc>
+              <a:buFont typeface="Wingdings" pitchFamily="2" charset="2"/>
+              <a:buChar char="ü"/>
+            </a:pPr>
+            <a:r>
+              <a:rPr lang="en-IN" sz="1600" i="1" dirty="0" smtClean="0"/>
+              <a:t>Application and </a:t>
+            </a:r>
+            <a:r>
+              <a:rPr lang="en-IN" sz="1600" b="1" i="1" dirty="0" smtClean="0"/>
+              <a:t>dependency</a:t>
+            </a:r>
+            <a:r>
+              <a:rPr lang="en-IN" sz="1600" i="1" dirty="0" smtClean="0"/>
+              <a:t> </a:t>
+            </a:r>
+            <a:r>
+              <a:rPr lang="en-IN" sz="1600" b="1" i="1" dirty="0" smtClean="0"/>
+              <a:t>health</a:t>
+            </a:r>
+            <a:r>
+              <a:rPr lang="en-IN" sz="1600" i="1" dirty="0" smtClean="0"/>
+              <a:t> dashboard </a:t>
+            </a:r>
+          </a:p>
+          <a:p>
+            <a:pPr>
+              <a:lnSpc>
+                <a:spcPct val="150000"/>
+              </a:lnSpc>
+              <a:buFont typeface="Wingdings" pitchFamily="2" charset="2"/>
+              <a:buChar char="ü"/>
+            </a:pPr>
+            <a:r>
+              <a:rPr lang="en-IN" sz="1600" b="1" i="1" dirty="0" smtClean="0"/>
+              <a:t>Portfolio health view</a:t>
+            </a:r>
+            <a:r>
+              <a:rPr lang="en-IN" sz="1600" i="1" dirty="0" smtClean="0"/>
+              <a:t> for managers and </a:t>
+            </a:r>
+            <a:r>
+              <a:rPr lang="en-IN" sz="1600" i="1" dirty="0" smtClean="0"/>
+              <a:t>Leadership</a:t>
+            </a:r>
+          </a:p>
+          <a:p>
+            <a:pPr>
+              <a:lnSpc>
+                <a:spcPct val="150000"/>
+              </a:lnSpc>
+              <a:buFont typeface="Wingdings" pitchFamily="2" charset="2"/>
+              <a:buChar char="ü"/>
+            </a:pPr>
+            <a:r>
+              <a:rPr lang="en-IN" sz="1600" i="1" dirty="0" smtClean="0"/>
+              <a:t>Metrics around the Platform capabilities</a:t>
+            </a:r>
+          </a:p>
+          <a:p>
+            <a:pPr>
+              <a:lnSpc>
+                <a:spcPct val="150000"/>
+              </a:lnSpc>
+              <a:buFont typeface="Wingdings" pitchFamily="2" charset="2"/>
+              <a:buChar char="ü"/>
+            </a:pPr>
+            <a:r>
+              <a:rPr lang="en-IN" sz="1600" i="1" dirty="0" smtClean="0"/>
+              <a:t>Integrated </a:t>
+            </a:r>
+            <a:r>
+              <a:rPr lang="en-IN" sz="1600" b="1" i="1" dirty="0" smtClean="0"/>
+              <a:t>customized</a:t>
+            </a:r>
+            <a:r>
+              <a:rPr lang="en-IN" sz="1600" i="1" dirty="0" smtClean="0"/>
+              <a:t> toolkit(</a:t>
+            </a:r>
+            <a:r>
+              <a:rPr lang="en-IN" sz="1600" i="1" dirty="0" err="1" smtClean="0"/>
+              <a:t>eg</a:t>
+            </a:r>
+            <a:r>
+              <a:rPr lang="en-IN" sz="1600" i="1" dirty="0" smtClean="0"/>
+              <a:t> : Docker) with framework supported workflows</a:t>
+            </a:r>
+          </a:p>
+          <a:p>
+            <a:pPr>
+              <a:lnSpc>
+                <a:spcPct val="150000"/>
+              </a:lnSpc>
+              <a:buFont typeface="Wingdings" pitchFamily="2" charset="2"/>
+              <a:buChar char="ü"/>
+            </a:pPr>
+            <a:endParaRPr lang="en-IN" sz="1600" i="1" dirty="0" smtClean="0"/>
+          </a:p>
+          <a:p>
+            <a:pPr>
+              <a:lnSpc>
+                <a:spcPct val="150000"/>
+              </a:lnSpc>
+              <a:buFont typeface="Wingdings" pitchFamily="2" charset="2"/>
+              <a:buChar char="ü"/>
+            </a:pPr>
+            <a:endParaRPr lang="en-IN" sz="1600" i="1" dirty="0" smtClean="0"/>
+          </a:p>
+          <a:p>
+            <a:pPr>
+              <a:lnSpc>
+                <a:spcPct val="150000"/>
+              </a:lnSpc>
+              <a:buFont typeface="Wingdings" pitchFamily="2" charset="2"/>
+              <a:buChar char="ü"/>
+            </a:pPr>
+            <a:endParaRPr lang="en-IN" sz="1600" i="1" dirty="0" smtClean="0"/>
+          </a:p>
+          <a:p>
+            <a:pPr>
+              <a:buFont typeface="Wingdings" pitchFamily="2" charset="2"/>
+              <a:buChar char="ü"/>
+            </a:pPr>
+            <a:endParaRPr lang="en-IN" sz="2000" i="1" dirty="0" smtClean="0">
+              <a:ea typeface="+mj-ea"/>
+              <a:cs typeface="+mj-cs"/>
+            </a:endParaRPr>
+          </a:p>
+          <a:p>
+            <a:pPr>
+              <a:buFont typeface="Wingdings" pitchFamily="2" charset="2"/>
+              <a:buChar char="ü"/>
+            </a:pPr>
+            <a:endParaRPr lang="en-IN" sz="2000" i="1" dirty="0" smtClean="0">
+              <a:ea typeface="+mj-ea"/>
+              <a:cs typeface="+mj-cs"/>
+            </a:endParaRPr>
+          </a:p>
+          <a:p>
+            <a:pPr>
+              <a:buFont typeface="Wingdings" pitchFamily="2" charset="2"/>
+              <a:buChar char="ü"/>
+            </a:pPr>
+            <a:endParaRPr lang="en-IN" sz="2000" i="1" dirty="0" smtClean="0">
+              <a:ea typeface="+mj-ea"/>
+              <a:cs typeface="+mj-cs"/>
+            </a:endParaRPr>
+          </a:p>
+          <a:p>
+            <a:endParaRPr lang="en-IN" sz="2000" i="1" dirty="0" smtClean="0">
+              <a:ea typeface="+mj-ea"/>
+              <a:cs typeface="+mj-cs"/>
+            </a:endParaRPr>
+          </a:p>
+        </p:txBody>
+      </p:sp>
+      <p:sp>
+        <p:nvSpPr>
+          <p:cNvPr id="33" name="TextBox 32"/>
           <p:cNvSpPr txBox="1"/>
           <p:nvPr/>
         </p:nvSpPr>
         <p:spPr>
           <a:xfrm>
-            <a:off x="879144" y="1167960"/>
-            <a:ext cx="10359887" cy="369332"/>
+            <a:off x="150586" y="2125435"/>
+            <a:ext cx="6168571" cy="4062651"/>
           </a:xfrm>
           <a:prstGeom prst="rect">
             <a:avLst/>
           </a:prstGeom>
           <a:noFill/>
-          <a:ln>
-            <a:solidFill>
-              <a:srgbClr val="7030A0"/>
-            </a:solidFill>
-          </a:ln>
-          <a:effectLst>
-            <a:glow rad="101600">
-              <a:srgbClr val="660066">
-                <a:alpha val="60000"/>
-              </a:srgbClr>
-            </a:glow>
-          </a:effectLst>
         </p:spPr>
         <p:txBody>
           <a:bodyPr wrap="square" rtlCol="0">
@@ -4996,14 +5417,228 @@
           </a:bodyPr>
           <a:lstStyle/>
           <a:p>
-            <a:endParaRPr lang="en-US" dirty="0"/>
-          </a:p>
-        </p:txBody>
-      </p:sp>
+            <a:r>
+              <a:rPr lang="en-IN" sz="2400" b="1" i="1" dirty="0" smtClean="0"/>
+              <a:t>Solution:</a:t>
+            </a:r>
+          </a:p>
+          <a:p>
+            <a:pPr>
+              <a:lnSpc>
+                <a:spcPct val="150000"/>
+              </a:lnSpc>
+              <a:buFont typeface="Wingdings" pitchFamily="2" charset="2"/>
+              <a:buChar char="ü"/>
+            </a:pPr>
+            <a:r>
+              <a:rPr lang="en-IN" sz="1600" i="1" dirty="0" err="1" smtClean="0"/>
+              <a:t>GenAI</a:t>
+            </a:r>
+            <a:r>
+              <a:rPr lang="en-IN" sz="1600" i="1" dirty="0" smtClean="0"/>
+              <a:t> </a:t>
+            </a:r>
+            <a:r>
+              <a:rPr lang="en-IN" sz="1600" b="1" i="1" dirty="0" smtClean="0"/>
+              <a:t>workflows</a:t>
+            </a:r>
+            <a:r>
+              <a:rPr lang="en-IN" sz="1600" i="1" dirty="0" smtClean="0"/>
+              <a:t> </a:t>
+            </a:r>
+            <a:r>
+              <a:rPr lang="en-IN" sz="1600" i="1" dirty="0" smtClean="0"/>
+              <a:t>for </a:t>
+            </a:r>
+            <a:r>
+              <a:rPr lang="en-IN" sz="1600" i="1" dirty="0" smtClean="0"/>
+              <a:t>key capabilities of platform</a:t>
+            </a:r>
+            <a:endParaRPr lang="en-IN" sz="1600" b="1" i="1" dirty="0" smtClean="0"/>
+          </a:p>
+          <a:p>
+            <a:pPr>
+              <a:lnSpc>
+                <a:spcPct val="150000"/>
+              </a:lnSpc>
+              <a:buFont typeface="Wingdings" pitchFamily="2" charset="2"/>
+              <a:buChar char="ü"/>
+            </a:pPr>
+            <a:r>
+              <a:rPr lang="en-IN" sz="1600" b="1" i="1" dirty="0" err="1" smtClean="0"/>
+              <a:t>Webhook</a:t>
+            </a:r>
+            <a:r>
+              <a:rPr lang="en-IN" sz="1600" i="1" dirty="0" smtClean="0"/>
+              <a:t> at </a:t>
+            </a:r>
+            <a:r>
+              <a:rPr lang="en-IN" sz="1600" i="1" dirty="0" err="1" smtClean="0"/>
+              <a:t>ServiceNow</a:t>
+            </a:r>
+            <a:r>
+              <a:rPr lang="en-IN" sz="1600" i="1" dirty="0" smtClean="0"/>
+              <a:t> to trigger </a:t>
+            </a:r>
+            <a:r>
+              <a:rPr lang="en-IN" sz="1600" i="1" dirty="0" err="1" smtClean="0"/>
+              <a:t>GenAI</a:t>
+            </a:r>
+            <a:r>
+              <a:rPr lang="en-IN" sz="1600" i="1" dirty="0" smtClean="0"/>
+              <a:t> </a:t>
+            </a:r>
+            <a:r>
+              <a:rPr lang="en-IN" sz="1600" i="1" dirty="0" smtClean="0"/>
+              <a:t>workflow for proactive recommendations ,</a:t>
+            </a:r>
+            <a:r>
+              <a:rPr lang="en-IN" sz="1600" b="1" i="1" dirty="0" smtClean="0"/>
+              <a:t>RCA</a:t>
+            </a:r>
+            <a:r>
+              <a:rPr lang="en-IN" sz="1600" i="1" dirty="0" smtClean="0"/>
+              <a:t> Summary and resolutions</a:t>
+            </a:r>
+          </a:p>
+          <a:p>
+            <a:pPr>
+              <a:lnSpc>
+                <a:spcPct val="150000"/>
+              </a:lnSpc>
+              <a:buFont typeface="Wingdings" pitchFamily="2" charset="2"/>
+              <a:buChar char="ü"/>
+            </a:pPr>
+            <a:r>
+              <a:rPr lang="en-IN" sz="1600" i="1" dirty="0" smtClean="0"/>
+              <a:t>Integrated </a:t>
+            </a:r>
+            <a:r>
+              <a:rPr lang="en-IN" sz="1600" i="1" dirty="0" smtClean="0"/>
+              <a:t>UI with </a:t>
+            </a:r>
+            <a:r>
+              <a:rPr lang="en-IN" sz="1600" b="1" i="1" dirty="0" smtClean="0"/>
+              <a:t>AI chat</a:t>
+            </a:r>
+            <a:r>
+              <a:rPr lang="en-IN" sz="1600" i="1" dirty="0" smtClean="0"/>
+              <a:t> assistant to manage,traige,resolve incidents and additional capabilities to support day to day work</a:t>
+            </a:r>
+          </a:p>
+          <a:p>
+            <a:pPr>
+              <a:lnSpc>
+                <a:spcPct val="150000"/>
+              </a:lnSpc>
+              <a:buFont typeface="Wingdings" pitchFamily="2" charset="2"/>
+              <a:buChar char="ü"/>
+            </a:pPr>
+            <a:r>
+              <a:rPr lang="en-IN" sz="1600" i="1" dirty="0" smtClean="0"/>
+              <a:t>Leverage the data from enterprise tools </a:t>
+            </a:r>
+            <a:r>
+              <a:rPr lang="en-IN" sz="1600" b="1" i="1" dirty="0" smtClean="0"/>
+              <a:t>Servicenow,Grafana,Splunk,confluence</a:t>
+            </a:r>
+            <a:r>
+              <a:rPr lang="en-IN" sz="1600" i="1" dirty="0" smtClean="0"/>
+              <a:t> etc.</a:t>
+            </a:r>
+          </a:p>
+          <a:p>
+            <a:pPr>
+              <a:lnSpc>
+                <a:spcPct val="150000"/>
+              </a:lnSpc>
+              <a:buFont typeface="Wingdings" pitchFamily="2" charset="2"/>
+              <a:buChar char="ü"/>
+            </a:pPr>
+            <a:r>
+              <a:rPr lang="en-IN" sz="1600" b="1" i="1" dirty="0" smtClean="0"/>
+              <a:t>MCP</a:t>
+            </a:r>
+            <a:r>
+              <a:rPr lang="en-IN" sz="1600" i="1" dirty="0" smtClean="0"/>
+              <a:t> used </a:t>
+            </a:r>
+            <a:r>
+              <a:rPr lang="en-IN" sz="1600" i="1" dirty="0" smtClean="0"/>
+              <a:t>for seamless integration and efficient context management</a:t>
+            </a:r>
+            <a:endParaRPr lang="en-IN" sz="1600" i="1" dirty="0" smtClean="0"/>
+          </a:p>
+          <a:p>
+            <a:pPr>
+              <a:lnSpc>
+                <a:spcPct val="150000"/>
+              </a:lnSpc>
+              <a:buFont typeface="Wingdings" pitchFamily="2" charset="2"/>
+              <a:buChar char="ü"/>
+            </a:pPr>
+            <a:r>
+              <a:rPr lang="en-IN" sz="1600" b="1" i="1" dirty="0" smtClean="0"/>
+              <a:t>APIs</a:t>
+            </a:r>
+            <a:r>
+              <a:rPr lang="en-IN" sz="1600" i="1" dirty="0" smtClean="0"/>
+              <a:t> to easily integrate with UI and </a:t>
+            </a:r>
+            <a:r>
+              <a:rPr lang="en-IN" sz="1600" i="1" dirty="0" err="1" smtClean="0"/>
+              <a:t>GenAI</a:t>
+            </a:r>
+            <a:r>
+              <a:rPr lang="en-IN" sz="1600" i="1" dirty="0" smtClean="0"/>
+              <a:t> </a:t>
+            </a:r>
+            <a:r>
+              <a:rPr lang="en-IN" sz="1600" i="1" dirty="0" smtClean="0"/>
+              <a:t>workflow</a:t>
+            </a:r>
+          </a:p>
+          <a:p>
+            <a:endParaRPr lang="en-IN" dirty="0"/>
+          </a:p>
+        </p:txBody>
+      </p:sp>
+      <p:pic>
+        <p:nvPicPr>
+          <p:cNvPr id="2050" name="Picture 2"/>
+          <p:cNvPicPr>
+            <a:picLocks noChangeAspect="1" noChangeArrowheads="1"/>
+          </p:cNvPicPr>
+          <p:nvPr/>
+        </p:nvPicPr>
+        <p:blipFill>
+          <a:blip r:embed="rId2" cstate="print"/>
+          <a:srcRect/>
+          <a:stretch>
+            <a:fillRect/>
+          </a:stretch>
+        </p:blipFill>
+        <p:spPr bwMode="auto">
+          <a:xfrm>
+            <a:off x="6562724" y="5366785"/>
+            <a:ext cx="5486401" cy="788102"/>
+          </a:xfrm>
+          <a:prstGeom prst="rect">
+            <a:avLst/>
+          </a:prstGeom>
+          <a:noFill/>
+          <a:ln w="9525">
+            <a:noFill/>
+            <a:miter lim="800000"/>
+            <a:headEnd/>
+            <a:tailEnd/>
+          </a:ln>
+        </p:spPr>
+      </p:pic>
     </p:spTree>
     <p:extLst>
       <p:ext uri="{BB962C8B-B14F-4D97-AF65-F5344CB8AC3E}">
-        <p14:creationId xmlns:p14="http://schemas.microsoft.com/office/powerpoint/2010/main" xmlns="" val="2026017015"/>
+        <p14:creationId xmlns="" xmlns:p14="http://schemas.microsoft.com/office/powerpoint/2010/main" val="2026017015"/>
       </p:ext>
     </p:extLst>
   </p:cSld>
@@ -5042,7 +5677,7 @@
           <p:cNvPr id="2" name="Title 1">
             <a:extLst>
               <a:ext uri="{FF2B5EF4-FFF2-40B4-BE49-F238E27FC236}">
-                <a16:creationId xmlns:a16="http://schemas.microsoft.com/office/drawing/2014/main" xmlns="" id="{CA84B1FC-437A-C0D8-613B-8F59C6F4EB16}"/>
+                <a16:creationId xmlns="" xmlns:a16="http://schemas.microsoft.com/office/drawing/2014/main" id="{CA84B1FC-437A-C0D8-613B-8F59C6F4EB16}"/>
               </a:ext>
             </a:extLst>
           </p:cNvPr>
@@ -5068,7 +5703,104 @@
     </p:spTree>
     <p:extLst>
       <p:ext uri="{BB962C8B-B14F-4D97-AF65-F5344CB8AC3E}">
-        <p14:creationId xmlns:p14="http://schemas.microsoft.com/office/powerpoint/2010/main" xmlns="" val="3961496340"/>
+        <p14:creationId xmlns="" xmlns:p14="http://schemas.microsoft.com/office/powerpoint/2010/main" val="3961496340"/>
+      </p:ext>
+    </p:extLst>
+  </p:cSld>
+  <p:clrMapOvr>
+    <a:masterClrMapping/>
+  </p:clrMapOvr>
+  <p:timing>
+    <p:tnLst>
+      <p:par>
+        <p:cTn id="1" dur="indefinite" restart="never" nodeType="tmRoot"/>
+      </p:par>
+    </p:tnLst>
+  </p:timing>
+</p:sld>
+</file>
+
+<file path=ppt/slides/slide6.xml><?xml version="1.0" encoding="utf-8"?>
+<p:sld xmlns:a="http://schemas.openxmlformats.org/drawingml/2006/main" xmlns:r="http://schemas.openxmlformats.org/officeDocument/2006/relationships" xmlns:p="http://schemas.openxmlformats.org/presentationml/2006/main">
+  <p:cSld>
+    <p:spTree>
+      <p:nvGrpSpPr>
+        <p:cNvPr id="1" name=""/>
+        <p:cNvGrpSpPr/>
+        <p:nvPr/>
+      </p:nvGrpSpPr>
+      <p:grpSpPr>
+        <a:xfrm>
+          <a:off x="0" y="0"/>
+          <a:ext cx="0" cy="0"/>
+          <a:chOff x="0" y="0"/>
+          <a:chExt cx="0" cy="0"/>
+        </a:xfrm>
+      </p:grpSpPr>
+      <p:sp>
+        <p:nvSpPr>
+          <p:cNvPr id="2" name="Title 1">
+            <a:extLst>
+              <a:ext uri="{FF2B5EF4-FFF2-40B4-BE49-F238E27FC236}">
+                <a16:creationId xmlns="" xmlns:a16="http://schemas.microsoft.com/office/drawing/2014/main" id="{CA84B1FC-437A-C0D8-613B-8F59C6F4EB16}"/>
+              </a:ext>
+            </a:extLst>
+          </p:cNvPr>
+          <p:cNvSpPr>
+            <a:spLocks noGrp="1"/>
+          </p:cNvSpPr>
+          <p:nvPr>
+            <p:ph type="title"/>
+          </p:nvPr>
+        </p:nvSpPr>
+        <p:spPr/>
+        <p:txBody>
+          <a:bodyPr/>
+          <a:lstStyle/>
+          <a:p>
+            <a:r>
+              <a:rPr lang="en-US" dirty="0"/>
+              <a:t>Demo</a:t>
+            </a:r>
+          </a:p>
+        </p:txBody>
+      </p:sp>
+      <p:pic>
+        <p:nvPicPr>
+          <p:cNvPr id="3074" name="Picture 2"/>
+          <p:cNvPicPr>
+            <a:picLocks noChangeAspect="1" noChangeArrowheads="1"/>
+          </p:cNvPicPr>
+          <p:nvPr/>
+        </p:nvPicPr>
+        <p:blipFill>
+          <a:blip r:embed="rId2" cstate="print"/>
+          <a:srcRect/>
+          <a:stretch>
+            <a:fillRect/>
+          </a:stretch>
+        </p:blipFill>
+        <p:spPr bwMode="auto">
+          <a:xfrm>
+            <a:off x="1604963" y="1552575"/>
+            <a:ext cx="8982075" cy="3752850"/>
+          </a:xfrm>
+          <a:prstGeom prst="rect">
+            <a:avLst/>
+          </a:prstGeom>
+          <a:noFill/>
+          <a:ln w="9525">
+            <a:noFill/>
+            <a:miter lim="800000"/>
+            <a:headEnd/>
+            <a:tailEnd/>
+          </a:ln>
+        </p:spPr>
+      </p:pic>
+    </p:spTree>
+    <p:extLst>
+      <p:ext uri="{BB962C8B-B14F-4D97-AF65-F5344CB8AC3E}">
+        <p14:creationId xmlns="" xmlns:p14="http://schemas.microsoft.com/office/powerpoint/2010/main" val="3961496340"/>
       </p:ext>
     </p:extLst>
   </p:cSld>
@@ -5374,7 +6106,7 @@
   <a:extraClrSchemeLst/>
   <a:extLst>
     <a:ext uri="{05A4C25C-085E-4340-85A3-A5531E510DB2}">
-      <thm15:themeFamily xmlns:thm15="http://schemas.microsoft.com/office/thememl/2012/main" xmlns="" name="Office Theme" id="{62F939B6-93AF-4DB8-9C6B-D6C7DFDC589F}" vid="{4A3C46E8-61CC-4603-A589-7422A47A8E4A}"/>
+      <thm15:themeFamily xmlns="" xmlns:thm15="http://schemas.microsoft.com/office/thememl/2012/main" name="Office Theme" id="{62F939B6-93AF-4DB8-9C6B-D6C7DFDC589F}" vid="{4A3C46E8-61CC-4603-A589-7422A47A8E4A}"/>
     </a:ext>
   </a:extLst>
 </a:theme>
@@ -5635,7 +6367,7 @@
   <a:extraClrSchemeLst/>
   <a:extLst>
     <a:ext uri="{05A4C25C-085E-4340-85A3-A5531E510DB2}">
-      <thm15:themeFamily xmlns:thm15="http://schemas.microsoft.com/office/thememl/2012/main" xmlns="" name="Office Theme" id="{62F939B6-93AF-4DB8-9C6B-D6C7DFDC589F}" vid="{4A3C46E8-61CC-4603-A589-7422A47A8E4A}"/>
+      <thm15:themeFamily xmlns="" xmlns:thm15="http://schemas.microsoft.com/office/thememl/2012/main" name="Office Theme" id="{62F939B6-93AF-4DB8-9C6B-D6C7DFDC589F}" vid="{4A3C46E8-61CC-4603-A589-7422A47A8E4A}"/>
     </a:ext>
   </a:extLst>
 </a:theme>

--- a/artifacts/arch/SeagullsV25_Final_1.0.pptx
+++ b/artifacts/arch/SeagullsV25_Final_1.0.pptx
@@ -5,15 +5,32 @@
     <p:sldMasterId id="2147483648" r:id="rId1"/>
   </p:sldMasterIdLst>
   <p:notesMasterIdLst>
-    <p:notesMasterId r:id="rId8"/>
+    <p:notesMasterId r:id="rId25"/>
   </p:notesMasterIdLst>
   <p:sldIdLst>
     <p:sldId id="262" r:id="rId2"/>
     <p:sldId id="271" r:id="rId3"/>
     <p:sldId id="274" r:id="rId4"/>
     <p:sldId id="307" r:id="rId5"/>
-    <p:sldId id="306" r:id="rId6"/>
-    <p:sldId id="308" r:id="rId7"/>
+    <p:sldId id="311" r:id="rId6"/>
+    <p:sldId id="313" r:id="rId7"/>
+    <p:sldId id="308" r:id="rId8"/>
+    <p:sldId id="312" r:id="rId9"/>
+    <p:sldId id="314" r:id="rId10"/>
+    <p:sldId id="306" r:id="rId11"/>
+    <p:sldId id="315" r:id="rId12"/>
+    <p:sldId id="322" r:id="rId13"/>
+    <p:sldId id="323" r:id="rId14"/>
+    <p:sldId id="324" r:id="rId15"/>
+    <p:sldId id="325" r:id="rId16"/>
+    <p:sldId id="321" r:id="rId17"/>
+    <p:sldId id="316" r:id="rId18"/>
+    <p:sldId id="317" r:id="rId19"/>
+    <p:sldId id="318" r:id="rId20"/>
+    <p:sldId id="319" r:id="rId21"/>
+    <p:sldId id="320" r:id="rId22"/>
+    <p:sldId id="309" r:id="rId23"/>
+    <p:sldId id="310" r:id="rId24"/>
   </p:sldIdLst>
   <p:sldSz cx="12192000" cy="6858000"/>
   <p:notesSz cx="6858000" cy="9144000"/>
@@ -114,7 +131,7 @@
   </p:defaultTextStyle>
   <p:extLst>
     <p:ext uri="{EFAFB233-063F-42B5-8137-9DF3F51BA10A}">
-      <p15:sldGuideLst xmlns="" xmlns:p15="http://schemas.microsoft.com/office/powerpoint/2012/main">
+      <p15:sldGuideLst xmlns:p15="http://schemas.microsoft.com/office/powerpoint/2012/main" xmlns="">
         <p15:guide id="1" orient="horz" pos="2160">
           <p15:clr>
             <a:srgbClr val="A4A3A4"/>
@@ -383,7 +400,7 @@
     </p:spTree>
     <p:extLst>
       <p:ext uri="{BB962C8B-B14F-4D97-AF65-F5344CB8AC3E}">
-        <p14:creationId xmlns="" xmlns:p14="http://schemas.microsoft.com/office/powerpoint/2010/main" val="1144479384"/>
+        <p14:creationId xmlns:p14="http://schemas.microsoft.com/office/powerpoint/2010/main" xmlns="" val="1144479384"/>
       </p:ext>
     </p:extLst>
   </p:cSld>
@@ -505,7 +522,7 @@
           <p:cNvPr id="2" name="Title 1">
             <a:extLst>
               <a:ext uri="{FF2B5EF4-FFF2-40B4-BE49-F238E27FC236}">
-                <a16:creationId xmlns="" xmlns:a16="http://schemas.microsoft.com/office/drawing/2014/main" id="{CD0FDA4E-DA98-99A6-7775-5E4EBC471525}"/>
+                <a16:creationId xmlns:a16="http://schemas.microsoft.com/office/drawing/2014/main" xmlns="" id="{CD0FDA4E-DA98-99A6-7775-5E4EBC471525}"/>
               </a:ext>
             </a:extLst>
           </p:cNvPr>
@@ -542,7 +559,7 @@
           <p:cNvPr id="3" name="Subtitle 2">
             <a:extLst>
               <a:ext uri="{FF2B5EF4-FFF2-40B4-BE49-F238E27FC236}">
-                <a16:creationId xmlns="" xmlns:a16="http://schemas.microsoft.com/office/drawing/2014/main" id="{6C627274-75FB-A51C-344A-2A47A10CC7E5}"/>
+                <a16:creationId xmlns:a16="http://schemas.microsoft.com/office/drawing/2014/main" xmlns="" id="{6C627274-75FB-A51C-344A-2A47A10CC7E5}"/>
               </a:ext>
             </a:extLst>
           </p:cNvPr>
@@ -612,7 +629,7 @@
           <p:cNvPr id="4" name="Date Placeholder 3">
             <a:extLst>
               <a:ext uri="{FF2B5EF4-FFF2-40B4-BE49-F238E27FC236}">
-                <a16:creationId xmlns="" xmlns:a16="http://schemas.microsoft.com/office/drawing/2014/main" id="{C19267CE-01A0-E38F-4CB8-A8BFD95D693B}"/>
+                <a16:creationId xmlns:a16="http://schemas.microsoft.com/office/drawing/2014/main" xmlns="" id="{C19267CE-01A0-E38F-4CB8-A8BFD95D693B}"/>
               </a:ext>
             </a:extLst>
           </p:cNvPr>
@@ -642,7 +659,7 @@
           <p:cNvPr id="5" name="Footer Placeholder 4">
             <a:extLst>
               <a:ext uri="{FF2B5EF4-FFF2-40B4-BE49-F238E27FC236}">
-                <a16:creationId xmlns="" xmlns:a16="http://schemas.microsoft.com/office/drawing/2014/main" id="{4E0F90F4-1F56-C969-0DFA-943EC69FDC88}"/>
+                <a16:creationId xmlns:a16="http://schemas.microsoft.com/office/drawing/2014/main" xmlns="" id="{4E0F90F4-1F56-C969-0DFA-943EC69FDC88}"/>
               </a:ext>
             </a:extLst>
           </p:cNvPr>
@@ -667,7 +684,7 @@
           <p:cNvPr id="6" name="Slide Number Placeholder 5">
             <a:extLst>
               <a:ext uri="{FF2B5EF4-FFF2-40B4-BE49-F238E27FC236}">
-                <a16:creationId xmlns="" xmlns:a16="http://schemas.microsoft.com/office/drawing/2014/main" id="{52D143FC-304E-9F73-5A86-36A685C2D78A}"/>
+                <a16:creationId xmlns:a16="http://schemas.microsoft.com/office/drawing/2014/main" xmlns="" id="{52D143FC-304E-9F73-5A86-36A685C2D78A}"/>
               </a:ext>
             </a:extLst>
           </p:cNvPr>
@@ -695,7 +712,7 @@
     </p:spTree>
     <p:extLst>
       <p:ext uri="{BB962C8B-B14F-4D97-AF65-F5344CB8AC3E}">
-        <p14:creationId xmlns="" xmlns:p14="http://schemas.microsoft.com/office/powerpoint/2010/main" val="1317070874"/>
+        <p14:creationId xmlns:p14="http://schemas.microsoft.com/office/powerpoint/2010/main" xmlns="" val="1317070874"/>
       </p:ext>
     </p:extLst>
   </p:cSld>
@@ -727,7 +744,7 @@
           <p:cNvPr id="2" name="Title 1">
             <a:extLst>
               <a:ext uri="{FF2B5EF4-FFF2-40B4-BE49-F238E27FC236}">
-                <a16:creationId xmlns="" xmlns:a16="http://schemas.microsoft.com/office/drawing/2014/main" id="{A6F71134-D25E-46F3-06D8-F79796379B30}"/>
+                <a16:creationId xmlns:a16="http://schemas.microsoft.com/office/drawing/2014/main" xmlns="" id="{A6F71134-D25E-46F3-06D8-F79796379B30}"/>
               </a:ext>
             </a:extLst>
           </p:cNvPr>
@@ -755,7 +772,7 @@
           <p:cNvPr id="3" name="Vertical Text Placeholder 2">
             <a:extLst>
               <a:ext uri="{FF2B5EF4-FFF2-40B4-BE49-F238E27FC236}">
-                <a16:creationId xmlns="" xmlns:a16="http://schemas.microsoft.com/office/drawing/2014/main" id="{7ED1CACF-7648-C8F1-2816-FBF35BEF4621}"/>
+                <a16:creationId xmlns:a16="http://schemas.microsoft.com/office/drawing/2014/main" xmlns="" id="{7ED1CACF-7648-C8F1-2816-FBF35BEF4621}"/>
               </a:ext>
             </a:extLst>
           </p:cNvPr>
@@ -812,7 +829,7 @@
           <p:cNvPr id="4" name="Date Placeholder 3">
             <a:extLst>
               <a:ext uri="{FF2B5EF4-FFF2-40B4-BE49-F238E27FC236}">
-                <a16:creationId xmlns="" xmlns:a16="http://schemas.microsoft.com/office/drawing/2014/main" id="{3500ECD7-3EEB-A5EC-6D21-7DF60DB43498}"/>
+                <a16:creationId xmlns:a16="http://schemas.microsoft.com/office/drawing/2014/main" xmlns="" id="{3500ECD7-3EEB-A5EC-6D21-7DF60DB43498}"/>
               </a:ext>
             </a:extLst>
           </p:cNvPr>
@@ -842,7 +859,7 @@
           <p:cNvPr id="5" name="Footer Placeholder 4">
             <a:extLst>
               <a:ext uri="{FF2B5EF4-FFF2-40B4-BE49-F238E27FC236}">
-                <a16:creationId xmlns="" xmlns:a16="http://schemas.microsoft.com/office/drawing/2014/main" id="{8024130E-0A24-1C7E-3A35-6F10D627799C}"/>
+                <a16:creationId xmlns:a16="http://schemas.microsoft.com/office/drawing/2014/main" xmlns="" id="{8024130E-0A24-1C7E-3A35-6F10D627799C}"/>
               </a:ext>
             </a:extLst>
           </p:cNvPr>
@@ -867,7 +884,7 @@
           <p:cNvPr id="6" name="Slide Number Placeholder 5">
             <a:extLst>
               <a:ext uri="{FF2B5EF4-FFF2-40B4-BE49-F238E27FC236}">
-                <a16:creationId xmlns="" xmlns:a16="http://schemas.microsoft.com/office/drawing/2014/main" id="{C2DA9DC3-1E06-95AE-34C1-1F7502F2ABE3}"/>
+                <a16:creationId xmlns:a16="http://schemas.microsoft.com/office/drawing/2014/main" xmlns="" id="{C2DA9DC3-1E06-95AE-34C1-1F7502F2ABE3}"/>
               </a:ext>
             </a:extLst>
           </p:cNvPr>
@@ -895,7 +912,7 @@
     </p:spTree>
     <p:extLst>
       <p:ext uri="{BB962C8B-B14F-4D97-AF65-F5344CB8AC3E}">
-        <p14:creationId xmlns="" xmlns:p14="http://schemas.microsoft.com/office/powerpoint/2010/main" val="1440045203"/>
+        <p14:creationId xmlns:p14="http://schemas.microsoft.com/office/powerpoint/2010/main" xmlns="" val="1440045203"/>
       </p:ext>
     </p:extLst>
   </p:cSld>
@@ -927,7 +944,7 @@
           <p:cNvPr id="2" name="Vertical Title 1">
             <a:extLst>
               <a:ext uri="{FF2B5EF4-FFF2-40B4-BE49-F238E27FC236}">
-                <a16:creationId xmlns="" xmlns:a16="http://schemas.microsoft.com/office/drawing/2014/main" id="{187A42A6-14FE-EA87-685F-6D03DCCC738D}"/>
+                <a16:creationId xmlns:a16="http://schemas.microsoft.com/office/drawing/2014/main" xmlns="" id="{187A42A6-14FE-EA87-685F-6D03DCCC738D}"/>
               </a:ext>
             </a:extLst>
           </p:cNvPr>
@@ -960,7 +977,7 @@
           <p:cNvPr id="3" name="Vertical Text Placeholder 2">
             <a:extLst>
               <a:ext uri="{FF2B5EF4-FFF2-40B4-BE49-F238E27FC236}">
-                <a16:creationId xmlns="" xmlns:a16="http://schemas.microsoft.com/office/drawing/2014/main" id="{13366588-1A62-F9B1-2FB8-32D8F5ECAE9F}"/>
+                <a16:creationId xmlns:a16="http://schemas.microsoft.com/office/drawing/2014/main" xmlns="" id="{13366588-1A62-F9B1-2FB8-32D8F5ECAE9F}"/>
               </a:ext>
             </a:extLst>
           </p:cNvPr>
@@ -1022,7 +1039,7 @@
           <p:cNvPr id="4" name="Date Placeholder 3">
             <a:extLst>
               <a:ext uri="{FF2B5EF4-FFF2-40B4-BE49-F238E27FC236}">
-                <a16:creationId xmlns="" xmlns:a16="http://schemas.microsoft.com/office/drawing/2014/main" id="{A43BFD6E-AE93-D757-13FB-0493C278AD26}"/>
+                <a16:creationId xmlns:a16="http://schemas.microsoft.com/office/drawing/2014/main" xmlns="" id="{A43BFD6E-AE93-D757-13FB-0493C278AD26}"/>
               </a:ext>
             </a:extLst>
           </p:cNvPr>
@@ -1052,7 +1069,7 @@
           <p:cNvPr id="5" name="Footer Placeholder 4">
             <a:extLst>
               <a:ext uri="{FF2B5EF4-FFF2-40B4-BE49-F238E27FC236}">
-                <a16:creationId xmlns="" xmlns:a16="http://schemas.microsoft.com/office/drawing/2014/main" id="{E45C34C6-E42B-ADCE-1D1A-452BAB1D3A77}"/>
+                <a16:creationId xmlns:a16="http://schemas.microsoft.com/office/drawing/2014/main" xmlns="" id="{E45C34C6-E42B-ADCE-1D1A-452BAB1D3A77}"/>
               </a:ext>
             </a:extLst>
           </p:cNvPr>
@@ -1077,7 +1094,7 @@
           <p:cNvPr id="6" name="Slide Number Placeholder 5">
             <a:extLst>
               <a:ext uri="{FF2B5EF4-FFF2-40B4-BE49-F238E27FC236}">
-                <a16:creationId xmlns="" xmlns:a16="http://schemas.microsoft.com/office/drawing/2014/main" id="{566DF5EE-7414-A62E-70E2-650A660C224F}"/>
+                <a16:creationId xmlns:a16="http://schemas.microsoft.com/office/drawing/2014/main" xmlns="" id="{566DF5EE-7414-A62E-70E2-650A660C224F}"/>
               </a:ext>
             </a:extLst>
           </p:cNvPr>
@@ -1105,7 +1122,7 @@
     </p:spTree>
     <p:extLst>
       <p:ext uri="{BB962C8B-B14F-4D97-AF65-F5344CB8AC3E}">
-        <p14:creationId xmlns="" xmlns:p14="http://schemas.microsoft.com/office/powerpoint/2010/main" val="4279875457"/>
+        <p14:creationId xmlns:p14="http://schemas.microsoft.com/office/powerpoint/2010/main" xmlns="" val="4279875457"/>
       </p:ext>
     </p:extLst>
   </p:cSld>
@@ -1137,7 +1154,7 @@
           <p:cNvPr id="2" name="Title 1">
             <a:extLst>
               <a:ext uri="{FF2B5EF4-FFF2-40B4-BE49-F238E27FC236}">
-                <a16:creationId xmlns="" xmlns:a16="http://schemas.microsoft.com/office/drawing/2014/main" id="{B7019AFF-F694-6ECB-C0DA-A8A08CD21B1B}"/>
+                <a16:creationId xmlns:a16="http://schemas.microsoft.com/office/drawing/2014/main" xmlns="" id="{B7019AFF-F694-6ECB-C0DA-A8A08CD21B1B}"/>
               </a:ext>
             </a:extLst>
           </p:cNvPr>
@@ -1165,7 +1182,7 @@
           <p:cNvPr id="3" name="Content Placeholder 2">
             <a:extLst>
               <a:ext uri="{FF2B5EF4-FFF2-40B4-BE49-F238E27FC236}">
-                <a16:creationId xmlns="" xmlns:a16="http://schemas.microsoft.com/office/drawing/2014/main" id="{BF86780C-9841-4150-CF10-72DCD2A6BD14}"/>
+                <a16:creationId xmlns:a16="http://schemas.microsoft.com/office/drawing/2014/main" xmlns="" id="{BF86780C-9841-4150-CF10-72DCD2A6BD14}"/>
               </a:ext>
             </a:extLst>
           </p:cNvPr>
@@ -1222,7 +1239,7 @@
           <p:cNvPr id="4" name="Date Placeholder 3">
             <a:extLst>
               <a:ext uri="{FF2B5EF4-FFF2-40B4-BE49-F238E27FC236}">
-                <a16:creationId xmlns="" xmlns:a16="http://schemas.microsoft.com/office/drawing/2014/main" id="{B4D7877C-DA0E-B04B-8E9A-8DE1FCE96AEC}"/>
+                <a16:creationId xmlns:a16="http://schemas.microsoft.com/office/drawing/2014/main" xmlns="" id="{B4D7877C-DA0E-B04B-8E9A-8DE1FCE96AEC}"/>
               </a:ext>
             </a:extLst>
           </p:cNvPr>
@@ -1252,7 +1269,7 @@
           <p:cNvPr id="5" name="Footer Placeholder 4">
             <a:extLst>
               <a:ext uri="{FF2B5EF4-FFF2-40B4-BE49-F238E27FC236}">
-                <a16:creationId xmlns="" xmlns:a16="http://schemas.microsoft.com/office/drawing/2014/main" id="{6C351504-FBF3-D8A1-EE8A-5C3551F15F63}"/>
+                <a16:creationId xmlns:a16="http://schemas.microsoft.com/office/drawing/2014/main" xmlns="" id="{6C351504-FBF3-D8A1-EE8A-5C3551F15F63}"/>
               </a:ext>
             </a:extLst>
           </p:cNvPr>
@@ -1277,7 +1294,7 @@
           <p:cNvPr id="6" name="Slide Number Placeholder 5">
             <a:extLst>
               <a:ext uri="{FF2B5EF4-FFF2-40B4-BE49-F238E27FC236}">
-                <a16:creationId xmlns="" xmlns:a16="http://schemas.microsoft.com/office/drawing/2014/main" id="{D6696843-3119-4BA9-0770-B30499B0730B}"/>
+                <a16:creationId xmlns:a16="http://schemas.microsoft.com/office/drawing/2014/main" xmlns="" id="{D6696843-3119-4BA9-0770-B30499B0730B}"/>
               </a:ext>
             </a:extLst>
           </p:cNvPr>
@@ -1305,7 +1322,7 @@
     </p:spTree>
     <p:extLst>
       <p:ext uri="{BB962C8B-B14F-4D97-AF65-F5344CB8AC3E}">
-        <p14:creationId xmlns="" xmlns:p14="http://schemas.microsoft.com/office/powerpoint/2010/main" val="309730708"/>
+        <p14:creationId xmlns:p14="http://schemas.microsoft.com/office/powerpoint/2010/main" xmlns="" val="309730708"/>
       </p:ext>
     </p:extLst>
   </p:cSld>
@@ -1337,7 +1354,7 @@
           <p:cNvPr id="2" name="Title 1">
             <a:extLst>
               <a:ext uri="{FF2B5EF4-FFF2-40B4-BE49-F238E27FC236}">
-                <a16:creationId xmlns="" xmlns:a16="http://schemas.microsoft.com/office/drawing/2014/main" id="{3927B1C6-A8A0-A0A4-F3EA-634193FA1227}"/>
+                <a16:creationId xmlns:a16="http://schemas.microsoft.com/office/drawing/2014/main" xmlns="" id="{3927B1C6-A8A0-A0A4-F3EA-634193FA1227}"/>
               </a:ext>
             </a:extLst>
           </p:cNvPr>
@@ -1374,7 +1391,7 @@
           <p:cNvPr id="3" name="Text Placeholder 2">
             <a:extLst>
               <a:ext uri="{FF2B5EF4-FFF2-40B4-BE49-F238E27FC236}">
-                <a16:creationId xmlns="" xmlns:a16="http://schemas.microsoft.com/office/drawing/2014/main" id="{8F530636-5152-A39E-784E-73094EF2BB4B}"/>
+                <a16:creationId xmlns:a16="http://schemas.microsoft.com/office/drawing/2014/main" xmlns="" id="{8F530636-5152-A39E-784E-73094EF2BB4B}"/>
               </a:ext>
             </a:extLst>
           </p:cNvPr>
@@ -1499,7 +1516,7 @@
           <p:cNvPr id="4" name="Date Placeholder 3">
             <a:extLst>
               <a:ext uri="{FF2B5EF4-FFF2-40B4-BE49-F238E27FC236}">
-                <a16:creationId xmlns="" xmlns:a16="http://schemas.microsoft.com/office/drawing/2014/main" id="{4E4238C1-EFDE-AC1B-8AF3-2D0D216C571B}"/>
+                <a16:creationId xmlns:a16="http://schemas.microsoft.com/office/drawing/2014/main" xmlns="" id="{4E4238C1-EFDE-AC1B-8AF3-2D0D216C571B}"/>
               </a:ext>
             </a:extLst>
           </p:cNvPr>
@@ -1529,7 +1546,7 @@
           <p:cNvPr id="5" name="Footer Placeholder 4">
             <a:extLst>
               <a:ext uri="{FF2B5EF4-FFF2-40B4-BE49-F238E27FC236}">
-                <a16:creationId xmlns="" xmlns:a16="http://schemas.microsoft.com/office/drawing/2014/main" id="{2A0D5A55-0EB7-A5FB-91CC-7B5A47FA084A}"/>
+                <a16:creationId xmlns:a16="http://schemas.microsoft.com/office/drawing/2014/main" xmlns="" id="{2A0D5A55-0EB7-A5FB-91CC-7B5A47FA084A}"/>
               </a:ext>
             </a:extLst>
           </p:cNvPr>
@@ -1554,7 +1571,7 @@
           <p:cNvPr id="6" name="Slide Number Placeholder 5">
             <a:extLst>
               <a:ext uri="{FF2B5EF4-FFF2-40B4-BE49-F238E27FC236}">
-                <a16:creationId xmlns="" xmlns:a16="http://schemas.microsoft.com/office/drawing/2014/main" id="{6A70A0E0-DFC3-BD1D-E847-C2B724CDA0D7}"/>
+                <a16:creationId xmlns:a16="http://schemas.microsoft.com/office/drawing/2014/main" xmlns="" id="{6A70A0E0-DFC3-BD1D-E847-C2B724CDA0D7}"/>
               </a:ext>
             </a:extLst>
           </p:cNvPr>
@@ -1582,7 +1599,7 @@
     </p:spTree>
     <p:extLst>
       <p:ext uri="{BB962C8B-B14F-4D97-AF65-F5344CB8AC3E}">
-        <p14:creationId xmlns="" xmlns:p14="http://schemas.microsoft.com/office/powerpoint/2010/main" val="1113576531"/>
+        <p14:creationId xmlns:p14="http://schemas.microsoft.com/office/powerpoint/2010/main" xmlns="" val="1113576531"/>
       </p:ext>
     </p:extLst>
   </p:cSld>
@@ -1614,7 +1631,7 @@
           <p:cNvPr id="2" name="Title 1">
             <a:extLst>
               <a:ext uri="{FF2B5EF4-FFF2-40B4-BE49-F238E27FC236}">
-                <a16:creationId xmlns="" xmlns:a16="http://schemas.microsoft.com/office/drawing/2014/main" id="{81429BE2-A01F-1CBA-6A6C-2ED3BB030028}"/>
+                <a16:creationId xmlns:a16="http://schemas.microsoft.com/office/drawing/2014/main" xmlns="" id="{81429BE2-A01F-1CBA-6A6C-2ED3BB030028}"/>
               </a:ext>
             </a:extLst>
           </p:cNvPr>
@@ -1642,7 +1659,7 @@
           <p:cNvPr id="3" name="Content Placeholder 2">
             <a:extLst>
               <a:ext uri="{FF2B5EF4-FFF2-40B4-BE49-F238E27FC236}">
-                <a16:creationId xmlns="" xmlns:a16="http://schemas.microsoft.com/office/drawing/2014/main" id="{87400FD1-2BF2-8EFA-4029-AE891AC6D15D}"/>
+                <a16:creationId xmlns:a16="http://schemas.microsoft.com/office/drawing/2014/main" xmlns="" id="{87400FD1-2BF2-8EFA-4029-AE891AC6D15D}"/>
               </a:ext>
             </a:extLst>
           </p:cNvPr>
@@ -1704,7 +1721,7 @@
           <p:cNvPr id="4" name="Content Placeholder 3">
             <a:extLst>
               <a:ext uri="{FF2B5EF4-FFF2-40B4-BE49-F238E27FC236}">
-                <a16:creationId xmlns="" xmlns:a16="http://schemas.microsoft.com/office/drawing/2014/main" id="{3C58FE83-EB70-F56A-115F-EAF70726F216}"/>
+                <a16:creationId xmlns:a16="http://schemas.microsoft.com/office/drawing/2014/main" xmlns="" id="{3C58FE83-EB70-F56A-115F-EAF70726F216}"/>
               </a:ext>
             </a:extLst>
           </p:cNvPr>
@@ -1766,7 +1783,7 @@
           <p:cNvPr id="5" name="Date Placeholder 4">
             <a:extLst>
               <a:ext uri="{FF2B5EF4-FFF2-40B4-BE49-F238E27FC236}">
-                <a16:creationId xmlns="" xmlns:a16="http://schemas.microsoft.com/office/drawing/2014/main" id="{20976B70-B424-63B7-9459-DA525CC3837C}"/>
+                <a16:creationId xmlns:a16="http://schemas.microsoft.com/office/drawing/2014/main" xmlns="" id="{20976B70-B424-63B7-9459-DA525CC3837C}"/>
               </a:ext>
             </a:extLst>
           </p:cNvPr>
@@ -1796,7 +1813,7 @@
           <p:cNvPr id="6" name="Footer Placeholder 5">
             <a:extLst>
               <a:ext uri="{FF2B5EF4-FFF2-40B4-BE49-F238E27FC236}">
-                <a16:creationId xmlns="" xmlns:a16="http://schemas.microsoft.com/office/drawing/2014/main" id="{42AC22A0-2B04-3E53-B29D-555A19ABD39B}"/>
+                <a16:creationId xmlns:a16="http://schemas.microsoft.com/office/drawing/2014/main" xmlns="" id="{42AC22A0-2B04-3E53-B29D-555A19ABD39B}"/>
               </a:ext>
             </a:extLst>
           </p:cNvPr>
@@ -1821,7 +1838,7 @@
           <p:cNvPr id="7" name="Slide Number Placeholder 6">
             <a:extLst>
               <a:ext uri="{FF2B5EF4-FFF2-40B4-BE49-F238E27FC236}">
-                <a16:creationId xmlns="" xmlns:a16="http://schemas.microsoft.com/office/drawing/2014/main" id="{24103B75-9716-A208-B380-D6148941627A}"/>
+                <a16:creationId xmlns:a16="http://schemas.microsoft.com/office/drawing/2014/main" xmlns="" id="{24103B75-9716-A208-B380-D6148941627A}"/>
               </a:ext>
             </a:extLst>
           </p:cNvPr>
@@ -1849,7 +1866,7 @@
     </p:spTree>
     <p:extLst>
       <p:ext uri="{BB962C8B-B14F-4D97-AF65-F5344CB8AC3E}">
-        <p14:creationId xmlns="" xmlns:p14="http://schemas.microsoft.com/office/powerpoint/2010/main" val="3631034654"/>
+        <p14:creationId xmlns:p14="http://schemas.microsoft.com/office/powerpoint/2010/main" xmlns="" val="3631034654"/>
       </p:ext>
     </p:extLst>
   </p:cSld>
@@ -1881,7 +1898,7 @@
           <p:cNvPr id="2" name="Title 1">
             <a:extLst>
               <a:ext uri="{FF2B5EF4-FFF2-40B4-BE49-F238E27FC236}">
-                <a16:creationId xmlns="" xmlns:a16="http://schemas.microsoft.com/office/drawing/2014/main" id="{E214BCB4-2A36-42BF-35FB-17324BF32C32}"/>
+                <a16:creationId xmlns:a16="http://schemas.microsoft.com/office/drawing/2014/main" xmlns="" id="{E214BCB4-2A36-42BF-35FB-17324BF32C32}"/>
               </a:ext>
             </a:extLst>
           </p:cNvPr>
@@ -1914,7 +1931,7 @@
           <p:cNvPr id="3" name="Text Placeholder 2">
             <a:extLst>
               <a:ext uri="{FF2B5EF4-FFF2-40B4-BE49-F238E27FC236}">
-                <a16:creationId xmlns="" xmlns:a16="http://schemas.microsoft.com/office/drawing/2014/main" id="{048ADD37-98C5-198F-6FF5-C2575B320A8C}"/>
+                <a16:creationId xmlns:a16="http://schemas.microsoft.com/office/drawing/2014/main" xmlns="" id="{048ADD37-98C5-198F-6FF5-C2575B320A8C}"/>
               </a:ext>
             </a:extLst>
           </p:cNvPr>
@@ -1985,7 +2002,7 @@
           <p:cNvPr id="4" name="Content Placeholder 3">
             <a:extLst>
               <a:ext uri="{FF2B5EF4-FFF2-40B4-BE49-F238E27FC236}">
-                <a16:creationId xmlns="" xmlns:a16="http://schemas.microsoft.com/office/drawing/2014/main" id="{C14DDE9E-BBD7-3435-E889-C35111161541}"/>
+                <a16:creationId xmlns:a16="http://schemas.microsoft.com/office/drawing/2014/main" xmlns="" id="{C14DDE9E-BBD7-3435-E889-C35111161541}"/>
               </a:ext>
             </a:extLst>
           </p:cNvPr>
@@ -2047,7 +2064,7 @@
           <p:cNvPr id="5" name="Text Placeholder 4">
             <a:extLst>
               <a:ext uri="{FF2B5EF4-FFF2-40B4-BE49-F238E27FC236}">
-                <a16:creationId xmlns="" xmlns:a16="http://schemas.microsoft.com/office/drawing/2014/main" id="{22603917-F0BC-116E-FA3E-89F3E87B6164}"/>
+                <a16:creationId xmlns:a16="http://schemas.microsoft.com/office/drawing/2014/main" xmlns="" id="{22603917-F0BC-116E-FA3E-89F3E87B6164}"/>
               </a:ext>
             </a:extLst>
           </p:cNvPr>
@@ -2118,7 +2135,7 @@
           <p:cNvPr id="6" name="Content Placeholder 5">
             <a:extLst>
               <a:ext uri="{FF2B5EF4-FFF2-40B4-BE49-F238E27FC236}">
-                <a16:creationId xmlns="" xmlns:a16="http://schemas.microsoft.com/office/drawing/2014/main" id="{34293626-84FF-EF62-2961-295FF61B464A}"/>
+                <a16:creationId xmlns:a16="http://schemas.microsoft.com/office/drawing/2014/main" xmlns="" id="{34293626-84FF-EF62-2961-295FF61B464A}"/>
               </a:ext>
             </a:extLst>
           </p:cNvPr>
@@ -2180,7 +2197,7 @@
           <p:cNvPr id="7" name="Date Placeholder 6">
             <a:extLst>
               <a:ext uri="{FF2B5EF4-FFF2-40B4-BE49-F238E27FC236}">
-                <a16:creationId xmlns="" xmlns:a16="http://schemas.microsoft.com/office/drawing/2014/main" id="{3B78BB93-862E-D49A-CFC1-A0760B76B601}"/>
+                <a16:creationId xmlns:a16="http://schemas.microsoft.com/office/drawing/2014/main" xmlns="" id="{3B78BB93-862E-D49A-CFC1-A0760B76B601}"/>
               </a:ext>
             </a:extLst>
           </p:cNvPr>
@@ -2210,7 +2227,7 @@
           <p:cNvPr id="8" name="Footer Placeholder 7">
             <a:extLst>
               <a:ext uri="{FF2B5EF4-FFF2-40B4-BE49-F238E27FC236}">
-                <a16:creationId xmlns="" xmlns:a16="http://schemas.microsoft.com/office/drawing/2014/main" id="{AE22E4E9-51DD-6FF1-4CFB-5BDF053D10BA}"/>
+                <a16:creationId xmlns:a16="http://schemas.microsoft.com/office/drawing/2014/main" xmlns="" id="{AE22E4E9-51DD-6FF1-4CFB-5BDF053D10BA}"/>
               </a:ext>
             </a:extLst>
           </p:cNvPr>
@@ -2235,7 +2252,7 @@
           <p:cNvPr id="9" name="Slide Number Placeholder 8">
             <a:extLst>
               <a:ext uri="{FF2B5EF4-FFF2-40B4-BE49-F238E27FC236}">
-                <a16:creationId xmlns="" xmlns:a16="http://schemas.microsoft.com/office/drawing/2014/main" id="{D4A339A6-CF38-A9B6-7EF8-170958292F62}"/>
+                <a16:creationId xmlns:a16="http://schemas.microsoft.com/office/drawing/2014/main" xmlns="" id="{D4A339A6-CF38-A9B6-7EF8-170958292F62}"/>
               </a:ext>
             </a:extLst>
           </p:cNvPr>
@@ -2263,7 +2280,7 @@
     </p:spTree>
     <p:extLst>
       <p:ext uri="{BB962C8B-B14F-4D97-AF65-F5344CB8AC3E}">
-        <p14:creationId xmlns="" xmlns:p14="http://schemas.microsoft.com/office/powerpoint/2010/main" val="2377690720"/>
+        <p14:creationId xmlns:p14="http://schemas.microsoft.com/office/powerpoint/2010/main" xmlns="" val="2377690720"/>
       </p:ext>
     </p:extLst>
   </p:cSld>
@@ -2295,7 +2312,7 @@
           <p:cNvPr id="2" name="Title 1">
             <a:extLst>
               <a:ext uri="{FF2B5EF4-FFF2-40B4-BE49-F238E27FC236}">
-                <a16:creationId xmlns="" xmlns:a16="http://schemas.microsoft.com/office/drawing/2014/main" id="{26E4255E-96E5-BF57-9A78-3358A7B40E5B}"/>
+                <a16:creationId xmlns:a16="http://schemas.microsoft.com/office/drawing/2014/main" xmlns="" id="{26E4255E-96E5-BF57-9A78-3358A7B40E5B}"/>
               </a:ext>
             </a:extLst>
           </p:cNvPr>
@@ -2323,7 +2340,7 @@
           <p:cNvPr id="3" name="Date Placeholder 2">
             <a:extLst>
               <a:ext uri="{FF2B5EF4-FFF2-40B4-BE49-F238E27FC236}">
-                <a16:creationId xmlns="" xmlns:a16="http://schemas.microsoft.com/office/drawing/2014/main" id="{BB986BE8-D80F-95EF-F7AB-00897FCACC36}"/>
+                <a16:creationId xmlns:a16="http://schemas.microsoft.com/office/drawing/2014/main" xmlns="" id="{BB986BE8-D80F-95EF-F7AB-00897FCACC36}"/>
               </a:ext>
             </a:extLst>
           </p:cNvPr>
@@ -2353,7 +2370,7 @@
           <p:cNvPr id="4" name="Footer Placeholder 3">
             <a:extLst>
               <a:ext uri="{FF2B5EF4-FFF2-40B4-BE49-F238E27FC236}">
-                <a16:creationId xmlns="" xmlns:a16="http://schemas.microsoft.com/office/drawing/2014/main" id="{FA2FC874-6020-D98F-A812-B4D7429B9299}"/>
+                <a16:creationId xmlns:a16="http://schemas.microsoft.com/office/drawing/2014/main" xmlns="" id="{FA2FC874-6020-D98F-A812-B4D7429B9299}"/>
               </a:ext>
             </a:extLst>
           </p:cNvPr>
@@ -2378,7 +2395,7 @@
           <p:cNvPr id="5" name="Slide Number Placeholder 4">
             <a:extLst>
               <a:ext uri="{FF2B5EF4-FFF2-40B4-BE49-F238E27FC236}">
-                <a16:creationId xmlns="" xmlns:a16="http://schemas.microsoft.com/office/drawing/2014/main" id="{86305BBC-C925-0158-4693-02AE12AE19AA}"/>
+                <a16:creationId xmlns:a16="http://schemas.microsoft.com/office/drawing/2014/main" xmlns="" id="{86305BBC-C925-0158-4693-02AE12AE19AA}"/>
               </a:ext>
             </a:extLst>
           </p:cNvPr>
@@ -2406,7 +2423,7 @@
     </p:spTree>
     <p:extLst>
       <p:ext uri="{BB962C8B-B14F-4D97-AF65-F5344CB8AC3E}">
-        <p14:creationId xmlns="" xmlns:p14="http://schemas.microsoft.com/office/powerpoint/2010/main" val="161875001"/>
+        <p14:creationId xmlns:p14="http://schemas.microsoft.com/office/powerpoint/2010/main" xmlns="" val="161875001"/>
       </p:ext>
     </p:extLst>
   </p:cSld>
@@ -2438,7 +2455,7 @@
           <p:cNvPr id="2" name="Date Placeholder 1">
             <a:extLst>
               <a:ext uri="{FF2B5EF4-FFF2-40B4-BE49-F238E27FC236}">
-                <a16:creationId xmlns="" xmlns:a16="http://schemas.microsoft.com/office/drawing/2014/main" id="{768E94B4-5352-F85E-6692-65EB2000D609}"/>
+                <a16:creationId xmlns:a16="http://schemas.microsoft.com/office/drawing/2014/main" xmlns="" id="{768E94B4-5352-F85E-6692-65EB2000D609}"/>
               </a:ext>
             </a:extLst>
           </p:cNvPr>
@@ -2468,7 +2485,7 @@
           <p:cNvPr id="3" name="Footer Placeholder 2">
             <a:extLst>
               <a:ext uri="{FF2B5EF4-FFF2-40B4-BE49-F238E27FC236}">
-                <a16:creationId xmlns="" xmlns:a16="http://schemas.microsoft.com/office/drawing/2014/main" id="{E411CB3E-0915-4667-DFFA-93F3AC50A19A}"/>
+                <a16:creationId xmlns:a16="http://schemas.microsoft.com/office/drawing/2014/main" xmlns="" id="{E411CB3E-0915-4667-DFFA-93F3AC50A19A}"/>
               </a:ext>
             </a:extLst>
           </p:cNvPr>
@@ -2493,7 +2510,7 @@
           <p:cNvPr id="4" name="Slide Number Placeholder 3">
             <a:extLst>
               <a:ext uri="{FF2B5EF4-FFF2-40B4-BE49-F238E27FC236}">
-                <a16:creationId xmlns="" xmlns:a16="http://schemas.microsoft.com/office/drawing/2014/main" id="{9F419DD0-B1F8-13CD-4F66-133973CBE502}"/>
+                <a16:creationId xmlns:a16="http://schemas.microsoft.com/office/drawing/2014/main" xmlns="" id="{9F419DD0-B1F8-13CD-4F66-133973CBE502}"/>
               </a:ext>
             </a:extLst>
           </p:cNvPr>
@@ -2521,7 +2538,7 @@
     </p:spTree>
     <p:extLst>
       <p:ext uri="{BB962C8B-B14F-4D97-AF65-F5344CB8AC3E}">
-        <p14:creationId xmlns="" xmlns:p14="http://schemas.microsoft.com/office/powerpoint/2010/main" val="1292915948"/>
+        <p14:creationId xmlns:p14="http://schemas.microsoft.com/office/powerpoint/2010/main" xmlns="" val="1292915948"/>
       </p:ext>
     </p:extLst>
   </p:cSld>
@@ -2553,7 +2570,7 @@
           <p:cNvPr id="2" name="Title 1">
             <a:extLst>
               <a:ext uri="{FF2B5EF4-FFF2-40B4-BE49-F238E27FC236}">
-                <a16:creationId xmlns="" xmlns:a16="http://schemas.microsoft.com/office/drawing/2014/main" id="{2295A750-6666-F15F-E40C-1B8572F8203F}"/>
+                <a16:creationId xmlns:a16="http://schemas.microsoft.com/office/drawing/2014/main" xmlns="" id="{2295A750-6666-F15F-E40C-1B8572F8203F}"/>
               </a:ext>
             </a:extLst>
           </p:cNvPr>
@@ -2590,7 +2607,7 @@
           <p:cNvPr id="3" name="Content Placeholder 2">
             <a:extLst>
               <a:ext uri="{FF2B5EF4-FFF2-40B4-BE49-F238E27FC236}">
-                <a16:creationId xmlns="" xmlns:a16="http://schemas.microsoft.com/office/drawing/2014/main" id="{6FA1659E-424B-EB06-FF57-0054562EAA42}"/>
+                <a16:creationId xmlns:a16="http://schemas.microsoft.com/office/drawing/2014/main" xmlns="" id="{6FA1659E-424B-EB06-FF57-0054562EAA42}"/>
               </a:ext>
             </a:extLst>
           </p:cNvPr>
@@ -2680,7 +2697,7 @@
           <p:cNvPr id="4" name="Text Placeholder 3">
             <a:extLst>
               <a:ext uri="{FF2B5EF4-FFF2-40B4-BE49-F238E27FC236}">
-                <a16:creationId xmlns="" xmlns:a16="http://schemas.microsoft.com/office/drawing/2014/main" id="{74173ACE-5C84-38DC-27BA-84148456542E}"/>
+                <a16:creationId xmlns:a16="http://schemas.microsoft.com/office/drawing/2014/main" xmlns="" id="{74173ACE-5C84-38DC-27BA-84148456542E}"/>
               </a:ext>
             </a:extLst>
           </p:cNvPr>
@@ -2751,7 +2768,7 @@
           <p:cNvPr id="5" name="Date Placeholder 4">
             <a:extLst>
               <a:ext uri="{FF2B5EF4-FFF2-40B4-BE49-F238E27FC236}">
-                <a16:creationId xmlns="" xmlns:a16="http://schemas.microsoft.com/office/drawing/2014/main" id="{4B2FCF69-BEFA-136C-FE1D-C9318D506CE2}"/>
+                <a16:creationId xmlns:a16="http://schemas.microsoft.com/office/drawing/2014/main" xmlns="" id="{4B2FCF69-BEFA-136C-FE1D-C9318D506CE2}"/>
               </a:ext>
             </a:extLst>
           </p:cNvPr>
@@ -2781,7 +2798,7 @@
           <p:cNvPr id="6" name="Footer Placeholder 5">
             <a:extLst>
               <a:ext uri="{FF2B5EF4-FFF2-40B4-BE49-F238E27FC236}">
-                <a16:creationId xmlns="" xmlns:a16="http://schemas.microsoft.com/office/drawing/2014/main" id="{0D822FE8-4533-13A1-A302-15724CB53AC2}"/>
+                <a16:creationId xmlns:a16="http://schemas.microsoft.com/office/drawing/2014/main" xmlns="" id="{0D822FE8-4533-13A1-A302-15724CB53AC2}"/>
               </a:ext>
             </a:extLst>
           </p:cNvPr>
@@ -2806,7 +2823,7 @@
           <p:cNvPr id="7" name="Slide Number Placeholder 6">
             <a:extLst>
               <a:ext uri="{FF2B5EF4-FFF2-40B4-BE49-F238E27FC236}">
-                <a16:creationId xmlns="" xmlns:a16="http://schemas.microsoft.com/office/drawing/2014/main" id="{EEF520F6-B61D-96FF-9EFB-AB0D5C3D4763}"/>
+                <a16:creationId xmlns:a16="http://schemas.microsoft.com/office/drawing/2014/main" xmlns="" id="{EEF520F6-B61D-96FF-9EFB-AB0D5C3D4763}"/>
               </a:ext>
             </a:extLst>
           </p:cNvPr>
@@ -2834,7 +2851,7 @@
     </p:spTree>
     <p:extLst>
       <p:ext uri="{BB962C8B-B14F-4D97-AF65-F5344CB8AC3E}">
-        <p14:creationId xmlns="" xmlns:p14="http://schemas.microsoft.com/office/powerpoint/2010/main" val="3117924138"/>
+        <p14:creationId xmlns:p14="http://schemas.microsoft.com/office/powerpoint/2010/main" xmlns="" val="3117924138"/>
       </p:ext>
     </p:extLst>
   </p:cSld>
@@ -2866,7 +2883,7 @@
           <p:cNvPr id="2" name="Title 1">
             <a:extLst>
               <a:ext uri="{FF2B5EF4-FFF2-40B4-BE49-F238E27FC236}">
-                <a16:creationId xmlns="" xmlns:a16="http://schemas.microsoft.com/office/drawing/2014/main" id="{DBEE323E-7BAD-EBBE-E4BE-9D96B17971F8}"/>
+                <a16:creationId xmlns:a16="http://schemas.microsoft.com/office/drawing/2014/main" xmlns="" id="{DBEE323E-7BAD-EBBE-E4BE-9D96B17971F8}"/>
               </a:ext>
             </a:extLst>
           </p:cNvPr>
@@ -2903,7 +2920,7 @@
           <p:cNvPr id="3" name="Picture Placeholder 2">
             <a:extLst>
               <a:ext uri="{FF2B5EF4-FFF2-40B4-BE49-F238E27FC236}">
-                <a16:creationId xmlns="" xmlns:a16="http://schemas.microsoft.com/office/drawing/2014/main" id="{C2E9CD05-5DCD-89AA-7CDF-6DCE08A27027}"/>
+                <a16:creationId xmlns:a16="http://schemas.microsoft.com/office/drawing/2014/main" xmlns="" id="{C2E9CD05-5DCD-89AA-7CDF-6DCE08A27027}"/>
               </a:ext>
             </a:extLst>
           </p:cNvPr>
@@ -2970,7 +2987,7 @@
           <p:cNvPr id="4" name="Text Placeholder 3">
             <a:extLst>
               <a:ext uri="{FF2B5EF4-FFF2-40B4-BE49-F238E27FC236}">
-                <a16:creationId xmlns="" xmlns:a16="http://schemas.microsoft.com/office/drawing/2014/main" id="{BE04A185-1286-A3CF-5BB1-8D97CAAF07AD}"/>
+                <a16:creationId xmlns:a16="http://schemas.microsoft.com/office/drawing/2014/main" xmlns="" id="{BE04A185-1286-A3CF-5BB1-8D97CAAF07AD}"/>
               </a:ext>
             </a:extLst>
           </p:cNvPr>
@@ -3041,7 +3058,7 @@
           <p:cNvPr id="5" name="Date Placeholder 4">
             <a:extLst>
               <a:ext uri="{FF2B5EF4-FFF2-40B4-BE49-F238E27FC236}">
-                <a16:creationId xmlns="" xmlns:a16="http://schemas.microsoft.com/office/drawing/2014/main" id="{BB2FBC04-7A4C-CADE-01EF-27358C4C9A2C}"/>
+                <a16:creationId xmlns:a16="http://schemas.microsoft.com/office/drawing/2014/main" xmlns="" id="{BB2FBC04-7A4C-CADE-01EF-27358C4C9A2C}"/>
               </a:ext>
             </a:extLst>
           </p:cNvPr>
@@ -3071,7 +3088,7 @@
           <p:cNvPr id="6" name="Footer Placeholder 5">
             <a:extLst>
               <a:ext uri="{FF2B5EF4-FFF2-40B4-BE49-F238E27FC236}">
-                <a16:creationId xmlns="" xmlns:a16="http://schemas.microsoft.com/office/drawing/2014/main" id="{4290A039-3CCC-1817-74BB-C85A614E3C78}"/>
+                <a16:creationId xmlns:a16="http://schemas.microsoft.com/office/drawing/2014/main" xmlns="" id="{4290A039-3CCC-1817-74BB-C85A614E3C78}"/>
               </a:ext>
             </a:extLst>
           </p:cNvPr>
@@ -3096,7 +3113,7 @@
           <p:cNvPr id="7" name="Slide Number Placeholder 6">
             <a:extLst>
               <a:ext uri="{FF2B5EF4-FFF2-40B4-BE49-F238E27FC236}">
-                <a16:creationId xmlns="" xmlns:a16="http://schemas.microsoft.com/office/drawing/2014/main" id="{D6B65F36-31FA-4BD0-A0F7-C705DC3FD002}"/>
+                <a16:creationId xmlns:a16="http://schemas.microsoft.com/office/drawing/2014/main" xmlns="" id="{D6B65F36-31FA-4BD0-A0F7-C705DC3FD002}"/>
               </a:ext>
             </a:extLst>
           </p:cNvPr>
@@ -3124,7 +3141,7 @@
     </p:spTree>
     <p:extLst>
       <p:ext uri="{BB962C8B-B14F-4D97-AF65-F5344CB8AC3E}">
-        <p14:creationId xmlns="" xmlns:p14="http://schemas.microsoft.com/office/powerpoint/2010/main" val="3709242446"/>
+        <p14:creationId xmlns:p14="http://schemas.microsoft.com/office/powerpoint/2010/main" xmlns="" val="3709242446"/>
       </p:ext>
     </p:extLst>
   </p:cSld>
@@ -3161,7 +3178,7 @@
           <p:cNvPr id="2" name="Title Placeholder 1">
             <a:extLst>
               <a:ext uri="{FF2B5EF4-FFF2-40B4-BE49-F238E27FC236}">
-                <a16:creationId xmlns="" xmlns:a16="http://schemas.microsoft.com/office/drawing/2014/main" id="{9EBB33B2-137D-FF39-16EE-63146EB1D432}"/>
+                <a16:creationId xmlns:a16="http://schemas.microsoft.com/office/drawing/2014/main" xmlns="" id="{9EBB33B2-137D-FF39-16EE-63146EB1D432}"/>
               </a:ext>
             </a:extLst>
           </p:cNvPr>
@@ -3199,7 +3216,7 @@
           <p:cNvPr id="3" name="Text Placeholder 2">
             <a:extLst>
               <a:ext uri="{FF2B5EF4-FFF2-40B4-BE49-F238E27FC236}">
-                <a16:creationId xmlns="" xmlns:a16="http://schemas.microsoft.com/office/drawing/2014/main" id="{499CF31D-8CF2-442A-4561-9FECFA40B9B3}"/>
+                <a16:creationId xmlns:a16="http://schemas.microsoft.com/office/drawing/2014/main" xmlns="" id="{499CF31D-8CF2-442A-4561-9FECFA40B9B3}"/>
               </a:ext>
             </a:extLst>
           </p:cNvPr>
@@ -3266,7 +3283,7 @@
           <p:cNvPr id="4" name="Date Placeholder 3">
             <a:extLst>
               <a:ext uri="{FF2B5EF4-FFF2-40B4-BE49-F238E27FC236}">
-                <a16:creationId xmlns="" xmlns:a16="http://schemas.microsoft.com/office/drawing/2014/main" id="{8436089C-8ADB-5602-652D-C8EA06A4A873}"/>
+                <a16:creationId xmlns:a16="http://schemas.microsoft.com/office/drawing/2014/main" xmlns="" id="{8436089C-8ADB-5602-652D-C8EA06A4A873}"/>
               </a:ext>
             </a:extLst>
           </p:cNvPr>
@@ -3314,7 +3331,7 @@
           <p:cNvPr id="5" name="Footer Placeholder 4">
             <a:extLst>
               <a:ext uri="{FF2B5EF4-FFF2-40B4-BE49-F238E27FC236}">
-                <a16:creationId xmlns="" xmlns:a16="http://schemas.microsoft.com/office/drawing/2014/main" id="{5BF5F38D-B2A6-755F-2204-0A486E82C947}"/>
+                <a16:creationId xmlns:a16="http://schemas.microsoft.com/office/drawing/2014/main" xmlns="" id="{5BF5F38D-B2A6-755F-2204-0A486E82C947}"/>
               </a:ext>
             </a:extLst>
           </p:cNvPr>
@@ -3357,7 +3374,7 @@
           <p:cNvPr id="6" name="Slide Number Placeholder 5">
             <a:extLst>
               <a:ext uri="{FF2B5EF4-FFF2-40B4-BE49-F238E27FC236}">
-                <a16:creationId xmlns="" xmlns:a16="http://schemas.microsoft.com/office/drawing/2014/main" id="{D58B705F-DDE2-DB93-AFEE-DD54CD6F813A}"/>
+                <a16:creationId xmlns:a16="http://schemas.microsoft.com/office/drawing/2014/main" xmlns="" id="{D58B705F-DDE2-DB93-AFEE-DD54CD6F813A}"/>
               </a:ext>
             </a:extLst>
           </p:cNvPr>
@@ -3403,7 +3420,7 @@
     </p:spTree>
     <p:extLst>
       <p:ext uri="{BB962C8B-B14F-4D97-AF65-F5344CB8AC3E}">
-        <p14:creationId xmlns="" xmlns:p14="http://schemas.microsoft.com/office/powerpoint/2010/main" val="3964764200"/>
+        <p14:creationId xmlns:p14="http://schemas.microsoft.com/office/powerpoint/2010/main" xmlns="" val="3964764200"/>
       </p:ext>
     </p:extLst>
   </p:cSld>
@@ -3726,7 +3743,7 @@
           <p:cNvPr id="4" name="Title 3">
             <a:extLst>
               <a:ext uri="{FF2B5EF4-FFF2-40B4-BE49-F238E27FC236}">
-                <a16:creationId xmlns="" xmlns:a16="http://schemas.microsoft.com/office/drawing/2014/main" id="{18B10B1B-C9A0-5C1D-1E2B-EBB455AA5B66}"/>
+                <a16:creationId xmlns:a16="http://schemas.microsoft.com/office/drawing/2014/main" xmlns="" id="{18B10B1B-C9A0-5C1D-1E2B-EBB455AA5B66}"/>
               </a:ext>
             </a:extLst>
           </p:cNvPr>
@@ -3745,7 +3762,7 @@
             <a:r>
               <a:rPr lang="en-US" dirty="0">
                 <a:solidFill>
-                  <a:srgbClr val="002060"/>
+                  <a:srgbClr val="FF0000"/>
                 </a:solidFill>
               </a:rPr>
               <a:t>Wells Fargo Technology Hackathon </a:t>
@@ -3753,14 +3770,14 @@
             <a:r>
               <a:rPr lang="en-US" dirty="0" smtClean="0">
                 <a:solidFill>
-                  <a:srgbClr val="002060"/>
+                  <a:srgbClr val="FF0000"/>
                 </a:solidFill>
               </a:rPr>
               <a:t>2025</a:t>
             </a:r>
             <a:endParaRPr lang="en-US" dirty="0">
               <a:solidFill>
-                <a:srgbClr val="002060"/>
+                <a:srgbClr val="FF0000"/>
               </a:solidFill>
             </a:endParaRPr>
           </a:p>
@@ -3771,7 +3788,7 @@
           <p:cNvPr id="5" name="Subtitle 4">
             <a:extLst>
               <a:ext uri="{FF2B5EF4-FFF2-40B4-BE49-F238E27FC236}">
-                <a16:creationId xmlns="" xmlns:a16="http://schemas.microsoft.com/office/drawing/2014/main" id="{F063F9F8-D11C-0A55-C089-FCAD1955F695}"/>
+                <a16:creationId xmlns:a16="http://schemas.microsoft.com/office/drawing/2014/main" xmlns="" id="{F063F9F8-D11C-0A55-C089-FCAD1955F695}"/>
               </a:ext>
             </a:extLst>
           </p:cNvPr>
@@ -3813,7 +3830,7 @@
           <p:cNvPr id="6" name="Rectangle 5">
             <a:extLst>
               <a:ext uri="{FF2B5EF4-FFF2-40B4-BE49-F238E27FC236}">
-                <a16:creationId xmlns="" xmlns:a16="http://schemas.microsoft.com/office/drawing/2014/main" id="{120F8FB5-5C0D-7516-F8D9-A7E78D33A1D3}"/>
+                <a16:creationId xmlns:a16="http://schemas.microsoft.com/office/drawing/2014/main" xmlns="" id="{120F8FB5-5C0D-7516-F8D9-A7E78D33A1D3}"/>
               </a:ext>
             </a:extLst>
           </p:cNvPr>
@@ -3859,7 +3876,7 @@
           <p:cNvPr id="7" name="TextBox 6">
             <a:extLst>
               <a:ext uri="{FF2B5EF4-FFF2-40B4-BE49-F238E27FC236}">
-                <a16:creationId xmlns="" xmlns:a16="http://schemas.microsoft.com/office/drawing/2014/main" id="{3D4E6149-2D30-F2F4-F76B-B32B4D39972A}"/>
+                <a16:creationId xmlns:a16="http://schemas.microsoft.com/office/drawing/2014/main" xmlns="" id="{3D4E6149-2D30-F2F4-F76B-B32B4D39972A}"/>
               </a:ext>
             </a:extLst>
           </p:cNvPr>
@@ -4000,7 +4017,7 @@
           <p:cNvPr id="8" name="TextBox 7">
             <a:extLst>
               <a:ext uri="{FF2B5EF4-FFF2-40B4-BE49-F238E27FC236}">
-                <a16:creationId xmlns="" xmlns:a16="http://schemas.microsoft.com/office/drawing/2014/main" id="{38E8BD16-22C1-8E23-9A0A-FD55F6C0A5A8}"/>
+                <a16:creationId xmlns:a16="http://schemas.microsoft.com/office/drawing/2014/main" xmlns="" id="{38E8BD16-22C1-8E23-9A0A-FD55F6C0A5A8}"/>
               </a:ext>
             </a:extLst>
           </p:cNvPr>
@@ -4044,7 +4061,7 @@
           <p:cNvPr id="9" name="TextBox 8">
             <a:extLst>
               <a:ext uri="{FF2B5EF4-FFF2-40B4-BE49-F238E27FC236}">
-                <a16:creationId xmlns="" xmlns:a16="http://schemas.microsoft.com/office/drawing/2014/main" id="{7CAF47B3-FE25-B5CA-3D74-CF15650251DC}"/>
+                <a16:creationId xmlns:a16="http://schemas.microsoft.com/office/drawing/2014/main" xmlns="" id="{7CAF47B3-FE25-B5CA-3D74-CF15650251DC}"/>
               </a:ext>
             </a:extLst>
           </p:cNvPr>
@@ -4106,7 +4123,7 @@
           <p:cNvPr id="10" name="TextBox 9">
             <a:extLst>
               <a:ext uri="{FF2B5EF4-FFF2-40B4-BE49-F238E27FC236}">
-                <a16:creationId xmlns="" xmlns:a16="http://schemas.microsoft.com/office/drawing/2014/main" id="{E6436171-7421-E4D2-60E9-3C0F3A027DDC}"/>
+                <a16:creationId xmlns:a16="http://schemas.microsoft.com/office/drawing/2014/main" xmlns="" id="{E6436171-7421-E4D2-60E9-3C0F3A027DDC}"/>
               </a:ext>
             </a:extLst>
           </p:cNvPr>
@@ -4177,7 +4194,2693 @@
     </p:spTree>
     <p:extLst>
       <p:ext uri="{BB962C8B-B14F-4D97-AF65-F5344CB8AC3E}">
-        <p14:creationId xmlns="" xmlns:p14="http://schemas.microsoft.com/office/powerpoint/2010/main" val="1758778708"/>
+        <p14:creationId xmlns:p14="http://schemas.microsoft.com/office/powerpoint/2010/main" xmlns="" val="1758778708"/>
+      </p:ext>
+    </p:extLst>
+  </p:cSld>
+  <p:clrMapOvr>
+    <a:masterClrMapping/>
+  </p:clrMapOvr>
+  <p:timing>
+    <p:tnLst>
+      <p:par>
+        <p:cTn id="1" dur="indefinite" restart="never" nodeType="tmRoot"/>
+      </p:par>
+    </p:tnLst>
+  </p:timing>
+</p:sld>
+</file>
+
+<file path=ppt/slides/slide10.xml><?xml version="1.0" encoding="utf-8"?>
+<p:sld xmlns:a="http://schemas.openxmlformats.org/drawingml/2006/main" xmlns:r="http://schemas.openxmlformats.org/officeDocument/2006/relationships" xmlns:p="http://schemas.openxmlformats.org/presentationml/2006/main">
+  <p:cSld>
+    <p:spTree>
+      <p:nvGrpSpPr>
+        <p:cNvPr id="1" name=""/>
+        <p:cNvGrpSpPr/>
+        <p:nvPr/>
+      </p:nvGrpSpPr>
+      <p:grpSpPr>
+        <a:xfrm>
+          <a:off x="0" y="0"/>
+          <a:ext cx="0" cy="0"/>
+          <a:chOff x="0" y="0"/>
+          <a:chExt cx="0" cy="0"/>
+        </a:xfrm>
+      </p:grpSpPr>
+      <p:sp>
+        <p:nvSpPr>
+          <p:cNvPr id="2" name="Title 1">
+            <a:extLst>
+              <a:ext uri="{FF2B5EF4-FFF2-40B4-BE49-F238E27FC236}">
+                <a16:creationId xmlns:a16="http://schemas.microsoft.com/office/drawing/2014/main" xmlns="" id="{CA84B1FC-437A-C0D8-613B-8F59C6F4EB16}"/>
+              </a:ext>
+            </a:extLst>
+          </p:cNvPr>
+          <p:cNvSpPr>
+            <a:spLocks noGrp="1"/>
+          </p:cNvSpPr>
+          <p:nvPr>
+            <p:ph type="title"/>
+          </p:nvPr>
+        </p:nvSpPr>
+        <p:spPr>
+          <a:xfrm>
+            <a:off x="295589" y="174206"/>
+            <a:ext cx="10515600" cy="1325563"/>
+          </a:xfrm>
+        </p:spPr>
+        <p:txBody>
+          <a:bodyPr/>
+          <a:lstStyle/>
+          <a:p>
+            <a:r>
+              <a:rPr lang="en-US" dirty="0" smtClean="0">
+                <a:solidFill>
+                  <a:srgbClr val="FF0000"/>
+                </a:solidFill>
+              </a:rPr>
+              <a:t>Results</a:t>
+            </a:r>
+            <a:endParaRPr lang="en-US" dirty="0">
+              <a:solidFill>
+                <a:srgbClr val="FF0000"/>
+              </a:solidFill>
+            </a:endParaRPr>
+          </a:p>
+        </p:txBody>
+      </p:sp>
+    </p:spTree>
+    <p:extLst>
+      <p:ext uri="{BB962C8B-B14F-4D97-AF65-F5344CB8AC3E}">
+        <p14:creationId xmlns:p14="http://schemas.microsoft.com/office/powerpoint/2010/main" xmlns="" val="3961496340"/>
+      </p:ext>
+    </p:extLst>
+  </p:cSld>
+  <p:clrMapOvr>
+    <a:masterClrMapping/>
+  </p:clrMapOvr>
+  <p:timing>
+    <p:tnLst>
+      <p:par>
+        <p:cTn id="1" dur="indefinite" restart="never" nodeType="tmRoot"/>
+      </p:par>
+    </p:tnLst>
+  </p:timing>
+</p:sld>
+</file>
+
+<file path=ppt/slides/slide11.xml><?xml version="1.0" encoding="utf-8"?>
+<p:sld xmlns:a="http://schemas.openxmlformats.org/drawingml/2006/main" xmlns:r="http://schemas.openxmlformats.org/officeDocument/2006/relationships" xmlns:p="http://schemas.openxmlformats.org/presentationml/2006/main">
+  <p:cSld>
+    <p:spTree>
+      <p:nvGrpSpPr>
+        <p:cNvPr id="1" name=""/>
+        <p:cNvGrpSpPr/>
+        <p:nvPr/>
+      </p:nvGrpSpPr>
+      <p:grpSpPr>
+        <a:xfrm>
+          <a:off x="0" y="0"/>
+          <a:ext cx="0" cy="0"/>
+          <a:chOff x="0" y="0"/>
+          <a:chExt cx="0" cy="0"/>
+        </a:xfrm>
+      </p:grpSpPr>
+      <p:sp>
+        <p:nvSpPr>
+          <p:cNvPr id="2" name="Title 1">
+            <a:extLst>
+              <a:ext uri="{FF2B5EF4-FFF2-40B4-BE49-F238E27FC236}">
+                <a16:creationId xmlns:a16="http://schemas.microsoft.com/office/drawing/2014/main" xmlns="" id="{CA84B1FC-437A-C0D8-613B-8F59C6F4EB16}"/>
+              </a:ext>
+            </a:extLst>
+          </p:cNvPr>
+          <p:cNvSpPr>
+            <a:spLocks noGrp="1"/>
+          </p:cNvSpPr>
+          <p:nvPr>
+            <p:ph type="title"/>
+          </p:nvPr>
+        </p:nvSpPr>
+        <p:spPr>
+          <a:xfrm>
+            <a:off x="251208" y="50246"/>
+            <a:ext cx="10439399" cy="542611"/>
+          </a:xfrm>
+        </p:spPr>
+        <p:txBody>
+          <a:bodyPr>
+            <a:normAutofit/>
+          </a:bodyPr>
+          <a:lstStyle/>
+          <a:p>
+            <a:r>
+              <a:rPr lang="en-US" sz="2800" dirty="0" smtClean="0">
+                <a:solidFill>
+                  <a:srgbClr val="FF0000"/>
+                </a:solidFill>
+              </a:rPr>
+              <a:t>Jarvis RR Engine: </a:t>
+            </a:r>
+            <a:r>
+              <a:rPr lang="en-IN" sz="2800" dirty="0" smtClean="0">
+                <a:solidFill>
+                  <a:srgbClr val="FF0000"/>
+                </a:solidFill>
+              </a:rPr>
+              <a:t>Knowledge Source Creation &amp; </a:t>
+            </a:r>
+            <a:r>
+              <a:rPr lang="en-IN" sz="2800" dirty="0" smtClean="0">
+                <a:solidFill>
+                  <a:srgbClr val="FF0000"/>
+                </a:solidFill>
+              </a:rPr>
+              <a:t>Updates</a:t>
+            </a:r>
+            <a:endParaRPr lang="en-US" sz="2800" dirty="0">
+              <a:solidFill>
+                <a:srgbClr val="FF0000"/>
+              </a:solidFill>
+            </a:endParaRPr>
+          </a:p>
+        </p:txBody>
+      </p:sp>
+      <p:sp>
+        <p:nvSpPr>
+          <p:cNvPr id="26632" name="Rectangle 8"/>
+          <p:cNvSpPr>
+            <a:spLocks noChangeArrowheads="1"/>
+          </p:cNvSpPr>
+          <p:nvPr/>
+        </p:nvSpPr>
+        <p:spPr bwMode="auto">
+          <a:xfrm>
+            <a:off x="0" y="-3941724"/>
+            <a:ext cx="261610" cy="8340648"/>
+          </a:xfrm>
+          <a:prstGeom prst="rect">
+            <a:avLst/>
+          </a:prstGeom>
+          <a:noFill/>
+          <a:ln w="9525">
+            <a:noFill/>
+            <a:miter lim="800000"/>
+            <a:headEnd/>
+            <a:tailEnd/>
+          </a:ln>
+          <a:effectLst/>
+        </p:spPr>
+        <p:txBody>
+          <a:bodyPr vert="horz" wrap="none" lIns="91440" tIns="152352" rIns="91440" bIns="152352" numCol="1" anchor="ctr" anchorCtr="0" compatLnSpc="1">
+            <a:prstTxWarp prst="textNoShape">
+              <a:avLst/>
+            </a:prstTxWarp>
+            <a:spAutoFit/>
+          </a:bodyPr>
+          <a:lstStyle/>
+          <a:p>
+            <a:pPr marL="0" marR="0" lvl="0" indent="0" algn="l" defTabSz="914400" rtl="0" eaLnBrk="0" fontAlgn="base" latinLnBrk="0" hangingPunct="0">
+              <a:lnSpc>
+                <a:spcPct val="100000"/>
+              </a:lnSpc>
+              <a:spcBef>
+                <a:spcPct val="0"/>
+              </a:spcBef>
+              <a:spcAft>
+                <a:spcPct val="0"/>
+              </a:spcAft>
+              <a:buClrTx/>
+              <a:buSzTx/>
+              <a:buFontTx/>
+              <a:buNone/>
+              <a:tabLst/>
+            </a:pPr>
+            <a:r>
+              <a:rPr kumimoji="0" lang="en-US" sz="800" b="0" i="0" u="none" strike="noStrike" cap="none" normalizeH="0" baseline="0" dirty="0" smtClean="0">
+                <a:ln>
+                  <a:noFill/>
+                </a:ln>
+                <a:solidFill>
+                  <a:schemeClr val="tx1"/>
+                </a:solidFill>
+                <a:effectLst/>
+                <a:latin typeface="Arial" pitchFamily="34" charset="0"/>
+                <a:cs typeface="Arial" pitchFamily="34" charset="0"/>
+              </a:rPr>
+              <a:t/>
+            </a:r>
+            <a:br>
+              <a:rPr kumimoji="0" lang="en-US" sz="800" b="0" i="0" u="none" strike="noStrike" cap="none" normalizeH="0" baseline="0" dirty="0" smtClean="0">
+                <a:ln>
+                  <a:noFill/>
+                </a:ln>
+                <a:solidFill>
+                  <a:schemeClr val="tx1"/>
+                </a:solidFill>
+                <a:effectLst/>
+                <a:latin typeface="Arial" pitchFamily="34" charset="0"/>
+                <a:cs typeface="Arial" pitchFamily="34" charset="0"/>
+              </a:rPr>
+            </a:br>
+            <a:endParaRPr kumimoji="0" lang="en-US" sz="1800" b="0" i="0" u="none" strike="noStrike" cap="none" normalizeH="0" baseline="0" dirty="0" smtClean="0">
+              <a:ln>
+                <a:noFill/>
+              </a:ln>
+              <a:solidFill>
+                <a:schemeClr val="tx1"/>
+              </a:solidFill>
+              <a:effectLst/>
+              <a:latin typeface="Arial" pitchFamily="34" charset="0"/>
+              <a:cs typeface="Arial" pitchFamily="34" charset="0"/>
+            </a:endParaRPr>
+          </a:p>
+          <a:p>
+            <a:pPr marL="0" marR="0" lvl="0" indent="0" algn="l" defTabSz="914400" rtl="0" eaLnBrk="0" fontAlgn="base" latinLnBrk="0" hangingPunct="0">
+              <a:lnSpc>
+                <a:spcPct val="100000"/>
+              </a:lnSpc>
+              <a:spcBef>
+                <a:spcPct val="0"/>
+              </a:spcBef>
+              <a:spcAft>
+                <a:spcPct val="0"/>
+              </a:spcAft>
+              <a:buClrTx/>
+              <a:buSzTx/>
+              <a:buFontTx/>
+              <a:buNone/>
+              <a:tabLst/>
+            </a:pPr>
+            <a:r>
+              <a:rPr kumimoji="0" lang="en-US" sz="1100" b="0" i="0" u="none" strike="noStrike" cap="none" normalizeH="0" baseline="0" dirty="0" smtClean="0">
+                <a:ln>
+                  <a:noFill/>
+                </a:ln>
+                <a:solidFill>
+                  <a:srgbClr val="000000"/>
+                </a:solidFill>
+                <a:effectLst/>
+                <a:latin typeface="Arial" pitchFamily="34" charset="0"/>
+                <a:cs typeface="Arial" pitchFamily="34" charset="0"/>
+              </a:rPr>
+              <a:t>  </a:t>
+            </a:r>
+            <a:endParaRPr kumimoji="0" lang="en-US" sz="800" b="0" i="0" u="none" strike="noStrike" cap="none" normalizeH="0" baseline="0" dirty="0" smtClean="0">
+              <a:ln>
+                <a:noFill/>
+              </a:ln>
+              <a:solidFill>
+                <a:schemeClr val="tx1"/>
+              </a:solidFill>
+              <a:effectLst/>
+              <a:latin typeface="Arial" pitchFamily="34" charset="0"/>
+              <a:cs typeface="Arial" pitchFamily="34" charset="0"/>
+            </a:endParaRPr>
+          </a:p>
+          <a:p>
+            <a:pPr marL="0" marR="0" lvl="0" indent="0" algn="l" defTabSz="914400" rtl="0" eaLnBrk="0" fontAlgn="base" latinLnBrk="0" hangingPunct="0">
+              <a:lnSpc>
+                <a:spcPct val="100000"/>
+              </a:lnSpc>
+              <a:spcBef>
+                <a:spcPct val="0"/>
+              </a:spcBef>
+              <a:spcAft>
+                <a:spcPct val="0"/>
+              </a:spcAft>
+              <a:buClrTx/>
+              <a:buSzTx/>
+              <a:buFontTx/>
+              <a:buNone/>
+              <a:tabLst/>
+            </a:pPr>
+            <a:r>
+              <a:rPr kumimoji="0" lang="en-US" sz="1100" b="0" i="0" u="none" strike="noStrike" cap="none" normalizeH="0" baseline="0" dirty="0" smtClean="0">
+                <a:ln>
+                  <a:noFill/>
+                </a:ln>
+                <a:solidFill>
+                  <a:srgbClr val="000000"/>
+                </a:solidFill>
+                <a:effectLst/>
+                <a:latin typeface="Arial" pitchFamily="34" charset="0"/>
+                <a:cs typeface="Arial" pitchFamily="34" charset="0"/>
+              </a:rPr>
+              <a:t>  </a:t>
+            </a:r>
+            <a:endParaRPr kumimoji="0" lang="en-US" sz="800" b="0" i="0" u="none" strike="noStrike" cap="none" normalizeH="0" baseline="0" dirty="0" smtClean="0">
+              <a:ln>
+                <a:noFill/>
+              </a:ln>
+              <a:solidFill>
+                <a:schemeClr val="tx1"/>
+              </a:solidFill>
+              <a:effectLst/>
+              <a:latin typeface="Arial" pitchFamily="34" charset="0"/>
+              <a:cs typeface="Arial" pitchFamily="34" charset="0"/>
+            </a:endParaRPr>
+          </a:p>
+          <a:p>
+            <a:pPr marL="0" marR="0" lvl="0" indent="0" algn="l" defTabSz="914400" rtl="0" eaLnBrk="0" fontAlgn="base" latinLnBrk="0" hangingPunct="0">
+              <a:lnSpc>
+                <a:spcPct val="100000"/>
+              </a:lnSpc>
+              <a:spcBef>
+                <a:spcPct val="0"/>
+              </a:spcBef>
+              <a:spcAft>
+                <a:spcPct val="0"/>
+              </a:spcAft>
+              <a:buClrTx/>
+              <a:buSzTx/>
+              <a:buFontTx/>
+              <a:buNone/>
+              <a:tabLst/>
+            </a:pPr>
+            <a:r>
+              <a:rPr kumimoji="0" lang="en-US" sz="23700" b="0" i="0" u="none" strike="noStrike" cap="none" normalizeH="0" baseline="0" dirty="0" smtClean="0">
+                <a:ln>
+                  <a:noFill/>
+                </a:ln>
+                <a:solidFill>
+                  <a:srgbClr val="000000"/>
+                </a:solidFill>
+                <a:effectLst/>
+                <a:latin typeface="Arial" pitchFamily="34" charset="0"/>
+                <a:cs typeface="Arial" pitchFamily="34" charset="0"/>
+              </a:rPr>
+              <a:t/>
+            </a:r>
+            <a:br>
+              <a:rPr kumimoji="0" lang="en-US" sz="23700" b="0" i="0" u="none" strike="noStrike" cap="none" normalizeH="0" baseline="0" dirty="0" smtClean="0">
+                <a:ln>
+                  <a:noFill/>
+                </a:ln>
+                <a:solidFill>
+                  <a:srgbClr val="000000"/>
+                </a:solidFill>
+                <a:effectLst/>
+                <a:latin typeface="Arial" pitchFamily="34" charset="0"/>
+                <a:cs typeface="Arial" pitchFamily="34" charset="0"/>
+              </a:rPr>
+            </a:br>
+            <a:endParaRPr kumimoji="0" lang="en-US" sz="23700" b="0" i="0" u="none" strike="noStrike" cap="none" normalizeH="0" baseline="0" dirty="0" smtClean="0">
+              <a:ln>
+                <a:noFill/>
+              </a:ln>
+              <a:solidFill>
+                <a:srgbClr val="000000"/>
+              </a:solidFill>
+              <a:effectLst/>
+              <a:latin typeface="Arial" pitchFamily="34" charset="0"/>
+              <a:cs typeface="Arial" pitchFamily="34" charset="0"/>
+            </a:endParaRPr>
+          </a:p>
+        </p:txBody>
+      </p:sp>
+      <p:pic>
+        <p:nvPicPr>
+          <p:cNvPr id="26633" name="Picture 9" descr="https://lh7-rt.googleusercontent.com/docsz/AD_4nXdhcVDsXQ57N0C6NofBXBjEPFxR3QZvdHi3MZ4_MvBD5ZK1BdS4-_RZibvn2_-HWyMIEawmqLCh_9cC3hmGrL3ZoYe3HmKuAfK_Vc3ewG-O4Xb2TNC08e1M5-PrFuHz8V9NEfnjMg?key=JbqQOFy5MMybFsSmj5_Bpfq3"/>
+          <p:cNvPicPr>
+            <a:picLocks noChangeAspect="1" noChangeArrowheads="1"/>
+          </p:cNvPicPr>
+          <p:nvPr/>
+        </p:nvPicPr>
+        <p:blipFill>
+          <a:blip r:embed="rId2" cstate="print"/>
+          <a:srcRect/>
+          <a:stretch>
+            <a:fillRect/>
+          </a:stretch>
+        </p:blipFill>
+        <p:spPr bwMode="auto">
+          <a:xfrm>
+            <a:off x="90432" y="1670904"/>
+            <a:ext cx="5734050" cy="1933575"/>
+          </a:xfrm>
+          <a:prstGeom prst="rect">
+            <a:avLst/>
+          </a:prstGeom>
+          <a:noFill/>
+        </p:spPr>
+      </p:pic>
+      <p:pic>
+        <p:nvPicPr>
+          <p:cNvPr id="26634" name="Picture 10" descr="https://lh7-rt.googleusercontent.com/docsz/AD_4nXdCob19qM786RgUoVdCYirRjppOj3bX0aJHmsfzcjEVQxKv9SLza3pmD5cNglpmjbhszAR0HRrUHj_m79klK0nMDJ6PzHYnmvkjCMcnCW7YNrWhTm3D-YGlFB4RbfZzLqB9vEpyzg?key=JbqQOFy5MMybFsSmj5_Bpfq3"/>
+          <p:cNvPicPr>
+            <a:picLocks noChangeAspect="1" noChangeArrowheads="1"/>
+          </p:cNvPicPr>
+          <p:nvPr/>
+        </p:nvPicPr>
+        <p:blipFill>
+          <a:blip r:embed="rId3" cstate="print"/>
+          <a:srcRect/>
+          <a:stretch>
+            <a:fillRect/>
+          </a:stretch>
+        </p:blipFill>
+        <p:spPr bwMode="auto">
+          <a:xfrm>
+            <a:off x="5918019" y="1638212"/>
+            <a:ext cx="5734050" cy="3771901"/>
+          </a:xfrm>
+          <a:prstGeom prst="rect">
+            <a:avLst/>
+          </a:prstGeom>
+          <a:noFill/>
+        </p:spPr>
+      </p:pic>
+      <p:sp>
+        <p:nvSpPr>
+          <p:cNvPr id="12" name="Rectangle 11"/>
+          <p:cNvSpPr/>
+          <p:nvPr/>
+        </p:nvSpPr>
+        <p:spPr>
+          <a:xfrm>
+            <a:off x="431673" y="772439"/>
+            <a:ext cx="2826415" cy="369332"/>
+          </a:xfrm>
+          <a:prstGeom prst="rect">
+            <a:avLst/>
+          </a:prstGeom>
+        </p:spPr>
+        <p:txBody>
+          <a:bodyPr wrap="none">
+            <a:spAutoFit/>
+          </a:bodyPr>
+          <a:lstStyle/>
+          <a:p>
+            <a:pPr lvl="0" fontAlgn="base">
+              <a:spcBef>
+                <a:spcPct val="0"/>
+              </a:spcBef>
+              <a:spcAft>
+                <a:spcPct val="0"/>
+              </a:spcAft>
+            </a:pPr>
+            <a:r>
+              <a:rPr lang="en-US" b="1" dirty="0" smtClean="0">
+                <a:solidFill>
+                  <a:srgbClr val="434343"/>
+                </a:solidFill>
+                <a:latin typeface="Arial" pitchFamily="34" charset="0"/>
+                <a:cs typeface="Arial" pitchFamily="34" charset="0"/>
+              </a:rPr>
+              <a:t>Current Knowledge Hub</a:t>
+            </a:r>
+            <a:endParaRPr lang="en-US" sz="1050" b="1" dirty="0" smtClean="0">
+              <a:latin typeface="Arial" pitchFamily="34" charset="0"/>
+              <a:cs typeface="Arial" pitchFamily="34" charset="0"/>
+            </a:endParaRPr>
+          </a:p>
+        </p:txBody>
+      </p:sp>
+    </p:spTree>
+    <p:extLst>
+      <p:ext uri="{BB962C8B-B14F-4D97-AF65-F5344CB8AC3E}">
+        <p14:creationId xmlns:p14="http://schemas.microsoft.com/office/powerpoint/2010/main" xmlns="" val="3961496340"/>
+      </p:ext>
+    </p:extLst>
+  </p:cSld>
+  <p:clrMapOvr>
+    <a:masterClrMapping/>
+  </p:clrMapOvr>
+  <p:timing>
+    <p:tnLst>
+      <p:par>
+        <p:cTn id="1" dur="indefinite" restart="never" nodeType="tmRoot"/>
+      </p:par>
+    </p:tnLst>
+  </p:timing>
+</p:sld>
+</file>
+
+<file path=ppt/slides/slide12.xml><?xml version="1.0" encoding="utf-8"?>
+<p:sld xmlns:a="http://schemas.openxmlformats.org/drawingml/2006/main" xmlns:r="http://schemas.openxmlformats.org/officeDocument/2006/relationships" xmlns:p="http://schemas.openxmlformats.org/presentationml/2006/main">
+  <p:cSld>
+    <p:spTree>
+      <p:nvGrpSpPr>
+        <p:cNvPr id="1" name=""/>
+        <p:cNvGrpSpPr/>
+        <p:nvPr/>
+      </p:nvGrpSpPr>
+      <p:grpSpPr>
+        <a:xfrm>
+          <a:off x="0" y="0"/>
+          <a:ext cx="0" cy="0"/>
+          <a:chOff x="0" y="0"/>
+          <a:chExt cx="0" cy="0"/>
+        </a:xfrm>
+      </p:grpSpPr>
+      <p:sp>
+        <p:nvSpPr>
+          <p:cNvPr id="2" name="Title 1">
+            <a:extLst>
+              <a:ext uri="{FF2B5EF4-FFF2-40B4-BE49-F238E27FC236}">
+                <a16:creationId xmlns:a16="http://schemas.microsoft.com/office/drawing/2014/main" xmlns="" id="{CA84B1FC-437A-C0D8-613B-8F59C6F4EB16}"/>
+              </a:ext>
+            </a:extLst>
+          </p:cNvPr>
+          <p:cNvSpPr>
+            <a:spLocks noGrp="1"/>
+          </p:cNvSpPr>
+          <p:nvPr>
+            <p:ph type="title"/>
+          </p:nvPr>
+        </p:nvSpPr>
+        <p:spPr>
+          <a:xfrm>
+            <a:off x="251208" y="50246"/>
+            <a:ext cx="10439399" cy="542611"/>
+          </a:xfrm>
+        </p:spPr>
+        <p:txBody>
+          <a:bodyPr>
+            <a:normAutofit/>
+          </a:bodyPr>
+          <a:lstStyle/>
+          <a:p>
+            <a:r>
+              <a:rPr lang="en-US" sz="2800" dirty="0" smtClean="0">
+                <a:solidFill>
+                  <a:srgbClr val="FF0000"/>
+                </a:solidFill>
+              </a:rPr>
+              <a:t>Jarvis RR Engine: </a:t>
+            </a:r>
+            <a:r>
+              <a:rPr lang="en-IN" sz="2800" dirty="0" smtClean="0">
+                <a:solidFill>
+                  <a:srgbClr val="FF0000"/>
+                </a:solidFill>
+              </a:rPr>
+              <a:t>Knowledge Source Creation &amp; </a:t>
+            </a:r>
+            <a:r>
+              <a:rPr lang="en-IN" sz="2800" dirty="0" smtClean="0">
+                <a:solidFill>
+                  <a:srgbClr val="FF0000"/>
+                </a:solidFill>
+              </a:rPr>
+              <a:t>Updates</a:t>
+            </a:r>
+            <a:endParaRPr lang="en-US" sz="2800" dirty="0">
+              <a:solidFill>
+                <a:srgbClr val="FF0000"/>
+              </a:solidFill>
+            </a:endParaRPr>
+          </a:p>
+        </p:txBody>
+      </p:sp>
+      <p:sp>
+        <p:nvSpPr>
+          <p:cNvPr id="26632" name="Rectangle 8"/>
+          <p:cNvSpPr>
+            <a:spLocks noChangeArrowheads="1"/>
+          </p:cNvSpPr>
+          <p:nvPr/>
+        </p:nvSpPr>
+        <p:spPr bwMode="auto">
+          <a:xfrm>
+            <a:off x="0" y="-3941724"/>
+            <a:ext cx="261610" cy="8340648"/>
+          </a:xfrm>
+          <a:prstGeom prst="rect">
+            <a:avLst/>
+          </a:prstGeom>
+          <a:noFill/>
+          <a:ln w="9525">
+            <a:noFill/>
+            <a:miter lim="800000"/>
+            <a:headEnd/>
+            <a:tailEnd/>
+          </a:ln>
+          <a:effectLst/>
+        </p:spPr>
+        <p:txBody>
+          <a:bodyPr vert="horz" wrap="none" lIns="91440" tIns="152352" rIns="91440" bIns="152352" numCol="1" anchor="ctr" anchorCtr="0" compatLnSpc="1">
+            <a:prstTxWarp prst="textNoShape">
+              <a:avLst/>
+            </a:prstTxWarp>
+            <a:spAutoFit/>
+          </a:bodyPr>
+          <a:lstStyle/>
+          <a:p>
+            <a:pPr marL="0" marR="0" lvl="0" indent="0" algn="l" defTabSz="914400" rtl="0" eaLnBrk="0" fontAlgn="base" latinLnBrk="0" hangingPunct="0">
+              <a:lnSpc>
+                <a:spcPct val="100000"/>
+              </a:lnSpc>
+              <a:spcBef>
+                <a:spcPct val="0"/>
+              </a:spcBef>
+              <a:spcAft>
+                <a:spcPct val="0"/>
+              </a:spcAft>
+              <a:buClrTx/>
+              <a:buSzTx/>
+              <a:buFontTx/>
+              <a:buNone/>
+              <a:tabLst/>
+            </a:pPr>
+            <a:r>
+              <a:rPr kumimoji="0" lang="en-US" sz="800" b="0" i="0" u="none" strike="noStrike" cap="none" normalizeH="0" baseline="0" dirty="0" smtClean="0">
+                <a:ln>
+                  <a:noFill/>
+                </a:ln>
+                <a:solidFill>
+                  <a:schemeClr val="tx1"/>
+                </a:solidFill>
+                <a:effectLst/>
+                <a:latin typeface="Arial" pitchFamily="34" charset="0"/>
+                <a:cs typeface="Arial" pitchFamily="34" charset="0"/>
+              </a:rPr>
+              <a:t/>
+            </a:r>
+            <a:br>
+              <a:rPr kumimoji="0" lang="en-US" sz="800" b="0" i="0" u="none" strike="noStrike" cap="none" normalizeH="0" baseline="0" dirty="0" smtClean="0">
+                <a:ln>
+                  <a:noFill/>
+                </a:ln>
+                <a:solidFill>
+                  <a:schemeClr val="tx1"/>
+                </a:solidFill>
+                <a:effectLst/>
+                <a:latin typeface="Arial" pitchFamily="34" charset="0"/>
+                <a:cs typeface="Arial" pitchFamily="34" charset="0"/>
+              </a:rPr>
+            </a:br>
+            <a:endParaRPr kumimoji="0" lang="en-US" sz="1800" b="0" i="0" u="none" strike="noStrike" cap="none" normalizeH="0" baseline="0" dirty="0" smtClean="0">
+              <a:ln>
+                <a:noFill/>
+              </a:ln>
+              <a:solidFill>
+                <a:schemeClr val="tx1"/>
+              </a:solidFill>
+              <a:effectLst/>
+              <a:latin typeface="Arial" pitchFamily="34" charset="0"/>
+              <a:cs typeface="Arial" pitchFamily="34" charset="0"/>
+            </a:endParaRPr>
+          </a:p>
+          <a:p>
+            <a:pPr marL="0" marR="0" lvl="0" indent="0" algn="l" defTabSz="914400" rtl="0" eaLnBrk="0" fontAlgn="base" latinLnBrk="0" hangingPunct="0">
+              <a:lnSpc>
+                <a:spcPct val="100000"/>
+              </a:lnSpc>
+              <a:spcBef>
+                <a:spcPct val="0"/>
+              </a:spcBef>
+              <a:spcAft>
+                <a:spcPct val="0"/>
+              </a:spcAft>
+              <a:buClrTx/>
+              <a:buSzTx/>
+              <a:buFontTx/>
+              <a:buNone/>
+              <a:tabLst/>
+            </a:pPr>
+            <a:r>
+              <a:rPr kumimoji="0" lang="en-US" sz="1100" b="0" i="0" u="none" strike="noStrike" cap="none" normalizeH="0" baseline="0" dirty="0" smtClean="0">
+                <a:ln>
+                  <a:noFill/>
+                </a:ln>
+                <a:solidFill>
+                  <a:srgbClr val="000000"/>
+                </a:solidFill>
+                <a:effectLst/>
+                <a:latin typeface="Arial" pitchFamily="34" charset="0"/>
+                <a:cs typeface="Arial" pitchFamily="34" charset="0"/>
+              </a:rPr>
+              <a:t>  </a:t>
+            </a:r>
+            <a:endParaRPr kumimoji="0" lang="en-US" sz="800" b="0" i="0" u="none" strike="noStrike" cap="none" normalizeH="0" baseline="0" dirty="0" smtClean="0">
+              <a:ln>
+                <a:noFill/>
+              </a:ln>
+              <a:solidFill>
+                <a:schemeClr val="tx1"/>
+              </a:solidFill>
+              <a:effectLst/>
+              <a:latin typeface="Arial" pitchFamily="34" charset="0"/>
+              <a:cs typeface="Arial" pitchFamily="34" charset="0"/>
+            </a:endParaRPr>
+          </a:p>
+          <a:p>
+            <a:pPr marL="0" marR="0" lvl="0" indent="0" algn="l" defTabSz="914400" rtl="0" eaLnBrk="0" fontAlgn="base" latinLnBrk="0" hangingPunct="0">
+              <a:lnSpc>
+                <a:spcPct val="100000"/>
+              </a:lnSpc>
+              <a:spcBef>
+                <a:spcPct val="0"/>
+              </a:spcBef>
+              <a:spcAft>
+                <a:spcPct val="0"/>
+              </a:spcAft>
+              <a:buClrTx/>
+              <a:buSzTx/>
+              <a:buFontTx/>
+              <a:buNone/>
+              <a:tabLst/>
+            </a:pPr>
+            <a:r>
+              <a:rPr kumimoji="0" lang="en-US" sz="1100" b="0" i="0" u="none" strike="noStrike" cap="none" normalizeH="0" baseline="0" dirty="0" smtClean="0">
+                <a:ln>
+                  <a:noFill/>
+                </a:ln>
+                <a:solidFill>
+                  <a:srgbClr val="000000"/>
+                </a:solidFill>
+                <a:effectLst/>
+                <a:latin typeface="Arial" pitchFamily="34" charset="0"/>
+                <a:cs typeface="Arial" pitchFamily="34" charset="0"/>
+              </a:rPr>
+              <a:t>  </a:t>
+            </a:r>
+            <a:endParaRPr kumimoji="0" lang="en-US" sz="800" b="0" i="0" u="none" strike="noStrike" cap="none" normalizeH="0" baseline="0" dirty="0" smtClean="0">
+              <a:ln>
+                <a:noFill/>
+              </a:ln>
+              <a:solidFill>
+                <a:schemeClr val="tx1"/>
+              </a:solidFill>
+              <a:effectLst/>
+              <a:latin typeface="Arial" pitchFamily="34" charset="0"/>
+              <a:cs typeface="Arial" pitchFamily="34" charset="0"/>
+            </a:endParaRPr>
+          </a:p>
+          <a:p>
+            <a:pPr marL="0" marR="0" lvl="0" indent="0" algn="l" defTabSz="914400" rtl="0" eaLnBrk="0" fontAlgn="base" latinLnBrk="0" hangingPunct="0">
+              <a:lnSpc>
+                <a:spcPct val="100000"/>
+              </a:lnSpc>
+              <a:spcBef>
+                <a:spcPct val="0"/>
+              </a:spcBef>
+              <a:spcAft>
+                <a:spcPct val="0"/>
+              </a:spcAft>
+              <a:buClrTx/>
+              <a:buSzTx/>
+              <a:buFontTx/>
+              <a:buNone/>
+              <a:tabLst/>
+            </a:pPr>
+            <a:r>
+              <a:rPr kumimoji="0" lang="en-US" sz="23700" b="0" i="0" u="none" strike="noStrike" cap="none" normalizeH="0" baseline="0" dirty="0" smtClean="0">
+                <a:ln>
+                  <a:noFill/>
+                </a:ln>
+                <a:solidFill>
+                  <a:srgbClr val="000000"/>
+                </a:solidFill>
+                <a:effectLst/>
+                <a:latin typeface="Arial" pitchFamily="34" charset="0"/>
+                <a:cs typeface="Arial" pitchFamily="34" charset="0"/>
+              </a:rPr>
+              <a:t/>
+            </a:r>
+            <a:br>
+              <a:rPr kumimoji="0" lang="en-US" sz="23700" b="0" i="0" u="none" strike="noStrike" cap="none" normalizeH="0" baseline="0" dirty="0" smtClean="0">
+                <a:ln>
+                  <a:noFill/>
+                </a:ln>
+                <a:solidFill>
+                  <a:srgbClr val="000000"/>
+                </a:solidFill>
+                <a:effectLst/>
+                <a:latin typeface="Arial" pitchFamily="34" charset="0"/>
+                <a:cs typeface="Arial" pitchFamily="34" charset="0"/>
+              </a:rPr>
+            </a:br>
+            <a:endParaRPr kumimoji="0" lang="en-US" sz="23700" b="0" i="0" u="none" strike="noStrike" cap="none" normalizeH="0" baseline="0" dirty="0" smtClean="0">
+              <a:ln>
+                <a:noFill/>
+              </a:ln>
+              <a:solidFill>
+                <a:srgbClr val="000000"/>
+              </a:solidFill>
+              <a:effectLst/>
+              <a:latin typeface="Arial" pitchFamily="34" charset="0"/>
+              <a:cs typeface="Arial" pitchFamily="34" charset="0"/>
+            </a:endParaRPr>
+          </a:p>
+        </p:txBody>
+      </p:sp>
+      <p:sp>
+        <p:nvSpPr>
+          <p:cNvPr id="10" name="Rectangle 9"/>
+          <p:cNvSpPr/>
+          <p:nvPr/>
+        </p:nvSpPr>
+        <p:spPr>
+          <a:xfrm>
+            <a:off x="334945" y="658393"/>
+            <a:ext cx="6096000" cy="369332"/>
+          </a:xfrm>
+          <a:prstGeom prst="rect">
+            <a:avLst/>
+          </a:prstGeom>
+        </p:spPr>
+        <p:txBody>
+          <a:bodyPr wrap="square">
+            <a:spAutoFit/>
+          </a:bodyPr>
+          <a:lstStyle/>
+          <a:p>
+            <a:r>
+              <a:rPr lang="en-IN" dirty="0" smtClean="0"/>
+              <a:t>Updated </a:t>
+            </a:r>
+            <a:r>
+              <a:rPr lang="en-IN" dirty="0" smtClean="0"/>
+              <a:t>Knowledge Hub</a:t>
+            </a:r>
+            <a:r>
+              <a:rPr lang="en-IN" b="1" dirty="0" smtClean="0"/>
+              <a:t> </a:t>
+            </a:r>
+            <a:r>
+              <a:rPr lang="en-IN" dirty="0" smtClean="0"/>
+              <a:t>when </a:t>
+            </a:r>
+            <a:r>
+              <a:rPr lang="en-IN" dirty="0" smtClean="0"/>
+              <a:t>a new dataset gets </a:t>
+            </a:r>
+            <a:r>
+              <a:rPr lang="en-IN" dirty="0" smtClean="0"/>
+              <a:t>added</a:t>
+            </a:r>
+            <a:endParaRPr lang="en-IN" dirty="0"/>
+          </a:p>
+        </p:txBody>
+      </p:sp>
+      <p:pic>
+        <p:nvPicPr>
+          <p:cNvPr id="33797" name="Picture 5" descr="https://lh7-rt.googleusercontent.com/docsz/AD_4nXcuS9taEQrd-5ZAuZko_gCyPjP2-S7y-1OG1W-Lu7EIVOdgBNAjOT9w1AECs8K848PRgDj8dYSR-BwkVfUOe1948z1wpcsyk0ZfYjIvRaiJ7DYHUjXa-1iY5iQjnXS8vc6DwyEHrQ?key=JbqQOFy5MMybFsSmj5_Bpfq3"/>
+          <p:cNvPicPr>
+            <a:picLocks noChangeAspect="1" noChangeArrowheads="1"/>
+          </p:cNvPicPr>
+          <p:nvPr/>
+        </p:nvPicPr>
+        <p:blipFill>
+          <a:blip r:embed="rId2" cstate="print"/>
+          <a:srcRect/>
+          <a:stretch>
+            <a:fillRect/>
+          </a:stretch>
+        </p:blipFill>
+        <p:spPr bwMode="auto">
+          <a:xfrm>
+            <a:off x="150725" y="1534886"/>
+            <a:ext cx="5734050" cy="1905000"/>
+          </a:xfrm>
+          <a:prstGeom prst="rect">
+            <a:avLst/>
+          </a:prstGeom>
+          <a:noFill/>
+        </p:spPr>
+      </p:pic>
+      <p:pic>
+        <p:nvPicPr>
+          <p:cNvPr id="33799" name="Picture 7" descr="https://lh7-rt.googleusercontent.com/docsz/AD_4nXcaSi3RYW4KVZYU58yx1x2JPqsnqV5MNMQEW6DTOEc7LJsvR2RfphNqYpmP9dUy9OHblq3gHHt_5lpe1E0Lo3rOU-Mgz5YfEcX0v_0TeE0sukPLhR4iX5EEz49_PLJTc3bbdQZ4NA?key=JbqQOFy5MMybFsSmj5_Bpfq3"/>
+          <p:cNvPicPr>
+            <a:picLocks noChangeAspect="1" noChangeArrowheads="1"/>
+          </p:cNvPicPr>
+          <p:nvPr/>
+        </p:nvPicPr>
+        <p:blipFill>
+          <a:blip r:embed="rId3" cstate="print"/>
+          <a:srcRect/>
+          <a:stretch>
+            <a:fillRect/>
+          </a:stretch>
+        </p:blipFill>
+        <p:spPr bwMode="auto">
+          <a:xfrm>
+            <a:off x="5988364" y="1337634"/>
+            <a:ext cx="5734050" cy="3771901"/>
+          </a:xfrm>
+          <a:prstGeom prst="rect">
+            <a:avLst/>
+          </a:prstGeom>
+          <a:noFill/>
+        </p:spPr>
+      </p:pic>
+      <p:sp>
+        <p:nvSpPr>
+          <p:cNvPr id="13" name="Rectangle 12"/>
+          <p:cNvSpPr/>
+          <p:nvPr/>
+        </p:nvSpPr>
+        <p:spPr>
+          <a:xfrm>
+            <a:off x="847410" y="5687367"/>
+            <a:ext cx="9442101" cy="923330"/>
+          </a:xfrm>
+          <a:prstGeom prst="rect">
+            <a:avLst/>
+          </a:prstGeom>
+        </p:spPr>
+        <p:txBody>
+          <a:bodyPr wrap="square">
+            <a:spAutoFit/>
+          </a:bodyPr>
+          <a:lstStyle/>
+          <a:p>
+            <a:r>
+              <a:rPr lang="en-IN" dirty="0" smtClean="0"/>
+              <a:t>A new row (202) was automatically added to the vector store along with the knowledge source.</a:t>
+            </a:r>
+          </a:p>
+          <a:p>
+            <a:r>
+              <a:rPr lang="en-IN" dirty="0" smtClean="0"/>
+              <a:t/>
+            </a:r>
+            <a:br>
+              <a:rPr lang="en-IN" dirty="0" smtClean="0"/>
+            </a:br>
+            <a:endParaRPr lang="en-IN" dirty="0"/>
+          </a:p>
+        </p:txBody>
+      </p:sp>
+    </p:spTree>
+    <p:extLst>
+      <p:ext uri="{BB962C8B-B14F-4D97-AF65-F5344CB8AC3E}">
+        <p14:creationId xmlns:p14="http://schemas.microsoft.com/office/powerpoint/2010/main" xmlns="" val="3961496340"/>
+      </p:ext>
+    </p:extLst>
+  </p:cSld>
+  <p:clrMapOvr>
+    <a:masterClrMapping/>
+  </p:clrMapOvr>
+  <p:timing>
+    <p:tnLst>
+      <p:par>
+        <p:cTn id="1" dur="indefinite" restart="never" nodeType="tmRoot"/>
+      </p:par>
+    </p:tnLst>
+  </p:timing>
+</p:sld>
+</file>
+
+<file path=ppt/slides/slide13.xml><?xml version="1.0" encoding="utf-8"?>
+<p:sld xmlns:a="http://schemas.openxmlformats.org/drawingml/2006/main" xmlns:r="http://schemas.openxmlformats.org/officeDocument/2006/relationships" xmlns:p="http://schemas.openxmlformats.org/presentationml/2006/main">
+  <p:cSld>
+    <p:spTree>
+      <p:nvGrpSpPr>
+        <p:cNvPr id="1" name=""/>
+        <p:cNvGrpSpPr/>
+        <p:nvPr/>
+      </p:nvGrpSpPr>
+      <p:grpSpPr>
+        <a:xfrm>
+          <a:off x="0" y="0"/>
+          <a:ext cx="0" cy="0"/>
+          <a:chOff x="0" y="0"/>
+          <a:chExt cx="0" cy="0"/>
+        </a:xfrm>
+      </p:grpSpPr>
+      <p:sp>
+        <p:nvSpPr>
+          <p:cNvPr id="2" name="Title 1">
+            <a:extLst>
+              <a:ext uri="{FF2B5EF4-FFF2-40B4-BE49-F238E27FC236}">
+                <a16:creationId xmlns:a16="http://schemas.microsoft.com/office/drawing/2014/main" xmlns="" id="{CA84B1FC-437A-C0D8-613B-8F59C6F4EB16}"/>
+              </a:ext>
+            </a:extLst>
+          </p:cNvPr>
+          <p:cNvSpPr>
+            <a:spLocks noGrp="1"/>
+          </p:cNvSpPr>
+          <p:nvPr>
+            <p:ph type="title"/>
+          </p:nvPr>
+        </p:nvSpPr>
+        <p:spPr>
+          <a:xfrm>
+            <a:off x="251208" y="50246"/>
+            <a:ext cx="10439399" cy="542611"/>
+          </a:xfrm>
+        </p:spPr>
+        <p:txBody>
+          <a:bodyPr>
+            <a:normAutofit/>
+          </a:bodyPr>
+          <a:lstStyle/>
+          <a:p>
+            <a:r>
+              <a:rPr lang="en-US" sz="2800" dirty="0" smtClean="0">
+                <a:solidFill>
+                  <a:srgbClr val="FF0000"/>
+                </a:solidFill>
+              </a:rPr>
+              <a:t>Jarvis RR Engine: </a:t>
+            </a:r>
+            <a:r>
+              <a:rPr lang="en-IN" sz="2800" dirty="0" smtClean="0">
+                <a:solidFill>
+                  <a:srgbClr val="FF0000"/>
+                </a:solidFill>
+              </a:rPr>
+              <a:t>Knowledge Source Creation &amp; </a:t>
+            </a:r>
+            <a:r>
+              <a:rPr lang="en-IN" sz="2800" dirty="0" smtClean="0">
+                <a:solidFill>
+                  <a:srgbClr val="FF0000"/>
+                </a:solidFill>
+              </a:rPr>
+              <a:t>Updates</a:t>
+            </a:r>
+            <a:endParaRPr lang="en-US" sz="2800" dirty="0">
+              <a:solidFill>
+                <a:srgbClr val="FF0000"/>
+              </a:solidFill>
+            </a:endParaRPr>
+          </a:p>
+        </p:txBody>
+      </p:sp>
+      <p:sp>
+        <p:nvSpPr>
+          <p:cNvPr id="26632" name="Rectangle 8"/>
+          <p:cNvSpPr>
+            <a:spLocks noChangeArrowheads="1"/>
+          </p:cNvSpPr>
+          <p:nvPr/>
+        </p:nvSpPr>
+        <p:spPr bwMode="auto">
+          <a:xfrm>
+            <a:off x="0" y="-3941724"/>
+            <a:ext cx="261610" cy="8340648"/>
+          </a:xfrm>
+          <a:prstGeom prst="rect">
+            <a:avLst/>
+          </a:prstGeom>
+          <a:noFill/>
+          <a:ln w="9525">
+            <a:noFill/>
+            <a:miter lim="800000"/>
+            <a:headEnd/>
+            <a:tailEnd/>
+          </a:ln>
+          <a:effectLst/>
+        </p:spPr>
+        <p:txBody>
+          <a:bodyPr vert="horz" wrap="none" lIns="91440" tIns="152352" rIns="91440" bIns="152352" numCol="1" anchor="ctr" anchorCtr="0" compatLnSpc="1">
+            <a:prstTxWarp prst="textNoShape">
+              <a:avLst/>
+            </a:prstTxWarp>
+            <a:spAutoFit/>
+          </a:bodyPr>
+          <a:lstStyle/>
+          <a:p>
+            <a:pPr marL="0" marR="0" lvl="0" indent="0" algn="l" defTabSz="914400" rtl="0" eaLnBrk="0" fontAlgn="base" latinLnBrk="0" hangingPunct="0">
+              <a:lnSpc>
+                <a:spcPct val="100000"/>
+              </a:lnSpc>
+              <a:spcBef>
+                <a:spcPct val="0"/>
+              </a:spcBef>
+              <a:spcAft>
+                <a:spcPct val="0"/>
+              </a:spcAft>
+              <a:buClrTx/>
+              <a:buSzTx/>
+              <a:buFontTx/>
+              <a:buNone/>
+              <a:tabLst/>
+            </a:pPr>
+            <a:r>
+              <a:rPr kumimoji="0" lang="en-US" sz="800" b="0" i="0" u="none" strike="noStrike" cap="none" normalizeH="0" baseline="0" dirty="0" smtClean="0">
+                <a:ln>
+                  <a:noFill/>
+                </a:ln>
+                <a:solidFill>
+                  <a:schemeClr val="tx1"/>
+                </a:solidFill>
+                <a:effectLst/>
+                <a:latin typeface="Arial" pitchFamily="34" charset="0"/>
+                <a:cs typeface="Arial" pitchFamily="34" charset="0"/>
+              </a:rPr>
+              <a:t/>
+            </a:r>
+            <a:br>
+              <a:rPr kumimoji="0" lang="en-US" sz="800" b="0" i="0" u="none" strike="noStrike" cap="none" normalizeH="0" baseline="0" dirty="0" smtClean="0">
+                <a:ln>
+                  <a:noFill/>
+                </a:ln>
+                <a:solidFill>
+                  <a:schemeClr val="tx1"/>
+                </a:solidFill>
+                <a:effectLst/>
+                <a:latin typeface="Arial" pitchFamily="34" charset="0"/>
+                <a:cs typeface="Arial" pitchFamily="34" charset="0"/>
+              </a:rPr>
+            </a:br>
+            <a:endParaRPr kumimoji="0" lang="en-US" sz="1800" b="0" i="0" u="none" strike="noStrike" cap="none" normalizeH="0" baseline="0" dirty="0" smtClean="0">
+              <a:ln>
+                <a:noFill/>
+              </a:ln>
+              <a:solidFill>
+                <a:schemeClr val="tx1"/>
+              </a:solidFill>
+              <a:effectLst/>
+              <a:latin typeface="Arial" pitchFamily="34" charset="0"/>
+              <a:cs typeface="Arial" pitchFamily="34" charset="0"/>
+            </a:endParaRPr>
+          </a:p>
+          <a:p>
+            <a:pPr marL="0" marR="0" lvl="0" indent="0" algn="l" defTabSz="914400" rtl="0" eaLnBrk="0" fontAlgn="base" latinLnBrk="0" hangingPunct="0">
+              <a:lnSpc>
+                <a:spcPct val="100000"/>
+              </a:lnSpc>
+              <a:spcBef>
+                <a:spcPct val="0"/>
+              </a:spcBef>
+              <a:spcAft>
+                <a:spcPct val="0"/>
+              </a:spcAft>
+              <a:buClrTx/>
+              <a:buSzTx/>
+              <a:buFontTx/>
+              <a:buNone/>
+              <a:tabLst/>
+            </a:pPr>
+            <a:r>
+              <a:rPr kumimoji="0" lang="en-US" sz="1100" b="0" i="0" u="none" strike="noStrike" cap="none" normalizeH="0" baseline="0" dirty="0" smtClean="0">
+                <a:ln>
+                  <a:noFill/>
+                </a:ln>
+                <a:solidFill>
+                  <a:srgbClr val="000000"/>
+                </a:solidFill>
+                <a:effectLst/>
+                <a:latin typeface="Arial" pitchFamily="34" charset="0"/>
+                <a:cs typeface="Arial" pitchFamily="34" charset="0"/>
+              </a:rPr>
+              <a:t>  </a:t>
+            </a:r>
+            <a:endParaRPr kumimoji="0" lang="en-US" sz="800" b="0" i="0" u="none" strike="noStrike" cap="none" normalizeH="0" baseline="0" dirty="0" smtClean="0">
+              <a:ln>
+                <a:noFill/>
+              </a:ln>
+              <a:solidFill>
+                <a:schemeClr val="tx1"/>
+              </a:solidFill>
+              <a:effectLst/>
+              <a:latin typeface="Arial" pitchFamily="34" charset="0"/>
+              <a:cs typeface="Arial" pitchFamily="34" charset="0"/>
+            </a:endParaRPr>
+          </a:p>
+          <a:p>
+            <a:pPr marL="0" marR="0" lvl="0" indent="0" algn="l" defTabSz="914400" rtl="0" eaLnBrk="0" fontAlgn="base" latinLnBrk="0" hangingPunct="0">
+              <a:lnSpc>
+                <a:spcPct val="100000"/>
+              </a:lnSpc>
+              <a:spcBef>
+                <a:spcPct val="0"/>
+              </a:spcBef>
+              <a:spcAft>
+                <a:spcPct val="0"/>
+              </a:spcAft>
+              <a:buClrTx/>
+              <a:buSzTx/>
+              <a:buFontTx/>
+              <a:buNone/>
+              <a:tabLst/>
+            </a:pPr>
+            <a:r>
+              <a:rPr kumimoji="0" lang="en-US" sz="1100" b="0" i="0" u="none" strike="noStrike" cap="none" normalizeH="0" baseline="0" dirty="0" smtClean="0">
+                <a:ln>
+                  <a:noFill/>
+                </a:ln>
+                <a:solidFill>
+                  <a:srgbClr val="000000"/>
+                </a:solidFill>
+                <a:effectLst/>
+                <a:latin typeface="Arial" pitchFamily="34" charset="0"/>
+                <a:cs typeface="Arial" pitchFamily="34" charset="0"/>
+              </a:rPr>
+              <a:t>  </a:t>
+            </a:r>
+            <a:endParaRPr kumimoji="0" lang="en-US" sz="800" b="0" i="0" u="none" strike="noStrike" cap="none" normalizeH="0" baseline="0" dirty="0" smtClean="0">
+              <a:ln>
+                <a:noFill/>
+              </a:ln>
+              <a:solidFill>
+                <a:schemeClr val="tx1"/>
+              </a:solidFill>
+              <a:effectLst/>
+              <a:latin typeface="Arial" pitchFamily="34" charset="0"/>
+              <a:cs typeface="Arial" pitchFamily="34" charset="0"/>
+            </a:endParaRPr>
+          </a:p>
+          <a:p>
+            <a:pPr marL="0" marR="0" lvl="0" indent="0" algn="l" defTabSz="914400" rtl="0" eaLnBrk="0" fontAlgn="base" latinLnBrk="0" hangingPunct="0">
+              <a:lnSpc>
+                <a:spcPct val="100000"/>
+              </a:lnSpc>
+              <a:spcBef>
+                <a:spcPct val="0"/>
+              </a:spcBef>
+              <a:spcAft>
+                <a:spcPct val="0"/>
+              </a:spcAft>
+              <a:buClrTx/>
+              <a:buSzTx/>
+              <a:buFontTx/>
+              <a:buNone/>
+              <a:tabLst/>
+            </a:pPr>
+            <a:r>
+              <a:rPr kumimoji="0" lang="en-US" sz="23700" b="0" i="0" u="none" strike="noStrike" cap="none" normalizeH="0" baseline="0" dirty="0" smtClean="0">
+                <a:ln>
+                  <a:noFill/>
+                </a:ln>
+                <a:solidFill>
+                  <a:srgbClr val="000000"/>
+                </a:solidFill>
+                <a:effectLst/>
+                <a:latin typeface="Arial" pitchFamily="34" charset="0"/>
+                <a:cs typeface="Arial" pitchFamily="34" charset="0"/>
+              </a:rPr>
+              <a:t/>
+            </a:r>
+            <a:br>
+              <a:rPr kumimoji="0" lang="en-US" sz="23700" b="0" i="0" u="none" strike="noStrike" cap="none" normalizeH="0" baseline="0" dirty="0" smtClean="0">
+                <a:ln>
+                  <a:noFill/>
+                </a:ln>
+                <a:solidFill>
+                  <a:srgbClr val="000000"/>
+                </a:solidFill>
+                <a:effectLst/>
+                <a:latin typeface="Arial" pitchFamily="34" charset="0"/>
+                <a:cs typeface="Arial" pitchFamily="34" charset="0"/>
+              </a:rPr>
+            </a:br>
+            <a:endParaRPr kumimoji="0" lang="en-US" sz="23700" b="0" i="0" u="none" strike="noStrike" cap="none" normalizeH="0" baseline="0" dirty="0" smtClean="0">
+              <a:ln>
+                <a:noFill/>
+              </a:ln>
+              <a:solidFill>
+                <a:srgbClr val="000000"/>
+              </a:solidFill>
+              <a:effectLst/>
+              <a:latin typeface="Arial" pitchFamily="34" charset="0"/>
+              <a:cs typeface="Arial" pitchFamily="34" charset="0"/>
+            </a:endParaRPr>
+          </a:p>
+        </p:txBody>
+      </p:sp>
+      <p:sp>
+        <p:nvSpPr>
+          <p:cNvPr id="34819" name="Rectangle 3"/>
+          <p:cNvSpPr>
+            <a:spLocks noChangeArrowheads="1"/>
+          </p:cNvSpPr>
+          <p:nvPr/>
+        </p:nvSpPr>
+        <p:spPr bwMode="auto">
+          <a:xfrm>
+            <a:off x="622998" y="859939"/>
+            <a:ext cx="2371411" cy="615456"/>
+          </a:xfrm>
+          <a:prstGeom prst="rect">
+            <a:avLst/>
+          </a:prstGeom>
+          <a:noFill/>
+          <a:ln w="9525">
+            <a:noFill/>
+            <a:miter lim="800000"/>
+            <a:headEnd/>
+            <a:tailEnd/>
+          </a:ln>
+          <a:effectLst/>
+        </p:spPr>
+        <p:txBody>
+          <a:bodyPr vert="horz" wrap="square" lIns="91440" tIns="152352" rIns="91440" bIns="152352" numCol="1" anchor="ctr" anchorCtr="0" compatLnSpc="1">
+            <a:prstTxWarp prst="textNoShape">
+              <a:avLst/>
+            </a:prstTxWarp>
+            <a:spAutoFit/>
+          </a:bodyPr>
+          <a:lstStyle/>
+          <a:p>
+            <a:pPr marL="0" marR="0" lvl="0" indent="0" algn="l" defTabSz="914400" rtl="0" eaLnBrk="0" fontAlgn="base" latinLnBrk="0" hangingPunct="0">
+              <a:lnSpc>
+                <a:spcPct val="100000"/>
+              </a:lnSpc>
+              <a:spcBef>
+                <a:spcPct val="0"/>
+              </a:spcBef>
+              <a:spcAft>
+                <a:spcPct val="0"/>
+              </a:spcAft>
+              <a:buClrTx/>
+              <a:buSzTx/>
+              <a:buFontTx/>
+              <a:buNone/>
+              <a:tabLst/>
+            </a:pPr>
+            <a:r>
+              <a:rPr lang="en-US" sz="2000" b="1" dirty="0" smtClean="0">
+                <a:latin typeface="+mj-lt"/>
+                <a:ea typeface="+mj-ea"/>
+                <a:cs typeface="+mj-cs"/>
+              </a:rPr>
+              <a:t>Invoked Flow  </a:t>
+            </a:r>
+          </a:p>
+        </p:txBody>
+      </p:sp>
+      <p:pic>
+        <p:nvPicPr>
+          <p:cNvPr id="34820" name="Picture 4" descr="https://lh7-rt.googleusercontent.com/docsz/AD_4nXc_FBzk5dRvwMkihdHo6jDAiw6QOOBriyq0XA2rKHEsu0MhcDh6OYKzpyXGjCQkN3N7AbOzNZFtvw04lMqvVQfPaIfoKQYm2iWWByzgH5XJLVOMnN4j6rL0U2JV2LB5u0ZyuLK9?key=JbqQOFy5MMybFsSmj5_Bpfq3"/>
+          <p:cNvPicPr>
+            <a:picLocks noChangeAspect="1" noChangeArrowheads="1"/>
+          </p:cNvPicPr>
+          <p:nvPr/>
+        </p:nvPicPr>
+        <p:blipFill>
+          <a:blip r:embed="rId2" cstate="print"/>
+          <a:srcRect/>
+          <a:stretch>
+            <a:fillRect/>
+          </a:stretch>
+        </p:blipFill>
+        <p:spPr bwMode="auto">
+          <a:xfrm>
+            <a:off x="481866" y="1642904"/>
+            <a:ext cx="11534317" cy="3391319"/>
+          </a:xfrm>
+          <a:prstGeom prst="rect">
+            <a:avLst/>
+          </a:prstGeom>
+          <a:noFill/>
+        </p:spPr>
+      </p:pic>
+    </p:spTree>
+    <p:extLst>
+      <p:ext uri="{BB962C8B-B14F-4D97-AF65-F5344CB8AC3E}">
+        <p14:creationId xmlns:p14="http://schemas.microsoft.com/office/powerpoint/2010/main" xmlns="" val="3961496340"/>
+      </p:ext>
+    </p:extLst>
+  </p:cSld>
+  <p:clrMapOvr>
+    <a:masterClrMapping/>
+  </p:clrMapOvr>
+  <p:timing>
+    <p:tnLst>
+      <p:par>
+        <p:cTn id="1" dur="indefinite" restart="never" nodeType="tmRoot"/>
+      </p:par>
+    </p:tnLst>
+  </p:timing>
+</p:sld>
+</file>
+
+<file path=ppt/slides/slide14.xml><?xml version="1.0" encoding="utf-8"?>
+<p:sld xmlns:a="http://schemas.openxmlformats.org/drawingml/2006/main" xmlns:r="http://schemas.openxmlformats.org/officeDocument/2006/relationships" xmlns:p="http://schemas.openxmlformats.org/presentationml/2006/main">
+  <p:cSld>
+    <p:spTree>
+      <p:nvGrpSpPr>
+        <p:cNvPr id="1" name=""/>
+        <p:cNvGrpSpPr/>
+        <p:nvPr/>
+      </p:nvGrpSpPr>
+      <p:grpSpPr>
+        <a:xfrm>
+          <a:off x="0" y="0"/>
+          <a:ext cx="0" cy="0"/>
+          <a:chOff x="0" y="0"/>
+          <a:chExt cx="0" cy="0"/>
+        </a:xfrm>
+      </p:grpSpPr>
+      <p:sp>
+        <p:nvSpPr>
+          <p:cNvPr id="2" name="Title 1">
+            <a:extLst>
+              <a:ext uri="{FF2B5EF4-FFF2-40B4-BE49-F238E27FC236}">
+                <a16:creationId xmlns:a16="http://schemas.microsoft.com/office/drawing/2014/main" xmlns="" id="{CA84B1FC-437A-C0D8-613B-8F59C6F4EB16}"/>
+              </a:ext>
+            </a:extLst>
+          </p:cNvPr>
+          <p:cNvSpPr>
+            <a:spLocks noGrp="1"/>
+          </p:cNvSpPr>
+          <p:nvPr>
+            <p:ph type="title"/>
+          </p:nvPr>
+        </p:nvSpPr>
+        <p:spPr>
+          <a:xfrm>
+            <a:off x="251208" y="50246"/>
+            <a:ext cx="10439399" cy="542611"/>
+          </a:xfrm>
+        </p:spPr>
+        <p:txBody>
+          <a:bodyPr>
+            <a:normAutofit/>
+          </a:bodyPr>
+          <a:lstStyle/>
+          <a:p>
+            <a:r>
+              <a:rPr lang="en-US" sz="2800" dirty="0" smtClean="0">
+                <a:solidFill>
+                  <a:srgbClr val="FF0000"/>
+                </a:solidFill>
+              </a:rPr>
+              <a:t>Jarvis RR Engine: </a:t>
+            </a:r>
+            <a:r>
+              <a:rPr lang="en-IN" sz="2800" dirty="0" smtClean="0">
+                <a:solidFill>
+                  <a:srgbClr val="FF0000"/>
+                </a:solidFill>
+              </a:rPr>
+              <a:t>Knowledge Source Creation &amp; </a:t>
+            </a:r>
+            <a:r>
+              <a:rPr lang="en-IN" sz="2800" dirty="0" smtClean="0">
+                <a:solidFill>
+                  <a:srgbClr val="FF0000"/>
+                </a:solidFill>
+              </a:rPr>
+              <a:t>Updates</a:t>
+            </a:r>
+            <a:endParaRPr lang="en-US" sz="2800" dirty="0">
+              <a:solidFill>
+                <a:srgbClr val="FF0000"/>
+              </a:solidFill>
+            </a:endParaRPr>
+          </a:p>
+        </p:txBody>
+      </p:sp>
+      <p:sp>
+        <p:nvSpPr>
+          <p:cNvPr id="26632" name="Rectangle 8"/>
+          <p:cNvSpPr>
+            <a:spLocks noChangeArrowheads="1"/>
+          </p:cNvSpPr>
+          <p:nvPr/>
+        </p:nvSpPr>
+        <p:spPr bwMode="auto">
+          <a:xfrm>
+            <a:off x="0" y="-3941724"/>
+            <a:ext cx="261610" cy="8340648"/>
+          </a:xfrm>
+          <a:prstGeom prst="rect">
+            <a:avLst/>
+          </a:prstGeom>
+          <a:noFill/>
+          <a:ln w="9525">
+            <a:noFill/>
+            <a:miter lim="800000"/>
+            <a:headEnd/>
+            <a:tailEnd/>
+          </a:ln>
+          <a:effectLst/>
+        </p:spPr>
+        <p:txBody>
+          <a:bodyPr vert="horz" wrap="none" lIns="91440" tIns="152352" rIns="91440" bIns="152352" numCol="1" anchor="ctr" anchorCtr="0" compatLnSpc="1">
+            <a:prstTxWarp prst="textNoShape">
+              <a:avLst/>
+            </a:prstTxWarp>
+            <a:spAutoFit/>
+          </a:bodyPr>
+          <a:lstStyle/>
+          <a:p>
+            <a:pPr marL="0" marR="0" lvl="0" indent="0" algn="l" defTabSz="914400" rtl="0" eaLnBrk="0" fontAlgn="base" latinLnBrk="0" hangingPunct="0">
+              <a:lnSpc>
+                <a:spcPct val="100000"/>
+              </a:lnSpc>
+              <a:spcBef>
+                <a:spcPct val="0"/>
+              </a:spcBef>
+              <a:spcAft>
+                <a:spcPct val="0"/>
+              </a:spcAft>
+              <a:buClrTx/>
+              <a:buSzTx/>
+              <a:buFontTx/>
+              <a:buNone/>
+              <a:tabLst/>
+            </a:pPr>
+            <a:r>
+              <a:rPr kumimoji="0" lang="en-US" sz="800" b="0" i="0" u="none" strike="noStrike" cap="none" normalizeH="0" baseline="0" dirty="0" smtClean="0">
+                <a:ln>
+                  <a:noFill/>
+                </a:ln>
+                <a:solidFill>
+                  <a:schemeClr val="tx1"/>
+                </a:solidFill>
+                <a:effectLst/>
+                <a:latin typeface="Arial" pitchFamily="34" charset="0"/>
+                <a:cs typeface="Arial" pitchFamily="34" charset="0"/>
+              </a:rPr>
+              <a:t/>
+            </a:r>
+            <a:br>
+              <a:rPr kumimoji="0" lang="en-US" sz="800" b="0" i="0" u="none" strike="noStrike" cap="none" normalizeH="0" baseline="0" dirty="0" smtClean="0">
+                <a:ln>
+                  <a:noFill/>
+                </a:ln>
+                <a:solidFill>
+                  <a:schemeClr val="tx1"/>
+                </a:solidFill>
+                <a:effectLst/>
+                <a:latin typeface="Arial" pitchFamily="34" charset="0"/>
+                <a:cs typeface="Arial" pitchFamily="34" charset="0"/>
+              </a:rPr>
+            </a:br>
+            <a:endParaRPr kumimoji="0" lang="en-US" sz="1800" b="0" i="0" u="none" strike="noStrike" cap="none" normalizeH="0" baseline="0" dirty="0" smtClean="0">
+              <a:ln>
+                <a:noFill/>
+              </a:ln>
+              <a:solidFill>
+                <a:schemeClr val="tx1"/>
+              </a:solidFill>
+              <a:effectLst/>
+              <a:latin typeface="Arial" pitchFamily="34" charset="0"/>
+              <a:cs typeface="Arial" pitchFamily="34" charset="0"/>
+            </a:endParaRPr>
+          </a:p>
+          <a:p>
+            <a:pPr marL="0" marR="0" lvl="0" indent="0" algn="l" defTabSz="914400" rtl="0" eaLnBrk="0" fontAlgn="base" latinLnBrk="0" hangingPunct="0">
+              <a:lnSpc>
+                <a:spcPct val="100000"/>
+              </a:lnSpc>
+              <a:spcBef>
+                <a:spcPct val="0"/>
+              </a:spcBef>
+              <a:spcAft>
+                <a:spcPct val="0"/>
+              </a:spcAft>
+              <a:buClrTx/>
+              <a:buSzTx/>
+              <a:buFontTx/>
+              <a:buNone/>
+              <a:tabLst/>
+            </a:pPr>
+            <a:r>
+              <a:rPr kumimoji="0" lang="en-US" sz="1100" b="0" i="0" u="none" strike="noStrike" cap="none" normalizeH="0" baseline="0" dirty="0" smtClean="0">
+                <a:ln>
+                  <a:noFill/>
+                </a:ln>
+                <a:solidFill>
+                  <a:srgbClr val="000000"/>
+                </a:solidFill>
+                <a:effectLst/>
+                <a:latin typeface="Arial" pitchFamily="34" charset="0"/>
+                <a:cs typeface="Arial" pitchFamily="34" charset="0"/>
+              </a:rPr>
+              <a:t>  </a:t>
+            </a:r>
+            <a:endParaRPr kumimoji="0" lang="en-US" sz="800" b="0" i="0" u="none" strike="noStrike" cap="none" normalizeH="0" baseline="0" dirty="0" smtClean="0">
+              <a:ln>
+                <a:noFill/>
+              </a:ln>
+              <a:solidFill>
+                <a:schemeClr val="tx1"/>
+              </a:solidFill>
+              <a:effectLst/>
+              <a:latin typeface="Arial" pitchFamily="34" charset="0"/>
+              <a:cs typeface="Arial" pitchFamily="34" charset="0"/>
+            </a:endParaRPr>
+          </a:p>
+          <a:p>
+            <a:pPr marL="0" marR="0" lvl="0" indent="0" algn="l" defTabSz="914400" rtl="0" eaLnBrk="0" fontAlgn="base" latinLnBrk="0" hangingPunct="0">
+              <a:lnSpc>
+                <a:spcPct val="100000"/>
+              </a:lnSpc>
+              <a:spcBef>
+                <a:spcPct val="0"/>
+              </a:spcBef>
+              <a:spcAft>
+                <a:spcPct val="0"/>
+              </a:spcAft>
+              <a:buClrTx/>
+              <a:buSzTx/>
+              <a:buFontTx/>
+              <a:buNone/>
+              <a:tabLst/>
+            </a:pPr>
+            <a:r>
+              <a:rPr kumimoji="0" lang="en-US" sz="1100" b="0" i="0" u="none" strike="noStrike" cap="none" normalizeH="0" baseline="0" dirty="0" smtClean="0">
+                <a:ln>
+                  <a:noFill/>
+                </a:ln>
+                <a:solidFill>
+                  <a:srgbClr val="000000"/>
+                </a:solidFill>
+                <a:effectLst/>
+                <a:latin typeface="Arial" pitchFamily="34" charset="0"/>
+                <a:cs typeface="Arial" pitchFamily="34" charset="0"/>
+              </a:rPr>
+              <a:t>  </a:t>
+            </a:r>
+            <a:endParaRPr kumimoji="0" lang="en-US" sz="800" b="0" i="0" u="none" strike="noStrike" cap="none" normalizeH="0" baseline="0" dirty="0" smtClean="0">
+              <a:ln>
+                <a:noFill/>
+              </a:ln>
+              <a:solidFill>
+                <a:schemeClr val="tx1"/>
+              </a:solidFill>
+              <a:effectLst/>
+              <a:latin typeface="Arial" pitchFamily="34" charset="0"/>
+              <a:cs typeface="Arial" pitchFamily="34" charset="0"/>
+            </a:endParaRPr>
+          </a:p>
+          <a:p>
+            <a:pPr marL="0" marR="0" lvl="0" indent="0" algn="l" defTabSz="914400" rtl="0" eaLnBrk="0" fontAlgn="base" latinLnBrk="0" hangingPunct="0">
+              <a:lnSpc>
+                <a:spcPct val="100000"/>
+              </a:lnSpc>
+              <a:spcBef>
+                <a:spcPct val="0"/>
+              </a:spcBef>
+              <a:spcAft>
+                <a:spcPct val="0"/>
+              </a:spcAft>
+              <a:buClrTx/>
+              <a:buSzTx/>
+              <a:buFontTx/>
+              <a:buNone/>
+              <a:tabLst/>
+            </a:pPr>
+            <a:r>
+              <a:rPr kumimoji="0" lang="en-US" sz="23700" b="0" i="0" u="none" strike="noStrike" cap="none" normalizeH="0" baseline="0" dirty="0" smtClean="0">
+                <a:ln>
+                  <a:noFill/>
+                </a:ln>
+                <a:solidFill>
+                  <a:srgbClr val="000000"/>
+                </a:solidFill>
+                <a:effectLst/>
+                <a:latin typeface="Arial" pitchFamily="34" charset="0"/>
+                <a:cs typeface="Arial" pitchFamily="34" charset="0"/>
+              </a:rPr>
+              <a:t/>
+            </a:r>
+            <a:br>
+              <a:rPr kumimoji="0" lang="en-US" sz="23700" b="0" i="0" u="none" strike="noStrike" cap="none" normalizeH="0" baseline="0" dirty="0" smtClean="0">
+                <a:ln>
+                  <a:noFill/>
+                </a:ln>
+                <a:solidFill>
+                  <a:srgbClr val="000000"/>
+                </a:solidFill>
+                <a:effectLst/>
+                <a:latin typeface="Arial" pitchFamily="34" charset="0"/>
+                <a:cs typeface="Arial" pitchFamily="34" charset="0"/>
+              </a:rPr>
+            </a:br>
+            <a:endParaRPr kumimoji="0" lang="en-US" sz="23700" b="0" i="0" u="none" strike="noStrike" cap="none" normalizeH="0" baseline="0" dirty="0" smtClean="0">
+              <a:ln>
+                <a:noFill/>
+              </a:ln>
+              <a:solidFill>
+                <a:srgbClr val="000000"/>
+              </a:solidFill>
+              <a:effectLst/>
+              <a:latin typeface="Arial" pitchFamily="34" charset="0"/>
+              <a:cs typeface="Arial" pitchFamily="34" charset="0"/>
+            </a:endParaRPr>
+          </a:p>
+        </p:txBody>
+      </p:sp>
+      <p:sp>
+        <p:nvSpPr>
+          <p:cNvPr id="34819" name="Rectangle 3"/>
+          <p:cNvSpPr>
+            <a:spLocks noChangeArrowheads="1"/>
+          </p:cNvSpPr>
+          <p:nvPr/>
+        </p:nvSpPr>
+        <p:spPr bwMode="auto">
+          <a:xfrm>
+            <a:off x="622998" y="859939"/>
+            <a:ext cx="2371411" cy="615456"/>
+          </a:xfrm>
+          <a:prstGeom prst="rect">
+            <a:avLst/>
+          </a:prstGeom>
+          <a:noFill/>
+          <a:ln w="9525">
+            <a:noFill/>
+            <a:miter lim="800000"/>
+            <a:headEnd/>
+            <a:tailEnd/>
+          </a:ln>
+          <a:effectLst/>
+        </p:spPr>
+        <p:txBody>
+          <a:bodyPr vert="horz" wrap="square" lIns="91440" tIns="152352" rIns="91440" bIns="152352" numCol="1" anchor="ctr" anchorCtr="0" compatLnSpc="1">
+            <a:prstTxWarp prst="textNoShape">
+              <a:avLst/>
+            </a:prstTxWarp>
+            <a:spAutoFit/>
+          </a:bodyPr>
+          <a:lstStyle/>
+          <a:p>
+            <a:pPr marL="0" marR="0" lvl="0" indent="0" algn="l" defTabSz="914400" rtl="0" eaLnBrk="0" fontAlgn="base" latinLnBrk="0" hangingPunct="0">
+              <a:lnSpc>
+                <a:spcPct val="100000"/>
+              </a:lnSpc>
+              <a:spcBef>
+                <a:spcPct val="0"/>
+              </a:spcBef>
+              <a:spcAft>
+                <a:spcPct val="0"/>
+              </a:spcAft>
+              <a:buClrTx/>
+              <a:buSzTx/>
+              <a:buFontTx/>
+              <a:buNone/>
+              <a:tabLst/>
+            </a:pPr>
+            <a:r>
+              <a:rPr lang="en-US" sz="2000" b="1" dirty="0" smtClean="0">
+                <a:latin typeface="+mj-lt"/>
+                <a:ea typeface="+mj-ea"/>
+                <a:cs typeface="+mj-cs"/>
+              </a:rPr>
+              <a:t>Invoked Flow  </a:t>
+            </a:r>
+          </a:p>
+        </p:txBody>
+      </p:sp>
+      <p:pic>
+        <p:nvPicPr>
+          <p:cNvPr id="34820" name="Picture 4" descr="https://lh7-rt.googleusercontent.com/docsz/AD_4nXc_FBzk5dRvwMkihdHo6jDAiw6QOOBriyq0XA2rKHEsu0MhcDh6OYKzpyXGjCQkN3N7AbOzNZFtvw04lMqvVQfPaIfoKQYm2iWWByzgH5XJLVOMnN4j6rL0U2JV2LB5u0ZyuLK9?key=JbqQOFy5MMybFsSmj5_Bpfq3"/>
+          <p:cNvPicPr>
+            <a:picLocks noChangeAspect="1" noChangeArrowheads="1"/>
+          </p:cNvPicPr>
+          <p:nvPr/>
+        </p:nvPicPr>
+        <p:blipFill>
+          <a:blip r:embed="rId2" cstate="print"/>
+          <a:srcRect/>
+          <a:stretch>
+            <a:fillRect/>
+          </a:stretch>
+        </p:blipFill>
+        <p:spPr bwMode="auto">
+          <a:xfrm>
+            <a:off x="481866" y="1642904"/>
+            <a:ext cx="11534317" cy="3391319"/>
+          </a:xfrm>
+          <a:prstGeom prst="rect">
+            <a:avLst/>
+          </a:prstGeom>
+          <a:noFill/>
+        </p:spPr>
+      </p:pic>
+    </p:spTree>
+    <p:extLst>
+      <p:ext uri="{BB962C8B-B14F-4D97-AF65-F5344CB8AC3E}">
+        <p14:creationId xmlns:p14="http://schemas.microsoft.com/office/powerpoint/2010/main" xmlns="" val="3961496340"/>
+      </p:ext>
+    </p:extLst>
+  </p:cSld>
+  <p:clrMapOvr>
+    <a:masterClrMapping/>
+  </p:clrMapOvr>
+  <p:timing>
+    <p:tnLst>
+      <p:par>
+        <p:cTn id="1" dur="indefinite" restart="never" nodeType="tmRoot"/>
+      </p:par>
+    </p:tnLst>
+  </p:timing>
+</p:sld>
+</file>
+
+<file path=ppt/slides/slide15.xml><?xml version="1.0" encoding="utf-8"?>
+<p:sld xmlns:a="http://schemas.openxmlformats.org/drawingml/2006/main" xmlns:r="http://schemas.openxmlformats.org/officeDocument/2006/relationships" xmlns:p="http://schemas.openxmlformats.org/presentationml/2006/main">
+  <p:cSld>
+    <p:spTree>
+      <p:nvGrpSpPr>
+        <p:cNvPr id="1" name=""/>
+        <p:cNvGrpSpPr/>
+        <p:nvPr/>
+      </p:nvGrpSpPr>
+      <p:grpSpPr>
+        <a:xfrm>
+          <a:off x="0" y="0"/>
+          <a:ext cx="0" cy="0"/>
+          <a:chOff x="0" y="0"/>
+          <a:chExt cx="0" cy="0"/>
+        </a:xfrm>
+      </p:grpSpPr>
+      <p:sp>
+        <p:nvSpPr>
+          <p:cNvPr id="2" name="Title 1">
+            <a:extLst>
+              <a:ext uri="{FF2B5EF4-FFF2-40B4-BE49-F238E27FC236}">
+                <a16:creationId xmlns:a16="http://schemas.microsoft.com/office/drawing/2014/main" xmlns="" id="{CA84B1FC-437A-C0D8-613B-8F59C6F4EB16}"/>
+              </a:ext>
+            </a:extLst>
+          </p:cNvPr>
+          <p:cNvSpPr>
+            <a:spLocks noGrp="1"/>
+          </p:cNvSpPr>
+          <p:nvPr>
+            <p:ph type="title"/>
+          </p:nvPr>
+        </p:nvSpPr>
+        <p:spPr>
+          <a:xfrm>
+            <a:off x="251208" y="50246"/>
+            <a:ext cx="10439399" cy="542611"/>
+          </a:xfrm>
+        </p:spPr>
+        <p:txBody>
+          <a:bodyPr>
+            <a:normAutofit/>
+          </a:bodyPr>
+          <a:lstStyle/>
+          <a:p>
+            <a:r>
+              <a:rPr lang="en-US" sz="2800" dirty="0" smtClean="0">
+                <a:solidFill>
+                  <a:srgbClr val="FF0000"/>
+                </a:solidFill>
+              </a:rPr>
+              <a:t>Jarvis RR Engine: </a:t>
+            </a:r>
+            <a:r>
+              <a:rPr lang="en-IN" sz="2800" dirty="0" smtClean="0">
+                <a:solidFill>
+                  <a:srgbClr val="FF0000"/>
+                </a:solidFill>
+              </a:rPr>
+              <a:t>Real time </a:t>
+            </a:r>
+            <a:r>
+              <a:rPr lang="en-IN" sz="2800" dirty="0" smtClean="0">
+                <a:solidFill>
+                  <a:srgbClr val="FF0000"/>
+                </a:solidFill>
+              </a:rPr>
+              <a:t>Knowledge Source Updates</a:t>
+            </a:r>
+            <a:endParaRPr lang="en-IN" sz="2800" b="1" dirty="0">
+              <a:solidFill>
+                <a:srgbClr val="FF0000"/>
+              </a:solidFill>
+            </a:endParaRPr>
+          </a:p>
+        </p:txBody>
+      </p:sp>
+      <p:sp>
+        <p:nvSpPr>
+          <p:cNvPr id="26632" name="Rectangle 8"/>
+          <p:cNvSpPr>
+            <a:spLocks noChangeArrowheads="1"/>
+          </p:cNvSpPr>
+          <p:nvPr/>
+        </p:nvSpPr>
+        <p:spPr bwMode="auto">
+          <a:xfrm>
+            <a:off x="0" y="-3941724"/>
+            <a:ext cx="261610" cy="8340648"/>
+          </a:xfrm>
+          <a:prstGeom prst="rect">
+            <a:avLst/>
+          </a:prstGeom>
+          <a:noFill/>
+          <a:ln w="9525">
+            <a:noFill/>
+            <a:miter lim="800000"/>
+            <a:headEnd/>
+            <a:tailEnd/>
+          </a:ln>
+          <a:effectLst/>
+        </p:spPr>
+        <p:txBody>
+          <a:bodyPr vert="horz" wrap="none" lIns="91440" tIns="152352" rIns="91440" bIns="152352" numCol="1" anchor="ctr" anchorCtr="0" compatLnSpc="1">
+            <a:prstTxWarp prst="textNoShape">
+              <a:avLst/>
+            </a:prstTxWarp>
+            <a:spAutoFit/>
+          </a:bodyPr>
+          <a:lstStyle/>
+          <a:p>
+            <a:pPr marL="0" marR="0" lvl="0" indent="0" algn="l" defTabSz="914400" rtl="0" eaLnBrk="0" fontAlgn="base" latinLnBrk="0" hangingPunct="0">
+              <a:lnSpc>
+                <a:spcPct val="100000"/>
+              </a:lnSpc>
+              <a:spcBef>
+                <a:spcPct val="0"/>
+              </a:spcBef>
+              <a:spcAft>
+                <a:spcPct val="0"/>
+              </a:spcAft>
+              <a:buClrTx/>
+              <a:buSzTx/>
+              <a:buFontTx/>
+              <a:buNone/>
+              <a:tabLst/>
+            </a:pPr>
+            <a:r>
+              <a:rPr kumimoji="0" lang="en-US" sz="800" b="0" i="0" u="none" strike="noStrike" cap="none" normalizeH="0" baseline="0" dirty="0" smtClean="0">
+                <a:ln>
+                  <a:noFill/>
+                </a:ln>
+                <a:solidFill>
+                  <a:schemeClr val="tx1"/>
+                </a:solidFill>
+                <a:effectLst/>
+                <a:latin typeface="Arial" pitchFamily="34" charset="0"/>
+                <a:cs typeface="Arial" pitchFamily="34" charset="0"/>
+              </a:rPr>
+              <a:t/>
+            </a:r>
+            <a:br>
+              <a:rPr kumimoji="0" lang="en-US" sz="800" b="0" i="0" u="none" strike="noStrike" cap="none" normalizeH="0" baseline="0" dirty="0" smtClean="0">
+                <a:ln>
+                  <a:noFill/>
+                </a:ln>
+                <a:solidFill>
+                  <a:schemeClr val="tx1"/>
+                </a:solidFill>
+                <a:effectLst/>
+                <a:latin typeface="Arial" pitchFamily="34" charset="0"/>
+                <a:cs typeface="Arial" pitchFamily="34" charset="0"/>
+              </a:rPr>
+            </a:br>
+            <a:endParaRPr kumimoji="0" lang="en-US" sz="1800" b="0" i="0" u="none" strike="noStrike" cap="none" normalizeH="0" baseline="0" dirty="0" smtClean="0">
+              <a:ln>
+                <a:noFill/>
+              </a:ln>
+              <a:solidFill>
+                <a:schemeClr val="tx1"/>
+              </a:solidFill>
+              <a:effectLst/>
+              <a:latin typeface="Arial" pitchFamily="34" charset="0"/>
+              <a:cs typeface="Arial" pitchFamily="34" charset="0"/>
+            </a:endParaRPr>
+          </a:p>
+          <a:p>
+            <a:pPr marL="0" marR="0" lvl="0" indent="0" algn="l" defTabSz="914400" rtl="0" eaLnBrk="0" fontAlgn="base" latinLnBrk="0" hangingPunct="0">
+              <a:lnSpc>
+                <a:spcPct val="100000"/>
+              </a:lnSpc>
+              <a:spcBef>
+                <a:spcPct val="0"/>
+              </a:spcBef>
+              <a:spcAft>
+                <a:spcPct val="0"/>
+              </a:spcAft>
+              <a:buClrTx/>
+              <a:buSzTx/>
+              <a:buFontTx/>
+              <a:buNone/>
+              <a:tabLst/>
+            </a:pPr>
+            <a:r>
+              <a:rPr kumimoji="0" lang="en-US" sz="1100" b="0" i="0" u="none" strike="noStrike" cap="none" normalizeH="0" baseline="0" dirty="0" smtClean="0">
+                <a:ln>
+                  <a:noFill/>
+                </a:ln>
+                <a:solidFill>
+                  <a:srgbClr val="000000"/>
+                </a:solidFill>
+                <a:effectLst/>
+                <a:latin typeface="Arial" pitchFamily="34" charset="0"/>
+                <a:cs typeface="Arial" pitchFamily="34" charset="0"/>
+              </a:rPr>
+              <a:t>  </a:t>
+            </a:r>
+            <a:endParaRPr kumimoji="0" lang="en-US" sz="800" b="0" i="0" u="none" strike="noStrike" cap="none" normalizeH="0" baseline="0" dirty="0" smtClean="0">
+              <a:ln>
+                <a:noFill/>
+              </a:ln>
+              <a:solidFill>
+                <a:schemeClr val="tx1"/>
+              </a:solidFill>
+              <a:effectLst/>
+              <a:latin typeface="Arial" pitchFamily="34" charset="0"/>
+              <a:cs typeface="Arial" pitchFamily="34" charset="0"/>
+            </a:endParaRPr>
+          </a:p>
+          <a:p>
+            <a:pPr marL="0" marR="0" lvl="0" indent="0" algn="l" defTabSz="914400" rtl="0" eaLnBrk="0" fontAlgn="base" latinLnBrk="0" hangingPunct="0">
+              <a:lnSpc>
+                <a:spcPct val="100000"/>
+              </a:lnSpc>
+              <a:spcBef>
+                <a:spcPct val="0"/>
+              </a:spcBef>
+              <a:spcAft>
+                <a:spcPct val="0"/>
+              </a:spcAft>
+              <a:buClrTx/>
+              <a:buSzTx/>
+              <a:buFontTx/>
+              <a:buNone/>
+              <a:tabLst/>
+            </a:pPr>
+            <a:r>
+              <a:rPr kumimoji="0" lang="en-US" sz="1100" b="0" i="0" u="none" strike="noStrike" cap="none" normalizeH="0" baseline="0" dirty="0" smtClean="0">
+                <a:ln>
+                  <a:noFill/>
+                </a:ln>
+                <a:solidFill>
+                  <a:srgbClr val="000000"/>
+                </a:solidFill>
+                <a:effectLst/>
+                <a:latin typeface="Arial" pitchFamily="34" charset="0"/>
+                <a:cs typeface="Arial" pitchFamily="34" charset="0"/>
+              </a:rPr>
+              <a:t>  </a:t>
+            </a:r>
+            <a:endParaRPr kumimoji="0" lang="en-US" sz="800" b="0" i="0" u="none" strike="noStrike" cap="none" normalizeH="0" baseline="0" dirty="0" smtClean="0">
+              <a:ln>
+                <a:noFill/>
+              </a:ln>
+              <a:solidFill>
+                <a:schemeClr val="tx1"/>
+              </a:solidFill>
+              <a:effectLst/>
+              <a:latin typeface="Arial" pitchFamily="34" charset="0"/>
+              <a:cs typeface="Arial" pitchFamily="34" charset="0"/>
+            </a:endParaRPr>
+          </a:p>
+          <a:p>
+            <a:pPr marL="0" marR="0" lvl="0" indent="0" algn="l" defTabSz="914400" rtl="0" eaLnBrk="0" fontAlgn="base" latinLnBrk="0" hangingPunct="0">
+              <a:lnSpc>
+                <a:spcPct val="100000"/>
+              </a:lnSpc>
+              <a:spcBef>
+                <a:spcPct val="0"/>
+              </a:spcBef>
+              <a:spcAft>
+                <a:spcPct val="0"/>
+              </a:spcAft>
+              <a:buClrTx/>
+              <a:buSzTx/>
+              <a:buFontTx/>
+              <a:buNone/>
+              <a:tabLst/>
+            </a:pPr>
+            <a:r>
+              <a:rPr kumimoji="0" lang="en-US" sz="23700" b="0" i="0" u="none" strike="noStrike" cap="none" normalizeH="0" baseline="0" dirty="0" smtClean="0">
+                <a:ln>
+                  <a:noFill/>
+                </a:ln>
+                <a:solidFill>
+                  <a:srgbClr val="000000"/>
+                </a:solidFill>
+                <a:effectLst/>
+                <a:latin typeface="Arial" pitchFamily="34" charset="0"/>
+                <a:cs typeface="Arial" pitchFamily="34" charset="0"/>
+              </a:rPr>
+              <a:t/>
+            </a:r>
+            <a:br>
+              <a:rPr kumimoji="0" lang="en-US" sz="23700" b="0" i="0" u="none" strike="noStrike" cap="none" normalizeH="0" baseline="0" dirty="0" smtClean="0">
+                <a:ln>
+                  <a:noFill/>
+                </a:ln>
+                <a:solidFill>
+                  <a:srgbClr val="000000"/>
+                </a:solidFill>
+                <a:effectLst/>
+                <a:latin typeface="Arial" pitchFamily="34" charset="0"/>
+                <a:cs typeface="Arial" pitchFamily="34" charset="0"/>
+              </a:rPr>
+            </a:br>
+            <a:endParaRPr kumimoji="0" lang="en-US" sz="23700" b="0" i="0" u="none" strike="noStrike" cap="none" normalizeH="0" baseline="0" dirty="0" smtClean="0">
+              <a:ln>
+                <a:noFill/>
+              </a:ln>
+              <a:solidFill>
+                <a:srgbClr val="000000"/>
+              </a:solidFill>
+              <a:effectLst/>
+              <a:latin typeface="Arial" pitchFamily="34" charset="0"/>
+              <a:cs typeface="Arial" pitchFamily="34" charset="0"/>
+            </a:endParaRPr>
+          </a:p>
+        </p:txBody>
+      </p:sp>
+      <p:pic>
+        <p:nvPicPr>
+          <p:cNvPr id="35842" name="Picture 2" descr="https://lh7-rt.googleusercontent.com/docsz/AD_4nXduqfE0phdH_lqn226svwlpYotkeDNxP8NL-85RU5q9gnW9tihXVUnt1eyKJ9klsnU7vKWueYaVm-sa14HzBtc8H3VCBPvhugfy_fVu68fc-zDKCz9uVY9OB0kckVb1wPpAzTHpqw?key=JbqQOFy5MMybFsSmj5_Bpfq3"/>
+          <p:cNvPicPr>
+            <a:picLocks noChangeAspect="1" noChangeArrowheads="1"/>
+          </p:cNvPicPr>
+          <p:nvPr/>
+        </p:nvPicPr>
+        <p:blipFill>
+          <a:blip r:embed="rId2" cstate="print"/>
+          <a:srcRect/>
+          <a:stretch>
+            <a:fillRect/>
+          </a:stretch>
+        </p:blipFill>
+        <p:spPr bwMode="auto">
+          <a:xfrm>
+            <a:off x="743579" y="651881"/>
+            <a:ext cx="6732395" cy="5871274"/>
+          </a:xfrm>
+          <a:prstGeom prst="rect">
+            <a:avLst/>
+          </a:prstGeom>
+          <a:noFill/>
+        </p:spPr>
+      </p:pic>
+    </p:spTree>
+    <p:extLst>
+      <p:ext uri="{BB962C8B-B14F-4D97-AF65-F5344CB8AC3E}">
+        <p14:creationId xmlns:p14="http://schemas.microsoft.com/office/powerpoint/2010/main" xmlns="" val="3961496340"/>
+      </p:ext>
+    </p:extLst>
+  </p:cSld>
+  <p:clrMapOvr>
+    <a:masterClrMapping/>
+  </p:clrMapOvr>
+  <p:timing>
+    <p:tnLst>
+      <p:par>
+        <p:cTn id="1" dur="indefinite" restart="never" nodeType="tmRoot"/>
+      </p:par>
+    </p:tnLst>
+  </p:timing>
+</p:sld>
+</file>
+
+<file path=ppt/slides/slide16.xml><?xml version="1.0" encoding="utf-8"?>
+<p:sld xmlns:a="http://schemas.openxmlformats.org/drawingml/2006/main" xmlns:r="http://schemas.openxmlformats.org/officeDocument/2006/relationships" xmlns:p="http://schemas.openxmlformats.org/presentationml/2006/main">
+  <p:cSld>
+    <p:spTree>
+      <p:nvGrpSpPr>
+        <p:cNvPr id="1" name=""/>
+        <p:cNvGrpSpPr/>
+        <p:nvPr/>
+      </p:nvGrpSpPr>
+      <p:grpSpPr>
+        <a:xfrm>
+          <a:off x="0" y="0"/>
+          <a:ext cx="0" cy="0"/>
+          <a:chOff x="0" y="0"/>
+          <a:chExt cx="0" cy="0"/>
+        </a:xfrm>
+      </p:grpSpPr>
+      <p:sp>
+        <p:nvSpPr>
+          <p:cNvPr id="2" name="Title 1">
+            <a:extLst>
+              <a:ext uri="{FF2B5EF4-FFF2-40B4-BE49-F238E27FC236}">
+                <a16:creationId xmlns:a16="http://schemas.microsoft.com/office/drawing/2014/main" xmlns="" id="{CA84B1FC-437A-C0D8-613B-8F59C6F4EB16}"/>
+              </a:ext>
+            </a:extLst>
+          </p:cNvPr>
+          <p:cNvSpPr>
+            <a:spLocks noGrp="1"/>
+          </p:cNvSpPr>
+          <p:nvPr>
+            <p:ph type="title"/>
+          </p:nvPr>
+        </p:nvSpPr>
+        <p:spPr>
+          <a:xfrm>
+            <a:off x="251208" y="50246"/>
+            <a:ext cx="10439399" cy="542611"/>
+          </a:xfrm>
+        </p:spPr>
+        <p:txBody>
+          <a:bodyPr>
+            <a:normAutofit/>
+          </a:bodyPr>
+          <a:lstStyle/>
+          <a:p>
+            <a:r>
+              <a:rPr lang="en-US" sz="2800" dirty="0" smtClean="0">
+                <a:solidFill>
+                  <a:srgbClr val="FF0000"/>
+                </a:solidFill>
+              </a:rPr>
+              <a:t>Jarvis UI: Homepage</a:t>
+            </a:r>
+            <a:endParaRPr lang="en-US" sz="2800" dirty="0">
+              <a:solidFill>
+                <a:srgbClr val="FF0000"/>
+              </a:solidFill>
+            </a:endParaRPr>
+          </a:p>
+        </p:txBody>
+      </p:sp>
+      <p:pic>
+        <p:nvPicPr>
+          <p:cNvPr id="26626" name="Picture 2"/>
+          <p:cNvPicPr>
+            <a:picLocks noChangeAspect="1" noChangeArrowheads="1"/>
+          </p:cNvPicPr>
+          <p:nvPr/>
+        </p:nvPicPr>
+        <p:blipFill>
+          <a:blip r:embed="rId2" cstate="print"/>
+          <a:srcRect/>
+          <a:stretch>
+            <a:fillRect/>
+          </a:stretch>
+        </p:blipFill>
+        <p:spPr bwMode="auto">
+          <a:xfrm>
+            <a:off x="291402" y="623000"/>
+            <a:ext cx="11006914" cy="6062464"/>
+          </a:xfrm>
+          <a:prstGeom prst="rect">
+            <a:avLst/>
+          </a:prstGeom>
+          <a:noFill/>
+          <a:ln w="9525">
+            <a:noFill/>
+            <a:miter lim="800000"/>
+            <a:headEnd/>
+            <a:tailEnd/>
+          </a:ln>
+        </p:spPr>
+      </p:pic>
+    </p:spTree>
+    <p:extLst>
+      <p:ext uri="{BB962C8B-B14F-4D97-AF65-F5344CB8AC3E}">
+        <p14:creationId xmlns:p14="http://schemas.microsoft.com/office/powerpoint/2010/main" xmlns="" val="3961496340"/>
+      </p:ext>
+    </p:extLst>
+  </p:cSld>
+  <p:clrMapOvr>
+    <a:masterClrMapping/>
+  </p:clrMapOvr>
+  <p:timing>
+    <p:tnLst>
+      <p:par>
+        <p:cTn id="1" dur="indefinite" restart="never" nodeType="tmRoot"/>
+      </p:par>
+    </p:tnLst>
+  </p:timing>
+</p:sld>
+</file>
+
+<file path=ppt/slides/slide17.xml><?xml version="1.0" encoding="utf-8"?>
+<p:sld xmlns:a="http://schemas.openxmlformats.org/drawingml/2006/main" xmlns:r="http://schemas.openxmlformats.org/officeDocument/2006/relationships" xmlns:p="http://schemas.openxmlformats.org/presentationml/2006/main">
+  <p:cSld>
+    <p:spTree>
+      <p:nvGrpSpPr>
+        <p:cNvPr id="1" name=""/>
+        <p:cNvGrpSpPr/>
+        <p:nvPr/>
+      </p:nvGrpSpPr>
+      <p:grpSpPr>
+        <a:xfrm>
+          <a:off x="0" y="0"/>
+          <a:ext cx="0" cy="0"/>
+          <a:chOff x="0" y="0"/>
+          <a:chExt cx="0" cy="0"/>
+        </a:xfrm>
+      </p:grpSpPr>
+      <p:sp>
+        <p:nvSpPr>
+          <p:cNvPr id="2" name="Title 1">
+            <a:extLst>
+              <a:ext uri="{FF2B5EF4-FFF2-40B4-BE49-F238E27FC236}">
+                <a16:creationId xmlns:a16="http://schemas.microsoft.com/office/drawing/2014/main" xmlns="" id="{CA84B1FC-437A-C0D8-613B-8F59C6F4EB16}"/>
+              </a:ext>
+            </a:extLst>
+          </p:cNvPr>
+          <p:cNvSpPr>
+            <a:spLocks noGrp="1"/>
+          </p:cNvSpPr>
+          <p:nvPr>
+            <p:ph type="title"/>
+          </p:nvPr>
+        </p:nvSpPr>
+        <p:spPr>
+          <a:xfrm>
+            <a:off x="251208" y="40198"/>
+            <a:ext cx="10439399" cy="542611"/>
+          </a:xfrm>
+        </p:spPr>
+        <p:txBody>
+          <a:bodyPr>
+            <a:normAutofit/>
+          </a:bodyPr>
+          <a:lstStyle/>
+          <a:p>
+            <a:r>
+              <a:rPr lang="en-US" sz="2800" dirty="0" smtClean="0">
+                <a:solidFill>
+                  <a:srgbClr val="FF0000"/>
+                </a:solidFill>
+              </a:rPr>
+              <a:t>Jarvis UI: App dependency health View</a:t>
+            </a:r>
+            <a:endParaRPr lang="en-US" sz="2800" dirty="0">
+              <a:solidFill>
+                <a:srgbClr val="FF0000"/>
+              </a:solidFill>
+            </a:endParaRPr>
+          </a:p>
+        </p:txBody>
+      </p:sp>
+      <p:pic>
+        <p:nvPicPr>
+          <p:cNvPr id="27650" name="Picture 2"/>
+          <p:cNvPicPr>
+            <a:picLocks noChangeAspect="1" noChangeArrowheads="1"/>
+          </p:cNvPicPr>
+          <p:nvPr/>
+        </p:nvPicPr>
+        <p:blipFill>
+          <a:blip r:embed="rId2" cstate="print"/>
+          <a:srcRect/>
+          <a:stretch>
+            <a:fillRect/>
+          </a:stretch>
+        </p:blipFill>
+        <p:spPr bwMode="auto">
+          <a:xfrm>
+            <a:off x="379266" y="572760"/>
+            <a:ext cx="11246680" cy="6156415"/>
+          </a:xfrm>
+          <a:prstGeom prst="rect">
+            <a:avLst/>
+          </a:prstGeom>
+          <a:noFill/>
+          <a:ln w="9525">
+            <a:noFill/>
+            <a:miter lim="800000"/>
+            <a:headEnd/>
+            <a:tailEnd/>
+          </a:ln>
+        </p:spPr>
+      </p:pic>
+    </p:spTree>
+    <p:extLst>
+      <p:ext uri="{BB962C8B-B14F-4D97-AF65-F5344CB8AC3E}">
+        <p14:creationId xmlns:p14="http://schemas.microsoft.com/office/powerpoint/2010/main" xmlns="" val="3961496340"/>
+      </p:ext>
+    </p:extLst>
+  </p:cSld>
+  <p:clrMapOvr>
+    <a:masterClrMapping/>
+  </p:clrMapOvr>
+  <p:timing>
+    <p:tnLst>
+      <p:par>
+        <p:cTn id="1" dur="indefinite" restart="never" nodeType="tmRoot"/>
+      </p:par>
+    </p:tnLst>
+  </p:timing>
+</p:sld>
+</file>
+
+<file path=ppt/slides/slide18.xml><?xml version="1.0" encoding="utf-8"?>
+<p:sld xmlns:a="http://schemas.openxmlformats.org/drawingml/2006/main" xmlns:r="http://schemas.openxmlformats.org/officeDocument/2006/relationships" xmlns:p="http://schemas.openxmlformats.org/presentationml/2006/main">
+  <p:cSld>
+    <p:spTree>
+      <p:nvGrpSpPr>
+        <p:cNvPr id="1" name=""/>
+        <p:cNvGrpSpPr/>
+        <p:nvPr/>
+      </p:nvGrpSpPr>
+      <p:grpSpPr>
+        <a:xfrm>
+          <a:off x="0" y="0"/>
+          <a:ext cx="0" cy="0"/>
+          <a:chOff x="0" y="0"/>
+          <a:chExt cx="0" cy="0"/>
+        </a:xfrm>
+      </p:grpSpPr>
+      <p:sp>
+        <p:nvSpPr>
+          <p:cNvPr id="2" name="Title 1">
+            <a:extLst>
+              <a:ext uri="{FF2B5EF4-FFF2-40B4-BE49-F238E27FC236}">
+                <a16:creationId xmlns:a16="http://schemas.microsoft.com/office/drawing/2014/main" xmlns="" id="{CA84B1FC-437A-C0D8-613B-8F59C6F4EB16}"/>
+              </a:ext>
+            </a:extLst>
+          </p:cNvPr>
+          <p:cNvSpPr>
+            <a:spLocks noGrp="1"/>
+          </p:cNvSpPr>
+          <p:nvPr>
+            <p:ph type="title"/>
+          </p:nvPr>
+        </p:nvSpPr>
+        <p:spPr>
+          <a:xfrm>
+            <a:off x="251208" y="40198"/>
+            <a:ext cx="10439399" cy="542611"/>
+          </a:xfrm>
+        </p:spPr>
+        <p:txBody>
+          <a:bodyPr>
+            <a:normAutofit/>
+          </a:bodyPr>
+          <a:lstStyle/>
+          <a:p>
+            <a:r>
+              <a:rPr lang="en-US" sz="2800" dirty="0" smtClean="0">
+                <a:solidFill>
+                  <a:srgbClr val="FF0000"/>
+                </a:solidFill>
+              </a:rPr>
+              <a:t>Jarvis UI: Portfolio </a:t>
+            </a:r>
+            <a:r>
+              <a:rPr lang="en-US" sz="2800" dirty="0" smtClean="0">
+                <a:solidFill>
+                  <a:srgbClr val="FF0000"/>
+                </a:solidFill>
+              </a:rPr>
+              <a:t>h</a:t>
+            </a:r>
+            <a:r>
+              <a:rPr lang="en-US" sz="2800" dirty="0" smtClean="0">
+                <a:solidFill>
+                  <a:srgbClr val="FF0000"/>
+                </a:solidFill>
+              </a:rPr>
+              <a:t>ealth View</a:t>
+            </a:r>
+            <a:endParaRPr lang="en-US" sz="2800" dirty="0">
+              <a:solidFill>
+                <a:srgbClr val="FF0000"/>
+              </a:solidFill>
+            </a:endParaRPr>
+          </a:p>
+        </p:txBody>
+      </p:sp>
+      <p:sp>
+        <p:nvSpPr>
+          <p:cNvPr id="28674" name="AutoShape 2" descr="blob:https://web.whatsapp.com/3fe434f4-065d-45a3-ab7b-8bbdd3ba8e86"/>
+          <p:cNvSpPr>
+            <a:spLocks noChangeAspect="1" noChangeArrowheads="1"/>
+          </p:cNvSpPr>
+          <p:nvPr/>
+        </p:nvSpPr>
+        <p:spPr bwMode="auto">
+          <a:xfrm>
+            <a:off x="155575" y="-144463"/>
+            <a:ext cx="304800" cy="304801"/>
+          </a:xfrm>
+          <a:prstGeom prst="rect">
+            <a:avLst/>
+          </a:prstGeom>
+          <a:noFill/>
+        </p:spPr>
+        <p:txBody>
+          <a:bodyPr vert="horz" wrap="square" lIns="91440" tIns="45720" rIns="91440" bIns="45720" numCol="1" anchor="t" anchorCtr="0" compatLnSpc="1">
+            <a:prstTxWarp prst="textNoShape">
+              <a:avLst/>
+            </a:prstTxWarp>
+          </a:bodyPr>
+          <a:lstStyle/>
+          <a:p>
+            <a:endParaRPr lang="en-IN"/>
+          </a:p>
+        </p:txBody>
+      </p:sp>
+      <p:pic>
+        <p:nvPicPr>
+          <p:cNvPr id="28675" name="Picture 3"/>
+          <p:cNvPicPr>
+            <a:picLocks noChangeAspect="1" noChangeArrowheads="1"/>
+          </p:cNvPicPr>
+          <p:nvPr/>
+        </p:nvPicPr>
+        <p:blipFill>
+          <a:blip r:embed="rId2" cstate="print"/>
+          <a:srcRect/>
+          <a:stretch>
+            <a:fillRect/>
+          </a:stretch>
+        </p:blipFill>
+        <p:spPr bwMode="auto">
+          <a:xfrm>
+            <a:off x="411983" y="625964"/>
+            <a:ext cx="11026392" cy="6016541"/>
+          </a:xfrm>
+          <a:prstGeom prst="rect">
+            <a:avLst/>
+          </a:prstGeom>
+          <a:noFill/>
+          <a:ln w="9525">
+            <a:noFill/>
+            <a:miter lim="800000"/>
+            <a:headEnd/>
+            <a:tailEnd/>
+          </a:ln>
+        </p:spPr>
+      </p:pic>
+    </p:spTree>
+    <p:extLst>
+      <p:ext uri="{BB962C8B-B14F-4D97-AF65-F5344CB8AC3E}">
+        <p14:creationId xmlns:p14="http://schemas.microsoft.com/office/powerpoint/2010/main" xmlns="" val="3961496340"/>
+      </p:ext>
+    </p:extLst>
+  </p:cSld>
+  <p:clrMapOvr>
+    <a:masterClrMapping/>
+  </p:clrMapOvr>
+  <p:timing>
+    <p:tnLst>
+      <p:par>
+        <p:cTn id="1" dur="indefinite" restart="never" nodeType="tmRoot"/>
+      </p:par>
+    </p:tnLst>
+  </p:timing>
+</p:sld>
+</file>
+
+<file path=ppt/slides/slide19.xml><?xml version="1.0" encoding="utf-8"?>
+<p:sld xmlns:a="http://schemas.openxmlformats.org/drawingml/2006/main" xmlns:r="http://schemas.openxmlformats.org/officeDocument/2006/relationships" xmlns:p="http://schemas.openxmlformats.org/presentationml/2006/main">
+  <p:cSld>
+    <p:spTree>
+      <p:nvGrpSpPr>
+        <p:cNvPr id="1" name=""/>
+        <p:cNvGrpSpPr/>
+        <p:nvPr/>
+      </p:nvGrpSpPr>
+      <p:grpSpPr>
+        <a:xfrm>
+          <a:off x="0" y="0"/>
+          <a:ext cx="0" cy="0"/>
+          <a:chOff x="0" y="0"/>
+          <a:chExt cx="0" cy="0"/>
+        </a:xfrm>
+      </p:grpSpPr>
+      <p:sp>
+        <p:nvSpPr>
+          <p:cNvPr id="2" name="Title 1">
+            <a:extLst>
+              <a:ext uri="{FF2B5EF4-FFF2-40B4-BE49-F238E27FC236}">
+                <a16:creationId xmlns:a16="http://schemas.microsoft.com/office/drawing/2014/main" xmlns="" id="{CA84B1FC-437A-C0D8-613B-8F59C6F4EB16}"/>
+              </a:ext>
+            </a:extLst>
+          </p:cNvPr>
+          <p:cNvSpPr>
+            <a:spLocks noGrp="1"/>
+          </p:cNvSpPr>
+          <p:nvPr>
+            <p:ph type="title"/>
+          </p:nvPr>
+        </p:nvSpPr>
+        <p:spPr>
+          <a:xfrm>
+            <a:off x="251208" y="40198"/>
+            <a:ext cx="10439399" cy="542611"/>
+          </a:xfrm>
+        </p:spPr>
+        <p:txBody>
+          <a:bodyPr>
+            <a:normAutofit/>
+          </a:bodyPr>
+          <a:lstStyle/>
+          <a:p>
+            <a:r>
+              <a:rPr lang="en-US" sz="2800" dirty="0" smtClean="0"/>
+              <a:t>Jarvis UI: Metrics</a:t>
+            </a:r>
+            <a:endParaRPr lang="en-US" sz="2800" dirty="0"/>
+          </a:p>
+        </p:txBody>
+      </p:sp>
+      <p:sp>
+        <p:nvSpPr>
+          <p:cNvPr id="28674" name="AutoShape 2" descr="blob:https://web.whatsapp.com/3fe434f4-065d-45a3-ab7b-8bbdd3ba8e86"/>
+          <p:cNvSpPr>
+            <a:spLocks noChangeAspect="1" noChangeArrowheads="1"/>
+          </p:cNvSpPr>
+          <p:nvPr/>
+        </p:nvSpPr>
+        <p:spPr bwMode="auto">
+          <a:xfrm>
+            <a:off x="155575" y="-144463"/>
+            <a:ext cx="304800" cy="304801"/>
+          </a:xfrm>
+          <a:prstGeom prst="rect">
+            <a:avLst/>
+          </a:prstGeom>
+          <a:noFill/>
+        </p:spPr>
+        <p:txBody>
+          <a:bodyPr vert="horz" wrap="square" lIns="91440" tIns="45720" rIns="91440" bIns="45720" numCol="1" anchor="t" anchorCtr="0" compatLnSpc="1">
+            <a:prstTxWarp prst="textNoShape">
+              <a:avLst/>
+            </a:prstTxWarp>
+          </a:bodyPr>
+          <a:lstStyle/>
+          <a:p>
+            <a:endParaRPr lang="en-IN"/>
+          </a:p>
+        </p:txBody>
+      </p:sp>
+      <p:pic>
+        <p:nvPicPr>
+          <p:cNvPr id="29698" name="Picture 2"/>
+          <p:cNvPicPr>
+            <a:picLocks noChangeAspect="1" noChangeArrowheads="1"/>
+          </p:cNvPicPr>
+          <p:nvPr/>
+        </p:nvPicPr>
+        <p:blipFill>
+          <a:blip r:embed="rId2" cstate="print"/>
+          <a:srcRect/>
+          <a:stretch>
+            <a:fillRect/>
+          </a:stretch>
+        </p:blipFill>
+        <p:spPr bwMode="auto">
+          <a:xfrm>
+            <a:off x="301451" y="532562"/>
+            <a:ext cx="11111205" cy="6101666"/>
+          </a:xfrm>
+          <a:prstGeom prst="rect">
+            <a:avLst/>
+          </a:prstGeom>
+          <a:noFill/>
+          <a:ln w="9525">
+            <a:noFill/>
+            <a:miter lim="800000"/>
+            <a:headEnd/>
+            <a:tailEnd/>
+          </a:ln>
+        </p:spPr>
+      </p:pic>
+    </p:spTree>
+    <p:extLst>
+      <p:ext uri="{BB962C8B-B14F-4D97-AF65-F5344CB8AC3E}">
+        <p14:creationId xmlns:p14="http://schemas.microsoft.com/office/powerpoint/2010/main" xmlns="" val="3961496340"/>
       </p:ext>
     </p:extLst>
   </p:cSld>
@@ -4216,7 +6919,7 @@
           <p:cNvPr id="7" name="Title 1">
             <a:extLst>
               <a:ext uri="{FF2B5EF4-FFF2-40B4-BE49-F238E27FC236}">
-                <a16:creationId xmlns="" xmlns:a16="http://schemas.microsoft.com/office/drawing/2014/main" id="{57353EC1-0929-E614-5054-EDB18A7FEEEB}"/>
+                <a16:creationId xmlns:a16="http://schemas.microsoft.com/office/drawing/2014/main" xmlns="" id="{57353EC1-0929-E614-5054-EDB18A7FEEEB}"/>
               </a:ext>
             </a:extLst>
           </p:cNvPr>
@@ -4259,11 +6962,19 @@
           </a:lstStyle>
           <a:p>
             <a:r>
-              <a:rPr lang="en-US" dirty="0" smtClean="0"/>
+              <a:rPr lang="en-US" dirty="0" smtClean="0">
+                <a:solidFill>
+                  <a:srgbClr val="FF0000"/>
+                </a:solidFill>
+              </a:rPr>
               <a:t>Jarvis- </a:t>
             </a:r>
             <a:r>
-              <a:rPr lang="en-US" dirty="0"/>
+              <a:rPr lang="en-US" dirty="0">
+                <a:solidFill>
+                  <a:srgbClr val="FF0000"/>
+                </a:solidFill>
+              </a:rPr>
               <a:t>Diversified Technology Stack</a:t>
             </a:r>
           </a:p>
@@ -4274,7 +6985,7 @@
           <p:cNvPr id="5" name="Picture 4">
             <a:extLst>
               <a:ext uri="{FF2B5EF4-FFF2-40B4-BE49-F238E27FC236}">
-                <a16:creationId xmlns="" xmlns:a16="http://schemas.microsoft.com/office/drawing/2014/main" id="{14310A56-AC39-3525-E556-C1AF370863EB}"/>
+                <a16:creationId xmlns:a16="http://schemas.microsoft.com/office/drawing/2014/main" xmlns="" id="{14310A56-AC39-3525-E556-C1AF370863EB}"/>
               </a:ext>
             </a:extLst>
           </p:cNvPr>
@@ -4287,7 +6998,7 @@
           <a:blip r:embed="rId2" cstate="print">
             <a:extLst>
               <a:ext uri="{28A0092B-C50C-407E-A947-70E740481C1C}">
-                <a14:useLocalDpi xmlns="" xmlns:a14="http://schemas.microsoft.com/office/drawing/2010/main" val="0"/>
+                <a14:useLocalDpi xmlns:a14="http://schemas.microsoft.com/office/drawing/2010/main" xmlns="" val="0"/>
               </a:ext>
             </a:extLst>
           </a:blip>
@@ -4310,7 +7021,7 @@
           <p:cNvPr id="32" name="Picture 31">
             <a:extLst>
               <a:ext uri="{FF2B5EF4-FFF2-40B4-BE49-F238E27FC236}">
-                <a16:creationId xmlns="" xmlns:a16="http://schemas.microsoft.com/office/drawing/2014/main" id="{D638AC41-38F9-FD53-29F9-C1A69B0F2C68}"/>
+                <a16:creationId xmlns:a16="http://schemas.microsoft.com/office/drawing/2014/main" xmlns="" id="{D638AC41-38F9-FD53-29F9-C1A69B0F2C68}"/>
               </a:ext>
             </a:extLst>
           </p:cNvPr>
@@ -4323,7 +7034,7 @@
           <a:blip r:embed="rId3" cstate="print">
             <a:extLst>
               <a:ext uri="{28A0092B-C50C-407E-A947-70E740481C1C}">
-                <a14:useLocalDpi xmlns="" xmlns:a14="http://schemas.microsoft.com/office/drawing/2010/main" val="0"/>
+                <a14:useLocalDpi xmlns:a14="http://schemas.microsoft.com/office/drawing/2010/main" xmlns="" val="0"/>
               </a:ext>
             </a:extLst>
           </a:blip>
@@ -4333,7 +7044,7 @@
         </p:blipFill>
         <p:spPr>
           <a:xfrm>
-            <a:off x="6170273" y="3086168"/>
+            <a:off x="6130081" y="3086168"/>
             <a:ext cx="2589123" cy="1235817"/>
           </a:xfrm>
           <a:prstGeom prst="rect">
@@ -4346,7 +7057,7 @@
           <p:cNvPr id="38" name="Picture 37">
             <a:extLst>
               <a:ext uri="{FF2B5EF4-FFF2-40B4-BE49-F238E27FC236}">
-                <a16:creationId xmlns="" xmlns:a16="http://schemas.microsoft.com/office/drawing/2014/main" id="{B481BBEA-3E1D-0910-73C6-055A01443DA1}"/>
+                <a16:creationId xmlns:a16="http://schemas.microsoft.com/office/drawing/2014/main" xmlns="" id="{B481BBEA-3E1D-0910-73C6-055A01443DA1}"/>
               </a:ext>
             </a:extLst>
           </p:cNvPr>
@@ -4359,7 +7070,7 @@
           <a:blip r:embed="rId4" cstate="print">
             <a:extLst>
               <a:ext uri="{28A0092B-C50C-407E-A947-70E740481C1C}">
-                <a14:useLocalDpi xmlns="" xmlns:a14="http://schemas.microsoft.com/office/drawing/2010/main" val="0"/>
+                <a14:useLocalDpi xmlns:a14="http://schemas.microsoft.com/office/drawing/2010/main" xmlns="" val="0"/>
               </a:ext>
             </a:extLst>
           </a:blip>
@@ -4369,8 +7080,8 @@
         </p:blipFill>
         <p:spPr>
           <a:xfrm>
-            <a:off x="765356" y="1895474"/>
-            <a:ext cx="1283277" cy="1232843"/>
+            <a:off x="2256782" y="5717514"/>
+            <a:ext cx="756492" cy="726761"/>
           </a:xfrm>
           <a:prstGeom prst="rect">
             <a:avLst/>
@@ -4409,7 +7120,7 @@
       </p:sp>
       <p:pic>
         <p:nvPicPr>
-          <p:cNvPr id="27655" name="Picture 7"/>
+          <p:cNvPr id="27656" name="Picture 8"/>
           <p:cNvPicPr>
             <a:picLocks noChangeAspect="1" noChangeArrowheads="1"/>
           </p:cNvPicPr>
@@ -4424,8 +7135,8 @@
         </p:blipFill>
         <p:spPr bwMode="auto">
           <a:xfrm>
-            <a:off x="3424239" y="3247251"/>
-            <a:ext cx="2075548" cy="964849"/>
+            <a:off x="452176" y="4415220"/>
+            <a:ext cx="2452176" cy="895367"/>
           </a:xfrm>
           <a:prstGeom prst="rect">
             <a:avLst/>
@@ -4441,7 +7152,7 @@
       </p:pic>
       <p:pic>
         <p:nvPicPr>
-          <p:cNvPr id="27656" name="Picture 8"/>
+          <p:cNvPr id="27657" name="Picture 9"/>
           <p:cNvPicPr>
             <a:picLocks noChangeAspect="1" noChangeArrowheads="1"/>
           </p:cNvPicPr>
@@ -4456,8 +7167,8 @@
         </p:blipFill>
         <p:spPr bwMode="auto">
           <a:xfrm>
-            <a:off x="336207" y="4372876"/>
-            <a:ext cx="2568145" cy="937711"/>
+            <a:off x="6408491" y="4386134"/>
+            <a:ext cx="2152650" cy="876300"/>
           </a:xfrm>
           <a:prstGeom prst="rect">
             <a:avLst/>
@@ -4473,7 +7184,7 @@
       </p:pic>
       <p:pic>
         <p:nvPicPr>
-          <p:cNvPr id="27657" name="Picture 9"/>
+          <p:cNvPr id="27658" name="Picture 10"/>
           <p:cNvPicPr>
             <a:picLocks noChangeAspect="1" noChangeArrowheads="1"/>
           </p:cNvPicPr>
@@ -4488,8 +7199,8 @@
         </p:blipFill>
         <p:spPr bwMode="auto">
           <a:xfrm>
-            <a:off x="6448683" y="4386134"/>
-            <a:ext cx="2152650" cy="876300"/>
+            <a:off x="9553575" y="5765250"/>
+            <a:ext cx="2028825" cy="785915"/>
           </a:xfrm>
           <a:prstGeom prst="rect">
             <a:avLst/>
@@ -4505,7 +7216,7 @@
       </p:pic>
       <p:pic>
         <p:nvPicPr>
-          <p:cNvPr id="27658" name="Picture 10"/>
+          <p:cNvPr id="27659" name="Picture 11"/>
           <p:cNvPicPr>
             <a:picLocks noChangeAspect="1" noChangeArrowheads="1"/>
           </p:cNvPicPr>
@@ -4520,8 +7231,8 @@
         </p:blipFill>
         <p:spPr bwMode="auto">
           <a:xfrm>
-            <a:off x="9553575" y="5413570"/>
-            <a:ext cx="2028825" cy="785915"/>
+            <a:off x="9445710" y="2408299"/>
+            <a:ext cx="2122916" cy="1182383"/>
           </a:xfrm>
           <a:prstGeom prst="rect">
             <a:avLst/>
@@ -4537,7 +7248,7 @@
       </p:pic>
       <p:pic>
         <p:nvPicPr>
-          <p:cNvPr id="27659" name="Picture 11"/>
+          <p:cNvPr id="27660" name="Picture 12"/>
           <p:cNvPicPr>
             <a:picLocks noChangeAspect="1" noChangeArrowheads="1"/>
           </p:cNvPicPr>
@@ -4552,8 +7263,8 @@
         </p:blipFill>
         <p:spPr bwMode="auto">
           <a:xfrm>
-            <a:off x="9445710" y="2177195"/>
-            <a:ext cx="2122916" cy="1182383"/>
+            <a:off x="3728344" y="5788873"/>
+            <a:ext cx="2047875" cy="874016"/>
           </a:xfrm>
           <a:prstGeom prst="rect">
             <a:avLst/>
@@ -4569,7 +7280,7 @@
       </p:pic>
       <p:pic>
         <p:nvPicPr>
-          <p:cNvPr id="27660" name="Picture 12"/>
+          <p:cNvPr id="27661" name="Picture 13"/>
           <p:cNvPicPr>
             <a:picLocks noChangeAspect="1" noChangeArrowheads="1"/>
           </p:cNvPicPr>
@@ -4584,8 +7295,8 @@
         </p:blipFill>
         <p:spPr bwMode="auto">
           <a:xfrm>
-            <a:off x="3467100" y="4502684"/>
-            <a:ext cx="2047875" cy="874016"/>
+            <a:off x="502418" y="3449939"/>
+            <a:ext cx="2274119" cy="836310"/>
           </a:xfrm>
           <a:prstGeom prst="rect">
             <a:avLst/>
@@ -4601,7 +7312,7 @@
       </p:pic>
       <p:pic>
         <p:nvPicPr>
-          <p:cNvPr id="27661" name="Picture 13"/>
+          <p:cNvPr id="1026" name="Picture 2"/>
           <p:cNvPicPr>
             <a:picLocks noChangeAspect="1" noChangeArrowheads="1"/>
           </p:cNvPicPr>
@@ -4616,8 +7327,8 @@
         </p:blipFill>
         <p:spPr bwMode="auto">
           <a:xfrm>
-            <a:off x="400050" y="3412293"/>
-            <a:ext cx="2376487" cy="873956"/>
+            <a:off x="9495421" y="4072817"/>
+            <a:ext cx="2077453" cy="1233488"/>
           </a:xfrm>
           <a:prstGeom prst="rect">
             <a:avLst/>
@@ -4633,7 +7344,7 @@
       </p:pic>
       <p:pic>
         <p:nvPicPr>
-          <p:cNvPr id="1026" name="Picture 2"/>
+          <p:cNvPr id="1028" name="Picture 4"/>
           <p:cNvPicPr>
             <a:picLocks noChangeAspect="1" noChangeArrowheads="1"/>
           </p:cNvPicPr>
@@ -4648,8 +7359,8 @@
         </p:blipFill>
         <p:spPr bwMode="auto">
           <a:xfrm>
-            <a:off x="9495421" y="3781425"/>
-            <a:ext cx="2077453" cy="1233488"/>
+            <a:off x="341644" y="5717511"/>
+            <a:ext cx="1406769" cy="686481"/>
           </a:xfrm>
           <a:prstGeom prst="rect">
             <a:avLst/>
@@ -4665,7 +7376,7 @@
       </p:pic>
       <p:pic>
         <p:nvPicPr>
-          <p:cNvPr id="1028" name="Picture 4"/>
+          <p:cNvPr id="5122" name="Picture 2"/>
           <p:cNvPicPr>
             <a:picLocks noChangeAspect="1" noChangeArrowheads="1"/>
           </p:cNvPicPr>
@@ -4680,8 +7391,8 @@
         </p:blipFill>
         <p:spPr bwMode="auto">
           <a:xfrm>
-            <a:off x="552450" y="5583270"/>
-            <a:ext cx="2352674" cy="850868"/>
+            <a:off x="6598518" y="5496447"/>
+            <a:ext cx="1798190" cy="1160585"/>
           </a:xfrm>
           <a:prstGeom prst="rect">
             <a:avLst/>
@@ -4695,10 +7406,579 @@
           </a:ln>
         </p:spPr>
       </p:pic>
+      <p:pic>
+        <p:nvPicPr>
+          <p:cNvPr id="5123" name="Picture 3"/>
+          <p:cNvPicPr>
+            <a:picLocks noChangeAspect="1" noChangeArrowheads="1"/>
+          </p:cNvPicPr>
+          <p:nvPr/>
+        </p:nvPicPr>
+        <p:blipFill>
+          <a:blip r:embed="rId14" cstate="print"/>
+          <a:srcRect/>
+          <a:stretch>
+            <a:fillRect/>
+          </a:stretch>
+        </p:blipFill>
+        <p:spPr bwMode="auto">
+          <a:xfrm>
+            <a:off x="558387" y="2441746"/>
+            <a:ext cx="2134572" cy="935470"/>
+          </a:xfrm>
+          <a:prstGeom prst="rect">
+            <a:avLst/>
+          </a:prstGeom>
+          <a:noFill/>
+          <a:ln w="9525">
+            <a:noFill/>
+            <a:miter lim="800000"/>
+            <a:headEnd/>
+            <a:tailEnd/>
+          </a:ln>
+        </p:spPr>
+      </p:pic>
+      <p:pic>
+        <p:nvPicPr>
+          <p:cNvPr id="19" name="Picture 7"/>
+          <p:cNvPicPr>
+            <a:picLocks noChangeAspect="1" noChangeArrowheads="1"/>
+          </p:cNvPicPr>
+          <p:nvPr/>
+        </p:nvPicPr>
+        <p:blipFill>
+          <a:blip r:embed="rId15" cstate="print"/>
+          <a:srcRect/>
+          <a:stretch>
+            <a:fillRect/>
+          </a:stretch>
+        </p:blipFill>
+        <p:spPr bwMode="auto">
+          <a:xfrm>
+            <a:off x="3735726" y="3277396"/>
+            <a:ext cx="2075548" cy="964849"/>
+          </a:xfrm>
+          <a:prstGeom prst="rect">
+            <a:avLst/>
+          </a:prstGeom>
+          <a:noFill/>
+          <a:ln w="9525">
+            <a:noFill/>
+            <a:miter lim="800000"/>
+            <a:headEnd/>
+            <a:tailEnd/>
+          </a:ln>
+        </p:spPr>
+      </p:pic>
+      <p:pic>
+        <p:nvPicPr>
+          <p:cNvPr id="20" name="Picture 1"/>
+          <p:cNvPicPr>
+            <a:picLocks noChangeAspect="1" noChangeArrowheads="1"/>
+          </p:cNvPicPr>
+          <p:nvPr/>
+        </p:nvPicPr>
+        <p:blipFill>
+          <a:blip r:embed="rId16" cstate="print"/>
+          <a:srcRect/>
+          <a:stretch>
+            <a:fillRect/>
+          </a:stretch>
+        </p:blipFill>
+        <p:spPr bwMode="auto">
+          <a:xfrm>
+            <a:off x="3725572" y="4585869"/>
+            <a:ext cx="2047875" cy="962025"/>
+          </a:xfrm>
+          <a:prstGeom prst="rect">
+            <a:avLst/>
+          </a:prstGeom>
+          <a:noFill/>
+          <a:ln w="9525">
+            <a:noFill/>
+            <a:miter lim="800000"/>
+            <a:headEnd/>
+            <a:tailEnd/>
+          </a:ln>
+        </p:spPr>
+      </p:pic>
     </p:spTree>
     <p:extLst>
       <p:ext uri="{BB962C8B-B14F-4D97-AF65-F5344CB8AC3E}">
-        <p14:creationId xmlns="" xmlns:p14="http://schemas.microsoft.com/office/powerpoint/2010/main" val="540608390"/>
+        <p14:creationId xmlns:p14="http://schemas.microsoft.com/office/powerpoint/2010/main" xmlns="" val="540608390"/>
+      </p:ext>
+    </p:extLst>
+  </p:cSld>
+  <p:clrMapOvr>
+    <a:masterClrMapping/>
+  </p:clrMapOvr>
+  <p:timing>
+    <p:tnLst>
+      <p:par>
+        <p:cTn id="1" dur="indefinite" restart="never" nodeType="tmRoot"/>
+      </p:par>
+    </p:tnLst>
+  </p:timing>
+</p:sld>
+</file>
+
+<file path=ppt/slides/slide20.xml><?xml version="1.0" encoding="utf-8"?>
+<p:sld xmlns:a="http://schemas.openxmlformats.org/drawingml/2006/main" xmlns:r="http://schemas.openxmlformats.org/officeDocument/2006/relationships" xmlns:p="http://schemas.openxmlformats.org/presentationml/2006/main">
+  <p:cSld>
+    <p:spTree>
+      <p:nvGrpSpPr>
+        <p:cNvPr id="1" name=""/>
+        <p:cNvGrpSpPr/>
+        <p:nvPr/>
+      </p:nvGrpSpPr>
+      <p:grpSpPr>
+        <a:xfrm>
+          <a:off x="0" y="0"/>
+          <a:ext cx="0" cy="0"/>
+          <a:chOff x="0" y="0"/>
+          <a:chExt cx="0" cy="0"/>
+        </a:xfrm>
+      </p:grpSpPr>
+      <p:sp>
+        <p:nvSpPr>
+          <p:cNvPr id="2" name="Title 1">
+            <a:extLst>
+              <a:ext uri="{FF2B5EF4-FFF2-40B4-BE49-F238E27FC236}">
+                <a16:creationId xmlns:a16="http://schemas.microsoft.com/office/drawing/2014/main" xmlns="" id="{CA84B1FC-437A-C0D8-613B-8F59C6F4EB16}"/>
+              </a:ext>
+            </a:extLst>
+          </p:cNvPr>
+          <p:cNvSpPr>
+            <a:spLocks noGrp="1"/>
+          </p:cNvSpPr>
+          <p:nvPr>
+            <p:ph type="title"/>
+          </p:nvPr>
+        </p:nvSpPr>
+        <p:spPr>
+          <a:xfrm>
+            <a:off x="251208" y="40198"/>
+            <a:ext cx="10439399" cy="542611"/>
+          </a:xfrm>
+        </p:spPr>
+        <p:txBody>
+          <a:bodyPr>
+            <a:normAutofit/>
+          </a:bodyPr>
+          <a:lstStyle/>
+          <a:p>
+            <a:r>
+              <a:rPr lang="en-US" sz="2800" dirty="0" smtClean="0"/>
+              <a:t>Jarvis UI: Metrics</a:t>
+            </a:r>
+            <a:endParaRPr lang="en-US" sz="2800" dirty="0"/>
+          </a:p>
+        </p:txBody>
+      </p:sp>
+      <p:sp>
+        <p:nvSpPr>
+          <p:cNvPr id="28674" name="AutoShape 2" descr="blob:https://web.whatsapp.com/3fe434f4-065d-45a3-ab7b-8bbdd3ba8e86"/>
+          <p:cNvSpPr>
+            <a:spLocks noChangeAspect="1" noChangeArrowheads="1"/>
+          </p:cNvSpPr>
+          <p:nvPr/>
+        </p:nvSpPr>
+        <p:spPr bwMode="auto">
+          <a:xfrm>
+            <a:off x="155575" y="-144463"/>
+            <a:ext cx="304800" cy="304801"/>
+          </a:xfrm>
+          <a:prstGeom prst="rect">
+            <a:avLst/>
+          </a:prstGeom>
+          <a:noFill/>
+        </p:spPr>
+        <p:txBody>
+          <a:bodyPr vert="horz" wrap="square" lIns="91440" tIns="45720" rIns="91440" bIns="45720" numCol="1" anchor="t" anchorCtr="0" compatLnSpc="1">
+            <a:prstTxWarp prst="textNoShape">
+              <a:avLst/>
+            </a:prstTxWarp>
+          </a:bodyPr>
+          <a:lstStyle/>
+          <a:p>
+            <a:endParaRPr lang="en-IN"/>
+          </a:p>
+        </p:txBody>
+      </p:sp>
+      <p:pic>
+        <p:nvPicPr>
+          <p:cNvPr id="29698" name="Picture 2"/>
+          <p:cNvPicPr>
+            <a:picLocks noChangeAspect="1" noChangeArrowheads="1"/>
+          </p:cNvPicPr>
+          <p:nvPr/>
+        </p:nvPicPr>
+        <p:blipFill>
+          <a:blip r:embed="rId2" cstate="print"/>
+          <a:srcRect/>
+          <a:stretch>
+            <a:fillRect/>
+          </a:stretch>
+        </p:blipFill>
+        <p:spPr bwMode="auto">
+          <a:xfrm>
+            <a:off x="301451" y="532562"/>
+            <a:ext cx="11111205" cy="6101666"/>
+          </a:xfrm>
+          <a:prstGeom prst="rect">
+            <a:avLst/>
+          </a:prstGeom>
+          <a:noFill/>
+          <a:ln w="9525">
+            <a:noFill/>
+            <a:miter lim="800000"/>
+            <a:headEnd/>
+            <a:tailEnd/>
+          </a:ln>
+        </p:spPr>
+      </p:pic>
+    </p:spTree>
+    <p:extLst>
+      <p:ext uri="{BB962C8B-B14F-4D97-AF65-F5344CB8AC3E}">
+        <p14:creationId xmlns:p14="http://schemas.microsoft.com/office/powerpoint/2010/main" xmlns="" val="3961496340"/>
+      </p:ext>
+    </p:extLst>
+  </p:cSld>
+  <p:clrMapOvr>
+    <a:masterClrMapping/>
+  </p:clrMapOvr>
+  <p:timing>
+    <p:tnLst>
+      <p:par>
+        <p:cTn id="1" dur="indefinite" restart="never" nodeType="tmRoot"/>
+      </p:par>
+    </p:tnLst>
+  </p:timing>
+</p:sld>
+</file>
+
+<file path=ppt/slides/slide21.xml><?xml version="1.0" encoding="utf-8"?>
+<p:sld xmlns:a="http://schemas.openxmlformats.org/drawingml/2006/main" xmlns:r="http://schemas.openxmlformats.org/officeDocument/2006/relationships" xmlns:p="http://schemas.openxmlformats.org/presentationml/2006/main">
+  <p:cSld>
+    <p:spTree>
+      <p:nvGrpSpPr>
+        <p:cNvPr id="1" name=""/>
+        <p:cNvGrpSpPr/>
+        <p:nvPr/>
+      </p:nvGrpSpPr>
+      <p:grpSpPr>
+        <a:xfrm>
+          <a:off x="0" y="0"/>
+          <a:ext cx="0" cy="0"/>
+          <a:chOff x="0" y="0"/>
+          <a:chExt cx="0" cy="0"/>
+        </a:xfrm>
+      </p:grpSpPr>
+      <p:sp>
+        <p:nvSpPr>
+          <p:cNvPr id="2" name="Title 1">
+            <a:extLst>
+              <a:ext uri="{FF2B5EF4-FFF2-40B4-BE49-F238E27FC236}">
+                <a16:creationId xmlns:a16="http://schemas.microsoft.com/office/drawing/2014/main" xmlns="" id="{CA84B1FC-437A-C0D8-613B-8F59C6F4EB16}"/>
+              </a:ext>
+            </a:extLst>
+          </p:cNvPr>
+          <p:cNvSpPr>
+            <a:spLocks noGrp="1"/>
+          </p:cNvSpPr>
+          <p:nvPr>
+            <p:ph type="title"/>
+          </p:nvPr>
+        </p:nvSpPr>
+        <p:spPr>
+          <a:xfrm>
+            <a:off x="251208" y="40198"/>
+            <a:ext cx="10439399" cy="542611"/>
+          </a:xfrm>
+        </p:spPr>
+        <p:txBody>
+          <a:bodyPr>
+            <a:normAutofit/>
+          </a:bodyPr>
+          <a:lstStyle/>
+          <a:p>
+            <a:r>
+              <a:rPr lang="en-US" sz="2800" dirty="0" smtClean="0">
+                <a:solidFill>
+                  <a:srgbClr val="FF0000"/>
+                </a:solidFill>
+              </a:rPr>
+              <a:t>Jarvis UI: Metrics</a:t>
+            </a:r>
+            <a:endParaRPr lang="en-US" sz="2800" dirty="0">
+              <a:solidFill>
+                <a:srgbClr val="FF0000"/>
+              </a:solidFill>
+            </a:endParaRPr>
+          </a:p>
+        </p:txBody>
+      </p:sp>
+      <p:sp>
+        <p:nvSpPr>
+          <p:cNvPr id="28674" name="AutoShape 2" descr="blob:https://web.whatsapp.com/3fe434f4-065d-45a3-ab7b-8bbdd3ba8e86"/>
+          <p:cNvSpPr>
+            <a:spLocks noChangeAspect="1" noChangeArrowheads="1"/>
+          </p:cNvSpPr>
+          <p:nvPr/>
+        </p:nvSpPr>
+        <p:spPr bwMode="auto">
+          <a:xfrm>
+            <a:off x="155575" y="-144463"/>
+            <a:ext cx="304800" cy="304801"/>
+          </a:xfrm>
+          <a:prstGeom prst="rect">
+            <a:avLst/>
+          </a:prstGeom>
+          <a:noFill/>
+        </p:spPr>
+        <p:txBody>
+          <a:bodyPr vert="horz" wrap="square" lIns="91440" tIns="45720" rIns="91440" bIns="45720" numCol="1" anchor="t" anchorCtr="0" compatLnSpc="1">
+            <a:prstTxWarp prst="textNoShape">
+              <a:avLst/>
+            </a:prstTxWarp>
+          </a:bodyPr>
+          <a:lstStyle/>
+          <a:p>
+            <a:endParaRPr lang="en-IN"/>
+          </a:p>
+        </p:txBody>
+      </p:sp>
+      <p:pic>
+        <p:nvPicPr>
+          <p:cNvPr id="30722" name="Picture 2"/>
+          <p:cNvPicPr>
+            <a:picLocks noChangeAspect="1" noChangeArrowheads="1"/>
+          </p:cNvPicPr>
+          <p:nvPr/>
+        </p:nvPicPr>
+        <p:blipFill>
+          <a:blip r:embed="rId2" cstate="print"/>
+          <a:srcRect/>
+          <a:stretch>
+            <a:fillRect/>
+          </a:stretch>
+        </p:blipFill>
+        <p:spPr bwMode="auto">
+          <a:xfrm>
+            <a:off x="391900" y="508293"/>
+            <a:ext cx="11193865" cy="6147842"/>
+          </a:xfrm>
+          <a:prstGeom prst="rect">
+            <a:avLst/>
+          </a:prstGeom>
+          <a:noFill/>
+          <a:ln w="9525">
+            <a:noFill/>
+            <a:miter lim="800000"/>
+            <a:headEnd/>
+            <a:tailEnd/>
+          </a:ln>
+        </p:spPr>
+      </p:pic>
+    </p:spTree>
+    <p:extLst>
+      <p:ext uri="{BB962C8B-B14F-4D97-AF65-F5344CB8AC3E}">
+        <p14:creationId xmlns:p14="http://schemas.microsoft.com/office/powerpoint/2010/main" xmlns="" val="3961496340"/>
+      </p:ext>
+    </p:extLst>
+  </p:cSld>
+  <p:clrMapOvr>
+    <a:masterClrMapping/>
+  </p:clrMapOvr>
+  <p:timing>
+    <p:tnLst>
+      <p:par>
+        <p:cTn id="1" dur="indefinite" restart="never" nodeType="tmRoot"/>
+      </p:par>
+    </p:tnLst>
+  </p:timing>
+</p:sld>
+</file>
+
+<file path=ppt/slides/slide22.xml><?xml version="1.0" encoding="utf-8"?>
+<p:sld xmlns:a="http://schemas.openxmlformats.org/drawingml/2006/main" xmlns:r="http://schemas.openxmlformats.org/officeDocument/2006/relationships" xmlns:p="http://schemas.openxmlformats.org/presentationml/2006/main">
+  <p:cSld>
+    <p:spTree>
+      <p:nvGrpSpPr>
+        <p:cNvPr id="1" name=""/>
+        <p:cNvGrpSpPr/>
+        <p:nvPr/>
+      </p:nvGrpSpPr>
+      <p:grpSpPr>
+        <a:xfrm>
+          <a:off x="0" y="0"/>
+          <a:ext cx="0" cy="0"/>
+          <a:chOff x="0" y="0"/>
+          <a:chExt cx="0" cy="0"/>
+        </a:xfrm>
+      </p:grpSpPr>
+      <p:sp>
+        <p:nvSpPr>
+          <p:cNvPr id="2" name="Title 1">
+            <a:extLst>
+              <a:ext uri="{FF2B5EF4-FFF2-40B4-BE49-F238E27FC236}">
+                <a16:creationId xmlns:a16="http://schemas.microsoft.com/office/drawing/2014/main" xmlns="" id="{CA84B1FC-437A-C0D8-613B-8F59C6F4EB16}"/>
+              </a:ext>
+            </a:extLst>
+          </p:cNvPr>
+          <p:cNvSpPr>
+            <a:spLocks noGrp="1"/>
+          </p:cNvSpPr>
+          <p:nvPr>
+            <p:ph type="title"/>
+          </p:nvPr>
+        </p:nvSpPr>
+        <p:spPr/>
+        <p:txBody>
+          <a:bodyPr/>
+          <a:lstStyle/>
+          <a:p>
+            <a:r>
+              <a:rPr lang="en-US" dirty="0" smtClean="0">
+                <a:solidFill>
+                  <a:srgbClr val="FF0000"/>
+                </a:solidFill>
+              </a:rPr>
+              <a:t>Appendix</a:t>
+            </a:r>
+            <a:endParaRPr lang="en-US" dirty="0">
+              <a:solidFill>
+                <a:srgbClr val="FF0000"/>
+              </a:solidFill>
+            </a:endParaRPr>
+          </a:p>
+        </p:txBody>
+      </p:sp>
+    </p:spTree>
+    <p:extLst>
+      <p:ext uri="{BB962C8B-B14F-4D97-AF65-F5344CB8AC3E}">
+        <p14:creationId xmlns:p14="http://schemas.microsoft.com/office/powerpoint/2010/main" xmlns="" val="3961496340"/>
+      </p:ext>
+    </p:extLst>
+  </p:cSld>
+  <p:clrMapOvr>
+    <a:masterClrMapping/>
+  </p:clrMapOvr>
+  <p:timing>
+    <p:tnLst>
+      <p:par>
+        <p:cTn id="1" dur="indefinite" restart="never" nodeType="tmRoot"/>
+      </p:par>
+    </p:tnLst>
+  </p:timing>
+</p:sld>
+</file>
+
+<file path=ppt/slides/slide23.xml><?xml version="1.0" encoding="utf-8"?>
+<p:sld xmlns:a="http://schemas.openxmlformats.org/drawingml/2006/main" xmlns:r="http://schemas.openxmlformats.org/officeDocument/2006/relationships" xmlns:p="http://schemas.openxmlformats.org/presentationml/2006/main">
+  <p:cSld>
+    <p:spTree>
+      <p:nvGrpSpPr>
+        <p:cNvPr id="1" name=""/>
+        <p:cNvGrpSpPr/>
+        <p:nvPr/>
+      </p:nvGrpSpPr>
+      <p:grpSpPr>
+        <a:xfrm>
+          <a:off x="0" y="0"/>
+          <a:ext cx="0" cy="0"/>
+          <a:chOff x="0" y="0"/>
+          <a:chExt cx="0" cy="0"/>
+        </a:xfrm>
+      </p:grpSpPr>
+      <p:pic>
+        <p:nvPicPr>
+          <p:cNvPr id="20483" name="Picture 3"/>
+          <p:cNvPicPr>
+            <a:picLocks noChangeAspect="1" noChangeArrowheads="1"/>
+          </p:cNvPicPr>
+          <p:nvPr/>
+        </p:nvPicPr>
+        <p:blipFill>
+          <a:blip r:embed="rId2" cstate="print"/>
+          <a:srcRect/>
+          <a:stretch>
+            <a:fillRect/>
+          </a:stretch>
+        </p:blipFill>
+        <p:spPr bwMode="auto">
+          <a:xfrm>
+            <a:off x="3125042" y="917905"/>
+            <a:ext cx="6988003" cy="5742384"/>
+          </a:xfrm>
+          <a:prstGeom prst="rect">
+            <a:avLst/>
+          </a:prstGeom>
+          <a:noFill/>
+          <a:ln w="9525">
+            <a:noFill/>
+            <a:miter lim="800000"/>
+            <a:headEnd/>
+            <a:tailEnd/>
+          </a:ln>
+        </p:spPr>
+      </p:pic>
+      <p:sp>
+        <p:nvSpPr>
+          <p:cNvPr id="6" name="Title 1">
+            <a:extLst>
+              <a:ext uri="{FF2B5EF4-FFF2-40B4-BE49-F238E27FC236}">
+                <a16:creationId xmlns:a16="http://schemas.microsoft.com/office/drawing/2014/main" xmlns="" id="{3FE3D8BE-F8DD-087C-1839-CDD4F975E237}"/>
+              </a:ext>
+            </a:extLst>
+          </p:cNvPr>
+          <p:cNvSpPr>
+            <a:spLocks noGrp="1"/>
+          </p:cNvSpPr>
+          <p:nvPr>
+            <p:ph type="title"/>
+          </p:nvPr>
+        </p:nvSpPr>
+        <p:spPr>
+          <a:xfrm>
+            <a:off x="63500" y="60326"/>
+            <a:ext cx="10515600" cy="660734"/>
+          </a:xfrm>
+        </p:spPr>
+        <p:txBody>
+          <a:bodyPr>
+            <a:normAutofit fontScale="90000"/>
+          </a:bodyPr>
+          <a:lstStyle/>
+          <a:p>
+            <a:r>
+              <a:rPr lang="en-US" dirty="0" smtClean="0">
+                <a:solidFill>
+                  <a:srgbClr val="FF0000"/>
+                </a:solidFill>
+              </a:rPr>
+              <a:t>Jarvis- </a:t>
+            </a:r>
+            <a:r>
+              <a:rPr lang="en-US" dirty="0" smtClean="0">
+                <a:solidFill>
+                  <a:srgbClr val="FF0000"/>
+                </a:solidFill>
+              </a:rPr>
+              <a:t>Control and Data flow</a:t>
+            </a:r>
+            <a:endParaRPr lang="en-US" dirty="0">
+              <a:solidFill>
+                <a:srgbClr val="FF0000"/>
+              </a:solidFill>
+            </a:endParaRPr>
+          </a:p>
+        </p:txBody>
+      </p:sp>
+    </p:spTree>
+    <p:extLst>
+      <p:ext uri="{BB962C8B-B14F-4D97-AF65-F5344CB8AC3E}">
+        <p14:creationId xmlns:p14="http://schemas.microsoft.com/office/powerpoint/2010/main" xmlns="" val="3961496340"/>
       </p:ext>
     </p:extLst>
   </p:cSld>
@@ -4737,7 +8017,7 @@
           <p:cNvPr id="136" name="Title 1">
             <a:extLst>
               <a:ext uri="{FF2B5EF4-FFF2-40B4-BE49-F238E27FC236}">
-                <a16:creationId xmlns="" xmlns:a16="http://schemas.microsoft.com/office/drawing/2014/main" id="{3FE3D8BE-F8DD-087C-1839-CDD4F975E237}"/>
+                <a16:creationId xmlns:a16="http://schemas.microsoft.com/office/drawing/2014/main" xmlns="" id="{3FE3D8BE-F8DD-087C-1839-CDD4F975E237}"/>
               </a:ext>
             </a:extLst>
           </p:cNvPr>
@@ -4761,11 +8041,19 @@
           <a:lstStyle/>
           <a:p>
             <a:r>
-              <a:rPr lang="en-US" dirty="0" smtClean="0"/>
+              <a:rPr lang="en-US" dirty="0" smtClean="0">
+                <a:solidFill>
+                  <a:srgbClr val="FF0000"/>
+                </a:solidFill>
+              </a:rPr>
               <a:t>Jarvis- </a:t>
             </a:r>
             <a:r>
-              <a:rPr lang="en-US" dirty="0"/>
+              <a:rPr lang="en-US" dirty="0">
+                <a:solidFill>
+                  <a:srgbClr val="FF0000"/>
+                </a:solidFill>
+              </a:rPr>
               <a:t>Architecture</a:t>
             </a:r>
           </a:p>
@@ -4773,7 +8061,7 @@
       </p:sp>
       <p:pic>
         <p:nvPicPr>
-          <p:cNvPr id="26625" name="Picture 1" descr="C:\Users\Mahesh\Downloads\WhatsApp Image 2025-03-25 at 11.41.02 PM.jpeg"/>
+          <p:cNvPr id="4100" name="Picture 4" descr="C:\Users\Mahesh\Downloads\jarvisArc-Jarvis_main (1).jpg"/>
           <p:cNvPicPr>
             <a:picLocks noChangeAspect="1" noChangeArrowheads="1"/>
           </p:cNvPicPr>
@@ -4788,8 +8076,8 @@
         </p:blipFill>
         <p:spPr bwMode="auto">
           <a:xfrm>
-            <a:off x="1396999" y="647701"/>
-            <a:ext cx="9761704" cy="6146800"/>
+            <a:off x="1396725" y="586035"/>
+            <a:ext cx="9355015" cy="6196908"/>
           </a:xfrm>
           <a:prstGeom prst="rect">
             <a:avLst/>
@@ -4797,10 +8085,46 @@
           <a:noFill/>
         </p:spPr>
       </p:pic>
+      <p:pic>
+        <p:nvPicPr>
+          <p:cNvPr id="4101" name="Picture 5"/>
+          <p:cNvPicPr>
+            <a:picLocks noChangeAspect="1" noChangeArrowheads="1"/>
+          </p:cNvPicPr>
+          <p:nvPr/>
+        </p:nvPicPr>
+        <p:blipFill>
+          <a:blip r:embed="rId3" cstate="print"/>
+          <a:srcRect/>
+          <a:stretch>
+            <a:fillRect/>
+          </a:stretch>
+        </p:blipFill>
+        <p:spPr bwMode="auto">
+          <a:xfrm>
+            <a:off x="9573474" y="5153701"/>
+            <a:ext cx="1264359" cy="593955"/>
+          </a:xfrm>
+          <a:prstGeom prst="rect">
+            <a:avLst/>
+          </a:prstGeom>
+          <a:noFill/>
+          <a:ln w="9525">
+            <a:solidFill>
+              <a:schemeClr val="accent1">
+                <a:shade val="50000"/>
+              </a:schemeClr>
+            </a:solidFill>
+            <a:miter lim="800000"/>
+            <a:headEnd/>
+            <a:tailEnd/>
+          </a:ln>
+        </p:spPr>
+      </p:pic>
     </p:spTree>
     <p:extLst>
       <p:ext uri="{BB962C8B-B14F-4D97-AF65-F5344CB8AC3E}">
-        <p14:creationId xmlns="" xmlns:p14="http://schemas.microsoft.com/office/powerpoint/2010/main" val="3928614693"/>
+        <p14:creationId xmlns:p14="http://schemas.microsoft.com/office/powerpoint/2010/main" xmlns="" val="3928614693"/>
       </p:ext>
     </p:extLst>
   </p:cSld>
@@ -4842,8 +8166,8 @@
         </p:nvSpPr>
         <p:spPr>
           <a:xfrm>
-            <a:off x="104775" y="762001"/>
-            <a:ext cx="6353175" cy="1247774"/>
+            <a:off x="114823" y="1254353"/>
+            <a:ext cx="6353175" cy="1046702"/>
           </a:xfrm>
           <a:prstGeom prst="rect">
             <a:avLst/>
@@ -4890,7 +8214,7 @@
           <p:cNvPr id="4" name="Title 1">
             <a:extLst>
               <a:ext uri="{FF2B5EF4-FFF2-40B4-BE49-F238E27FC236}">
-                <a16:creationId xmlns="" xmlns:a16="http://schemas.microsoft.com/office/drawing/2014/main" id="{5C678135-7BF8-C549-D0A9-04663429EE21}"/>
+                <a16:creationId xmlns:a16="http://schemas.microsoft.com/office/drawing/2014/main" xmlns="" id="{5C678135-7BF8-C549-D0A9-04663429EE21}"/>
               </a:ext>
             </a:extLst>
           </p:cNvPr>
@@ -4933,11 +8257,19 @@
           </a:lstStyle>
           <a:p>
             <a:r>
-              <a:rPr lang="en-US" dirty="0" smtClean="0"/>
+              <a:rPr lang="en-US" dirty="0" smtClean="0">
+                <a:solidFill>
+                  <a:srgbClr val="FF0000"/>
+                </a:solidFill>
+              </a:rPr>
               <a:t>“Jarvis” </a:t>
             </a:r>
             <a:r>
-              <a:rPr lang="en-US" dirty="0"/>
+              <a:rPr lang="en-US" dirty="0">
+                <a:solidFill>
+                  <a:srgbClr val="FF0000"/>
+                </a:solidFill>
+              </a:rPr>
               <a:t>summary</a:t>
             </a:r>
           </a:p>
@@ -4951,8 +8283,8 @@
         </p:nvSpPr>
         <p:spPr>
           <a:xfrm>
-            <a:off x="142874" y="771525"/>
-            <a:ext cx="6124575" cy="1261884"/>
+            <a:off x="162970" y="1253809"/>
+            <a:ext cx="6124575" cy="1015663"/>
           </a:xfrm>
           <a:prstGeom prst="rect">
             <a:avLst/>
@@ -4974,11 +8306,6 @@
             </a:r>
           </a:p>
           <a:p>
-            <a:pPr>
-              <a:lnSpc>
-                <a:spcPct val="150000"/>
-              </a:lnSpc>
-            </a:pPr>
             <a:r>
               <a:rPr lang="en-IN" sz="1600" i="1" dirty="0" smtClean="0">
                 <a:ea typeface="+mj-ea"/>
@@ -4997,8 +8324,8 @@
         </p:nvSpPr>
         <p:spPr>
           <a:xfrm>
-            <a:off x="114300" y="2124075"/>
-            <a:ext cx="6334125" cy="4114799"/>
+            <a:off x="144445" y="2435598"/>
+            <a:ext cx="6334125" cy="3573336"/>
           </a:xfrm>
           <a:prstGeom prst="rect">
             <a:avLst/>
@@ -5048,8 +8375,8 @@
         </p:nvSpPr>
         <p:spPr>
           <a:xfrm>
-            <a:off x="6543676" y="762000"/>
-            <a:ext cx="5524500" cy="4571999"/>
+            <a:off x="6543676" y="1254352"/>
+            <a:ext cx="5524500" cy="4774659"/>
           </a:xfrm>
           <a:prstGeom prst="rect">
             <a:avLst/>
@@ -5099,8 +8426,8 @@
         </p:nvSpPr>
         <p:spPr>
           <a:xfrm>
-            <a:off x="6581775" y="809625"/>
-            <a:ext cx="5391150" cy="6924973"/>
+            <a:off x="6581775" y="1171353"/>
+            <a:ext cx="5391150" cy="4678204"/>
           </a:xfrm>
           <a:prstGeom prst="rect">
             <a:avLst/>
@@ -5113,12 +8440,184 @@
           </a:bodyPr>
           <a:lstStyle/>
           <a:p>
+            <a:pPr>
+              <a:lnSpc>
+                <a:spcPct val="150000"/>
+              </a:lnSpc>
+            </a:pPr>
             <a:r>
               <a:rPr lang="en-IN" sz="2800" b="1" i="1" dirty="0" smtClean="0">
                 <a:ea typeface="+mj-ea"/>
                 <a:cs typeface="+mj-cs"/>
               </a:rPr>
               <a:t>Novelty:</a:t>
+            </a:r>
+          </a:p>
+          <a:p>
+            <a:pPr>
+              <a:buFont typeface="Wingdings" pitchFamily="2" charset="2"/>
+              <a:buChar char="ü"/>
+            </a:pPr>
+            <a:r>
+              <a:rPr lang="en-IN" sz="1600" b="1" i="1" dirty="0" smtClean="0"/>
+              <a:t>Self-healing and automated incident resolution</a:t>
+            </a:r>
+            <a:r>
+              <a:rPr lang="en-IN" sz="1600" i="1" dirty="0" smtClean="0"/>
+              <a:t> in </a:t>
+            </a:r>
+            <a:r>
+              <a:rPr lang="en-IN" sz="1600" i="1" dirty="0" err="1" smtClean="0"/>
+              <a:t>ServiceNow</a:t>
+            </a:r>
+            <a:r>
+              <a:rPr lang="en-IN" sz="1600" i="1" dirty="0" smtClean="0"/>
+              <a:t> using </a:t>
+            </a:r>
+            <a:r>
+              <a:rPr lang="en-IN" sz="1600" i="1" dirty="0" err="1" smtClean="0"/>
+              <a:t>GenAI</a:t>
+            </a:r>
+            <a:r>
+              <a:rPr lang="en-IN" sz="1600" i="1" dirty="0" smtClean="0"/>
+              <a:t>-driven workflows.</a:t>
+            </a:r>
+          </a:p>
+          <a:p>
+            <a:pPr>
+              <a:buFont typeface="Wingdings" pitchFamily="2" charset="2"/>
+              <a:buChar char="ü"/>
+            </a:pPr>
+            <a:r>
+              <a:rPr lang="en-IN" sz="1600" b="1" i="1" dirty="0" smtClean="0"/>
+              <a:t>Real-time data synchronization</a:t>
+            </a:r>
+            <a:r>
+              <a:rPr lang="en-IN" sz="1600" i="1" dirty="0" smtClean="0"/>
+              <a:t> for new incidents and data source updates into a vector database.</a:t>
+            </a:r>
+          </a:p>
+          <a:p>
+            <a:pPr>
+              <a:buFont typeface="Wingdings" pitchFamily="2" charset="2"/>
+              <a:buChar char="ü"/>
+            </a:pPr>
+            <a:r>
+              <a:rPr lang="en-IN" sz="1600" b="1" i="1" dirty="0" smtClean="0"/>
+              <a:t>Configurable workflows</a:t>
+            </a:r>
+            <a:r>
+              <a:rPr lang="en-IN" sz="1600" i="1" dirty="0" smtClean="0"/>
+              <a:t> for RAG-based retrieval and data synchronization.</a:t>
+            </a:r>
+          </a:p>
+          <a:p>
+            <a:pPr>
+              <a:buFont typeface="Wingdings" pitchFamily="2" charset="2"/>
+              <a:buChar char="ü"/>
+            </a:pPr>
+            <a:r>
+              <a:rPr lang="en-IN" sz="1600" b="1" i="1" dirty="0" smtClean="0"/>
+              <a:t>Multi-agent orchestration</a:t>
+            </a:r>
+            <a:r>
+              <a:rPr lang="en-IN" sz="1600" i="1" dirty="0" smtClean="0"/>
+              <a:t> to streamline task delegation and execution.</a:t>
+            </a:r>
+          </a:p>
+          <a:p>
+            <a:pPr>
+              <a:buFont typeface="Wingdings" pitchFamily="2" charset="2"/>
+              <a:buChar char="ü"/>
+            </a:pPr>
+            <a:r>
+              <a:rPr lang="en-IN" sz="1600" b="1" i="1" dirty="0" smtClean="0"/>
+              <a:t>Application and dependency health dashboard</a:t>
+            </a:r>
+            <a:r>
+              <a:rPr lang="en-IN" sz="1600" i="1" dirty="0" smtClean="0"/>
+              <a:t> for enhanced monitoring.</a:t>
+            </a:r>
+          </a:p>
+          <a:p>
+            <a:pPr>
+              <a:buFont typeface="Wingdings" pitchFamily="2" charset="2"/>
+              <a:buChar char="ü"/>
+            </a:pPr>
+            <a:r>
+              <a:rPr lang="en-IN" sz="1600" b="1" i="1" dirty="0" smtClean="0"/>
+              <a:t>Portfolio health view</a:t>
+            </a:r>
+            <a:r>
+              <a:rPr lang="en-IN" sz="1600" i="1" dirty="0" smtClean="0"/>
+              <a:t> tailored for managers and leadership teams.</a:t>
+            </a:r>
+          </a:p>
+          <a:p>
+            <a:pPr>
+              <a:buFont typeface="Wingdings" pitchFamily="2" charset="2"/>
+              <a:buChar char="ü"/>
+            </a:pPr>
+            <a:r>
+              <a:rPr lang="en-IN" sz="1600" b="1" i="1" dirty="0" smtClean="0"/>
+              <a:t>Comprehensive platform metrics</a:t>
+            </a:r>
+            <a:r>
+              <a:rPr lang="en-IN" sz="1600" i="1" dirty="0" smtClean="0"/>
+              <a:t> to track key capabilities and performance.</a:t>
+            </a:r>
+          </a:p>
+          <a:p>
+            <a:pPr>
+              <a:buFont typeface="Wingdings" pitchFamily="2" charset="2"/>
+              <a:buChar char="ü"/>
+            </a:pPr>
+            <a:r>
+              <a:rPr lang="en-IN" sz="1600" b="1" i="1" dirty="0" smtClean="0"/>
+              <a:t>Integrated, customizable toolkit</a:t>
+            </a:r>
+            <a:r>
+              <a:rPr lang="en-IN" sz="1600" i="1" dirty="0" smtClean="0"/>
+              <a:t> (e.g., Docker) with framework-supported workflows</a:t>
+            </a:r>
+            <a:r>
+              <a:rPr lang="en-IN" sz="1600" i="1" dirty="0" smtClean="0"/>
+              <a:t>.</a:t>
+            </a:r>
+            <a:endParaRPr lang="en-IN" sz="1600" i="1" dirty="0" smtClean="0"/>
+          </a:p>
+        </p:txBody>
+      </p:sp>
+      <p:sp>
+        <p:nvSpPr>
+          <p:cNvPr id="33" name="TextBox 32"/>
+          <p:cNvSpPr txBox="1"/>
+          <p:nvPr/>
+        </p:nvSpPr>
+        <p:spPr>
+          <a:xfrm>
+            <a:off x="160636" y="2260872"/>
+            <a:ext cx="6310504" cy="3754874"/>
+          </a:xfrm>
+          <a:prstGeom prst="rect">
+            <a:avLst/>
+          </a:prstGeom>
+          <a:noFill/>
+        </p:spPr>
+        <p:txBody>
+          <a:bodyPr wrap="square" rtlCol="0">
+            <a:spAutoFit/>
+          </a:bodyPr>
+          <a:lstStyle/>
+          <a:p>
+            <a:pPr>
+              <a:lnSpc>
+                <a:spcPct val="150000"/>
+              </a:lnSpc>
+            </a:pPr>
+            <a:r>
+              <a:rPr lang="en-IN" sz="2400" b="1" i="1" dirty="0" smtClean="0"/>
+              <a:t>Solution:</a:t>
             </a:r>
           </a:p>
           <a:p>
@@ -5130,472 +8629,262 @@
               <a:buChar char="ü"/>
             </a:pPr>
             <a:r>
-              <a:rPr lang="en-IN" sz="1600" b="1" i="1" dirty="0" smtClean="0"/>
-              <a:t>Self</a:t>
-            </a:r>
-            <a:r>
-              <a:rPr lang="en-IN" sz="1600" i="1" dirty="0" smtClean="0"/>
-              <a:t> </a:t>
-            </a:r>
-            <a:r>
-              <a:rPr lang="en-IN" sz="1600" b="1" i="1" dirty="0" smtClean="0"/>
-              <a:t>healing</a:t>
-            </a:r>
-            <a:r>
-              <a:rPr lang="en-IN" sz="1600" i="1" dirty="0" smtClean="0"/>
-              <a:t> </a:t>
-            </a:r>
-            <a:r>
-              <a:rPr lang="en-IN" sz="1600" i="1" dirty="0" smtClean="0"/>
-              <a:t>and </a:t>
-            </a:r>
-            <a:r>
-              <a:rPr lang="en-IN" sz="1600" b="1" i="1" dirty="0" smtClean="0"/>
-              <a:t>auto updates in </a:t>
-            </a:r>
-            <a:r>
-              <a:rPr lang="en-IN" sz="1600" b="1" i="1" dirty="0" err="1" smtClean="0"/>
-              <a:t>Servicenow</a:t>
-            </a:r>
-            <a:r>
-              <a:rPr lang="en-IN" sz="1600" i="1" dirty="0" smtClean="0"/>
-              <a:t> with </a:t>
-            </a:r>
-            <a:r>
-              <a:rPr lang="en-IN" sz="1600" i="1" dirty="0" err="1" smtClean="0"/>
+              <a:rPr lang="en-IN" sz="1600" b="1" i="1" dirty="0" err="1" smtClean="0">
+                <a:ea typeface="+mj-ea"/>
+                <a:cs typeface="+mj-cs"/>
+              </a:rPr>
               <a:t>GenAI</a:t>
             </a:r>
             <a:r>
-              <a:rPr lang="en-IN" sz="1600" i="1" dirty="0" smtClean="0"/>
-              <a:t> automated Incident </a:t>
-            </a:r>
-            <a:r>
-              <a:rPr lang="en-IN" sz="1600" i="1" dirty="0" smtClean="0"/>
-              <a:t>resolution workflow</a:t>
-            </a:r>
-            <a:endParaRPr lang="en-IN" sz="1600" i="1" dirty="0" smtClean="0"/>
-          </a:p>
-          <a:p>
-            <a:pPr>
-              <a:lnSpc>
-                <a:spcPct val="150000"/>
-              </a:lnSpc>
-              <a:buFont typeface="Wingdings" pitchFamily="2" charset="2"/>
-              <a:buChar char="ü"/>
-            </a:pPr>
-            <a:r>
-              <a:rPr lang="en-IN" sz="1600" b="1" i="1" dirty="0" smtClean="0"/>
-              <a:t>Real time data sync </a:t>
-            </a:r>
-            <a:r>
-              <a:rPr lang="en-IN" sz="1600" i="1" dirty="0" smtClean="0"/>
-              <a:t>of new Incidents and data source updates to Vector database</a:t>
-            </a:r>
-          </a:p>
-          <a:p>
-            <a:pPr>
-              <a:lnSpc>
-                <a:spcPct val="150000"/>
-              </a:lnSpc>
-              <a:buFont typeface="Wingdings" pitchFamily="2" charset="2"/>
-              <a:buChar char="ü"/>
-            </a:pPr>
-            <a:r>
-              <a:rPr lang="en-IN" sz="1600" b="1" i="1" dirty="0" smtClean="0"/>
-              <a:t>Configurable</a:t>
-            </a:r>
-            <a:r>
-              <a:rPr lang="en-IN" sz="1600" i="1" dirty="0" smtClean="0"/>
-              <a:t> workflows for RAG and </a:t>
-            </a:r>
-            <a:r>
-              <a:rPr lang="en-IN" sz="1600" i="1" dirty="0" err="1" smtClean="0"/>
-              <a:t>datasync</a:t>
-            </a:r>
-            <a:endParaRPr lang="en-IN" sz="1600" i="1" dirty="0" smtClean="0"/>
-          </a:p>
-          <a:p>
-            <a:pPr>
-              <a:lnSpc>
-                <a:spcPct val="150000"/>
-              </a:lnSpc>
-              <a:buFont typeface="Wingdings" pitchFamily="2" charset="2"/>
-              <a:buChar char="ü"/>
-            </a:pPr>
-            <a:r>
-              <a:rPr lang="en-IN" sz="1600" b="1" i="1" dirty="0" smtClean="0"/>
-              <a:t>Multi agent </a:t>
-            </a:r>
-            <a:r>
-              <a:rPr lang="en-IN" sz="1600" i="1" dirty="0" smtClean="0"/>
-              <a:t>orchestration to segregate </a:t>
-            </a:r>
-            <a:r>
-              <a:rPr lang="en-IN" sz="1600" i="1" dirty="0" smtClean="0"/>
-              <a:t>responsibilities</a:t>
-            </a:r>
-          </a:p>
-          <a:p>
-            <a:pPr>
-              <a:lnSpc>
-                <a:spcPct val="150000"/>
-              </a:lnSpc>
-              <a:buFont typeface="Wingdings" pitchFamily="2" charset="2"/>
-              <a:buChar char="ü"/>
-            </a:pPr>
-            <a:r>
-              <a:rPr lang="en-IN" sz="1600" i="1" dirty="0" smtClean="0"/>
-              <a:t>Application and </a:t>
-            </a:r>
-            <a:r>
-              <a:rPr lang="en-IN" sz="1600" b="1" i="1" dirty="0" smtClean="0"/>
-              <a:t>dependency</a:t>
-            </a:r>
-            <a:r>
-              <a:rPr lang="en-IN" sz="1600" i="1" dirty="0" smtClean="0"/>
-              <a:t> </a:t>
-            </a:r>
-            <a:r>
-              <a:rPr lang="en-IN" sz="1600" b="1" i="1" dirty="0" smtClean="0"/>
-              <a:t>health</a:t>
-            </a:r>
-            <a:r>
-              <a:rPr lang="en-IN" sz="1600" i="1" dirty="0" smtClean="0"/>
-              <a:t> dashboard </a:t>
-            </a:r>
-          </a:p>
-          <a:p>
-            <a:pPr>
-              <a:lnSpc>
-                <a:spcPct val="150000"/>
-              </a:lnSpc>
-              <a:buFont typeface="Wingdings" pitchFamily="2" charset="2"/>
-              <a:buChar char="ü"/>
-            </a:pPr>
-            <a:r>
-              <a:rPr lang="en-IN" sz="1600" b="1" i="1" dirty="0" smtClean="0"/>
-              <a:t>Portfolio health view</a:t>
-            </a:r>
-            <a:r>
-              <a:rPr lang="en-IN" sz="1600" i="1" dirty="0" smtClean="0"/>
-              <a:t> for managers and </a:t>
-            </a:r>
-            <a:r>
-              <a:rPr lang="en-IN" sz="1600" i="1" dirty="0" smtClean="0"/>
-              <a:t>Leadership</a:t>
-            </a:r>
-          </a:p>
-          <a:p>
-            <a:pPr>
-              <a:lnSpc>
-                <a:spcPct val="150000"/>
-              </a:lnSpc>
-              <a:buFont typeface="Wingdings" pitchFamily="2" charset="2"/>
-              <a:buChar char="ü"/>
-            </a:pPr>
-            <a:r>
-              <a:rPr lang="en-IN" sz="1600" i="1" dirty="0" smtClean="0"/>
-              <a:t>Metrics around the Platform capabilities</a:t>
-            </a:r>
-          </a:p>
-          <a:p>
-            <a:pPr>
-              <a:lnSpc>
-                <a:spcPct val="150000"/>
-              </a:lnSpc>
-              <a:buFont typeface="Wingdings" pitchFamily="2" charset="2"/>
-              <a:buChar char="ü"/>
-            </a:pPr>
-            <a:r>
-              <a:rPr lang="en-IN" sz="1600" i="1" dirty="0" smtClean="0"/>
-              <a:t>Integrated </a:t>
-            </a:r>
-            <a:r>
-              <a:rPr lang="en-IN" sz="1600" b="1" i="1" dirty="0" smtClean="0"/>
-              <a:t>customized</a:t>
-            </a:r>
-            <a:r>
-              <a:rPr lang="en-IN" sz="1600" i="1" dirty="0" smtClean="0"/>
-              <a:t> toolkit(</a:t>
-            </a:r>
-            <a:r>
-              <a:rPr lang="en-IN" sz="1600" i="1" dirty="0" err="1" smtClean="0"/>
-              <a:t>eg</a:t>
-            </a:r>
-            <a:r>
-              <a:rPr lang="en-IN" sz="1600" i="1" dirty="0" smtClean="0"/>
-              <a:t> : Docker) with framework supported workflows</a:t>
-            </a:r>
-          </a:p>
-          <a:p>
-            <a:pPr>
-              <a:lnSpc>
-                <a:spcPct val="150000"/>
-              </a:lnSpc>
-              <a:buFont typeface="Wingdings" pitchFamily="2" charset="2"/>
-              <a:buChar char="ü"/>
-            </a:pPr>
-            <a:endParaRPr lang="en-IN" sz="1600" i="1" dirty="0" smtClean="0"/>
-          </a:p>
-          <a:p>
-            <a:pPr>
-              <a:lnSpc>
-                <a:spcPct val="150000"/>
-              </a:lnSpc>
-              <a:buFont typeface="Wingdings" pitchFamily="2" charset="2"/>
-              <a:buChar char="ü"/>
-            </a:pPr>
-            <a:endParaRPr lang="en-IN" sz="1600" i="1" dirty="0" smtClean="0"/>
-          </a:p>
-          <a:p>
-            <a:pPr>
-              <a:lnSpc>
-                <a:spcPct val="150000"/>
-              </a:lnSpc>
-              <a:buFont typeface="Wingdings" pitchFamily="2" charset="2"/>
-              <a:buChar char="ü"/>
-            </a:pPr>
-            <a:endParaRPr lang="en-IN" sz="1600" i="1" dirty="0" smtClean="0"/>
+              <a:rPr lang="en-IN" sz="1600" b="1" i="1" dirty="0" smtClean="0">
+                <a:ea typeface="+mj-ea"/>
+                <a:cs typeface="+mj-cs"/>
+              </a:rPr>
+              <a:t>-powered</a:t>
+            </a:r>
+            <a:r>
+              <a:rPr lang="en-IN" sz="1600" i="1" dirty="0" smtClean="0">
+                <a:ea typeface="+mj-ea"/>
+                <a:cs typeface="+mj-cs"/>
+              </a:rPr>
+              <a:t> workflows to enhance key platform capabilities</a:t>
+            </a:r>
+            <a:r>
+              <a:rPr lang="en-IN" sz="1600" i="1" dirty="0" smtClean="0">
+                <a:ea typeface="+mj-ea"/>
+                <a:cs typeface="+mj-cs"/>
+              </a:rPr>
+              <a:t>.</a:t>
+            </a:r>
+            <a:endParaRPr lang="en-IN" sz="1600" i="1" dirty="0" smtClean="0">
+              <a:ea typeface="+mj-ea"/>
+              <a:cs typeface="+mj-cs"/>
+            </a:endParaRPr>
           </a:p>
           <a:p>
             <a:pPr>
               <a:buFont typeface="Wingdings" pitchFamily="2" charset="2"/>
               <a:buChar char="ü"/>
             </a:pPr>
-            <a:endParaRPr lang="en-IN" sz="2000" i="1" dirty="0" smtClean="0">
-              <a:ea typeface="+mj-ea"/>
-              <a:cs typeface="+mj-cs"/>
-            </a:endParaRPr>
+            <a:r>
+              <a:rPr lang="en-IN" sz="1600" b="1" i="1" dirty="0" err="1" smtClean="0">
+                <a:ea typeface="+mj-ea"/>
+                <a:cs typeface="+mj-cs"/>
+              </a:rPr>
+              <a:t>Webhook</a:t>
+            </a:r>
+            <a:r>
+              <a:rPr lang="en-IN" sz="1600" b="1" i="1" dirty="0" smtClean="0">
+                <a:ea typeface="+mj-ea"/>
+                <a:cs typeface="+mj-cs"/>
+              </a:rPr>
+              <a:t> integration </a:t>
+            </a:r>
+            <a:r>
+              <a:rPr lang="en-IN" sz="1600" i="1" dirty="0" smtClean="0">
+                <a:ea typeface="+mj-ea"/>
+                <a:cs typeface="+mj-cs"/>
+              </a:rPr>
+              <a:t>with </a:t>
+            </a:r>
+            <a:r>
+              <a:rPr lang="en-IN" sz="1600" i="1" dirty="0" err="1" smtClean="0">
+                <a:ea typeface="+mj-ea"/>
+                <a:cs typeface="+mj-cs"/>
+              </a:rPr>
+              <a:t>ServiceNow</a:t>
+            </a:r>
+            <a:r>
+              <a:rPr lang="en-IN" sz="1600" i="1" dirty="0" smtClean="0">
+                <a:ea typeface="+mj-ea"/>
+                <a:cs typeface="+mj-cs"/>
+              </a:rPr>
+              <a:t> to trigger </a:t>
+            </a:r>
+            <a:r>
+              <a:rPr lang="en-IN" sz="1600" i="1" dirty="0" err="1" smtClean="0">
+                <a:ea typeface="+mj-ea"/>
+                <a:cs typeface="+mj-cs"/>
+              </a:rPr>
+              <a:t>GenAI</a:t>
+            </a:r>
+            <a:r>
+              <a:rPr lang="en-IN" sz="1600" i="1" dirty="0" smtClean="0">
+                <a:ea typeface="+mj-ea"/>
+                <a:cs typeface="+mj-cs"/>
+              </a:rPr>
+              <a:t> workflows for proactive recommendations, RCA summaries, and resolutions.</a:t>
+            </a:r>
           </a:p>
           <a:p>
             <a:pPr>
               <a:buFont typeface="Wingdings" pitchFamily="2" charset="2"/>
               <a:buChar char="ü"/>
             </a:pPr>
-            <a:endParaRPr lang="en-IN" sz="2000" i="1" dirty="0" smtClean="0">
-              <a:ea typeface="+mj-ea"/>
-              <a:cs typeface="+mj-cs"/>
-            </a:endParaRPr>
+            <a:r>
+              <a:rPr lang="en-IN" sz="1600" b="1" i="1" dirty="0" smtClean="0">
+                <a:ea typeface="+mj-ea"/>
+                <a:cs typeface="+mj-cs"/>
+              </a:rPr>
+              <a:t>User-friendly UI with an AI-powered </a:t>
+            </a:r>
+            <a:r>
+              <a:rPr lang="en-IN" sz="1600" b="1" i="1" dirty="0" err="1" smtClean="0">
+                <a:ea typeface="+mj-ea"/>
+                <a:cs typeface="+mj-cs"/>
+              </a:rPr>
+              <a:t>chatbot</a:t>
+            </a:r>
+            <a:r>
+              <a:rPr lang="en-IN" sz="1600" i="1" dirty="0" smtClean="0">
+                <a:ea typeface="+mj-ea"/>
+                <a:cs typeface="+mj-cs"/>
+              </a:rPr>
+              <a:t>, offering incident management, triaging, and resolution capabilities, along with additional features to streamline daily operations..</a:t>
+            </a:r>
           </a:p>
           <a:p>
             <a:pPr>
               <a:buFont typeface="Wingdings" pitchFamily="2" charset="2"/>
               <a:buChar char="ü"/>
             </a:pPr>
-            <a:endParaRPr lang="en-IN" sz="2000" i="1" dirty="0" smtClean="0">
-              <a:ea typeface="+mj-ea"/>
-              <a:cs typeface="+mj-cs"/>
-            </a:endParaRPr>
-          </a:p>
-          <a:p>
-            <a:endParaRPr lang="en-IN" sz="2000" i="1" dirty="0" smtClean="0">
-              <a:ea typeface="+mj-ea"/>
-              <a:cs typeface="+mj-cs"/>
-            </a:endParaRPr>
-          </a:p>
-        </p:txBody>
-      </p:sp>
-      <p:sp>
-        <p:nvSpPr>
-          <p:cNvPr id="33" name="TextBox 32"/>
-          <p:cNvSpPr txBox="1"/>
-          <p:nvPr/>
-        </p:nvSpPr>
-        <p:spPr>
-          <a:xfrm>
-            <a:off x="150586" y="2125435"/>
-            <a:ext cx="6168571" cy="4062651"/>
-          </a:xfrm>
-          <a:prstGeom prst="rect">
-            <a:avLst/>
-          </a:prstGeom>
-          <a:noFill/>
-        </p:spPr>
-        <p:txBody>
-          <a:bodyPr wrap="square" rtlCol="0">
-            <a:spAutoFit/>
-          </a:bodyPr>
-          <a:lstStyle/>
-          <a:p>
-            <a:r>
-              <a:rPr lang="en-IN" sz="2400" b="1" i="1" dirty="0" smtClean="0"/>
-              <a:t>Solution:</a:t>
+            <a:r>
+              <a:rPr lang="en-IN" sz="1600" b="1" i="1" dirty="0" smtClean="0">
+                <a:ea typeface="+mj-ea"/>
+                <a:cs typeface="+mj-cs"/>
+              </a:rPr>
+              <a:t>Seamless</a:t>
+            </a:r>
+            <a:r>
+              <a:rPr lang="en-IN" sz="1600" i="1" dirty="0" smtClean="0">
+                <a:ea typeface="+mj-ea"/>
+                <a:cs typeface="+mj-cs"/>
+              </a:rPr>
+              <a:t> </a:t>
+            </a:r>
+            <a:r>
+              <a:rPr lang="en-IN" sz="1600" b="1" i="1" dirty="0" smtClean="0">
+                <a:ea typeface="+mj-ea"/>
+                <a:cs typeface="+mj-cs"/>
+              </a:rPr>
+              <a:t>data</a:t>
+            </a:r>
+            <a:r>
+              <a:rPr lang="en-IN" sz="1600" i="1" dirty="0" smtClean="0">
+                <a:ea typeface="+mj-ea"/>
+                <a:cs typeface="+mj-cs"/>
+              </a:rPr>
+              <a:t> </a:t>
+            </a:r>
+            <a:r>
+              <a:rPr lang="en-IN" sz="1600" b="1" i="1" dirty="0" smtClean="0">
+                <a:ea typeface="+mj-ea"/>
+                <a:cs typeface="+mj-cs"/>
+              </a:rPr>
+              <a:t>integration</a:t>
+            </a:r>
+            <a:r>
+              <a:rPr lang="en-IN" sz="1600" i="1" dirty="0" smtClean="0">
+                <a:ea typeface="+mj-ea"/>
+                <a:cs typeface="+mj-cs"/>
+              </a:rPr>
+              <a:t> from enterprise tools like </a:t>
+            </a:r>
+            <a:r>
+              <a:rPr lang="en-IN" sz="1600" i="1" dirty="0" err="1" smtClean="0">
+                <a:ea typeface="+mj-ea"/>
+                <a:cs typeface="+mj-cs"/>
+              </a:rPr>
+              <a:t>ServiceNow</a:t>
+            </a:r>
+            <a:r>
+              <a:rPr lang="en-IN" sz="1600" i="1" dirty="0" smtClean="0">
+                <a:ea typeface="+mj-ea"/>
+                <a:cs typeface="+mj-cs"/>
+              </a:rPr>
+              <a:t>, </a:t>
+            </a:r>
+            <a:r>
+              <a:rPr lang="en-IN" sz="1600" i="1" dirty="0" err="1" smtClean="0">
+                <a:ea typeface="+mj-ea"/>
+                <a:cs typeface="+mj-cs"/>
+              </a:rPr>
+              <a:t>Grafana</a:t>
+            </a:r>
+            <a:r>
+              <a:rPr lang="en-IN" sz="1600" i="1" dirty="0" smtClean="0">
+                <a:ea typeface="+mj-ea"/>
+                <a:cs typeface="+mj-cs"/>
+              </a:rPr>
+              <a:t>, </a:t>
+            </a:r>
+            <a:r>
+              <a:rPr lang="en-IN" sz="1600" i="1" dirty="0" err="1" smtClean="0">
+                <a:ea typeface="+mj-ea"/>
+                <a:cs typeface="+mj-cs"/>
+              </a:rPr>
+              <a:t>Splunk</a:t>
+            </a:r>
+            <a:r>
+              <a:rPr lang="en-IN" sz="1600" i="1" dirty="0" smtClean="0">
+                <a:ea typeface="+mj-ea"/>
+                <a:cs typeface="+mj-cs"/>
+              </a:rPr>
+              <a:t>, and Confluence.</a:t>
             </a:r>
           </a:p>
           <a:p>
             <a:pPr>
-              <a:lnSpc>
-                <a:spcPct val="150000"/>
-              </a:lnSpc>
               <a:buFont typeface="Wingdings" pitchFamily="2" charset="2"/>
               <a:buChar char="ü"/>
             </a:pPr>
             <a:r>
-              <a:rPr lang="en-IN" sz="1600" i="1" dirty="0" err="1" smtClean="0"/>
-              <a:t>GenAI</a:t>
-            </a:r>
-            <a:r>
-              <a:rPr lang="en-IN" sz="1600" i="1" dirty="0" smtClean="0"/>
-              <a:t> </a:t>
-            </a:r>
-            <a:r>
-              <a:rPr lang="en-IN" sz="1600" b="1" i="1" dirty="0" smtClean="0"/>
-              <a:t>workflows</a:t>
-            </a:r>
-            <a:r>
-              <a:rPr lang="en-IN" sz="1600" i="1" dirty="0" smtClean="0"/>
-              <a:t> </a:t>
-            </a:r>
-            <a:r>
-              <a:rPr lang="en-IN" sz="1600" i="1" dirty="0" smtClean="0"/>
-              <a:t>for </a:t>
-            </a:r>
-            <a:r>
-              <a:rPr lang="en-IN" sz="1600" i="1" dirty="0" smtClean="0"/>
-              <a:t>key capabilities of platform</a:t>
-            </a:r>
-            <a:endParaRPr lang="en-IN" sz="1600" b="1" i="1" dirty="0" smtClean="0"/>
+              <a:rPr lang="en-IN" sz="1600" b="1" i="1" dirty="0" smtClean="0">
+                <a:ea typeface="+mj-ea"/>
+                <a:cs typeface="+mj-cs"/>
+              </a:rPr>
+              <a:t>MCP-enabled architecture </a:t>
+            </a:r>
+            <a:r>
+              <a:rPr lang="en-IN" sz="1600" i="1" dirty="0" smtClean="0">
+                <a:ea typeface="+mj-ea"/>
+                <a:cs typeface="+mj-cs"/>
+              </a:rPr>
+              <a:t>for efficient context management and smooth integrations.</a:t>
+            </a:r>
           </a:p>
           <a:p>
             <a:pPr>
-              <a:lnSpc>
-                <a:spcPct val="150000"/>
-              </a:lnSpc>
               <a:buFont typeface="Wingdings" pitchFamily="2" charset="2"/>
               <a:buChar char="ü"/>
             </a:pPr>
             <a:r>
-              <a:rPr lang="en-IN" sz="1600" b="1" i="1" dirty="0" err="1" smtClean="0"/>
-              <a:t>Webhook</a:t>
-            </a:r>
-            <a:r>
-              <a:rPr lang="en-IN" sz="1600" i="1" dirty="0" smtClean="0"/>
-              <a:t> at </a:t>
-            </a:r>
-            <a:r>
-              <a:rPr lang="en-IN" sz="1600" i="1" dirty="0" err="1" smtClean="0"/>
-              <a:t>ServiceNow</a:t>
-            </a:r>
-            <a:r>
-              <a:rPr lang="en-IN" sz="1600" i="1" dirty="0" smtClean="0"/>
-              <a:t> to trigger </a:t>
-            </a:r>
-            <a:r>
-              <a:rPr lang="en-IN" sz="1600" i="1" dirty="0" err="1" smtClean="0"/>
+              <a:rPr lang="en-IN" sz="1600" b="1" i="1" dirty="0" smtClean="0">
+                <a:ea typeface="+mj-ea"/>
+                <a:cs typeface="+mj-cs"/>
+              </a:rPr>
+              <a:t>APIs for easy integration </a:t>
+            </a:r>
+            <a:r>
+              <a:rPr lang="en-IN" sz="1600" i="1" dirty="0" smtClean="0">
+                <a:ea typeface="+mj-ea"/>
+                <a:cs typeface="+mj-cs"/>
+              </a:rPr>
+              <a:t>between the UI and </a:t>
+            </a:r>
+            <a:r>
+              <a:rPr lang="en-IN" sz="1600" i="1" dirty="0" err="1" smtClean="0">
+                <a:ea typeface="+mj-ea"/>
+                <a:cs typeface="+mj-cs"/>
+              </a:rPr>
               <a:t>GenAI</a:t>
             </a:r>
             <a:r>
-              <a:rPr lang="en-IN" sz="1600" i="1" dirty="0" smtClean="0"/>
-              <a:t> </a:t>
-            </a:r>
-            <a:r>
-              <a:rPr lang="en-IN" sz="1600" i="1" dirty="0" smtClean="0"/>
-              <a:t>workflow for proactive recommendations ,</a:t>
-            </a:r>
-            <a:r>
-              <a:rPr lang="en-IN" sz="1600" b="1" i="1" dirty="0" smtClean="0"/>
-              <a:t>RCA</a:t>
-            </a:r>
-            <a:r>
-              <a:rPr lang="en-IN" sz="1600" i="1" dirty="0" smtClean="0"/>
-              <a:t> Summary and resolutions</a:t>
-            </a:r>
-          </a:p>
-          <a:p>
-            <a:pPr>
-              <a:lnSpc>
-                <a:spcPct val="150000"/>
-              </a:lnSpc>
-              <a:buFont typeface="Wingdings" pitchFamily="2" charset="2"/>
-              <a:buChar char="ü"/>
-            </a:pPr>
-            <a:r>
-              <a:rPr lang="en-IN" sz="1600" i="1" dirty="0" smtClean="0"/>
-              <a:t>Integrated </a:t>
-            </a:r>
-            <a:r>
-              <a:rPr lang="en-IN" sz="1600" i="1" dirty="0" smtClean="0"/>
-              <a:t>UI with </a:t>
-            </a:r>
-            <a:r>
-              <a:rPr lang="en-IN" sz="1600" b="1" i="1" dirty="0" smtClean="0"/>
-              <a:t>AI chat</a:t>
-            </a:r>
-            <a:r>
-              <a:rPr lang="en-IN" sz="1600" i="1" dirty="0" smtClean="0"/>
-              <a:t> assistant to manage,traige,resolve incidents and additional capabilities to support day to day work</a:t>
-            </a:r>
-          </a:p>
-          <a:p>
-            <a:pPr>
-              <a:lnSpc>
-                <a:spcPct val="150000"/>
-              </a:lnSpc>
-              <a:buFont typeface="Wingdings" pitchFamily="2" charset="2"/>
-              <a:buChar char="ü"/>
-            </a:pPr>
-            <a:r>
-              <a:rPr lang="en-IN" sz="1600" i="1" dirty="0" smtClean="0"/>
-              <a:t>Leverage the data from enterprise tools </a:t>
-            </a:r>
-            <a:r>
-              <a:rPr lang="en-IN" sz="1600" b="1" i="1" dirty="0" smtClean="0"/>
-              <a:t>Servicenow,Grafana,Splunk,confluence</a:t>
-            </a:r>
-            <a:r>
-              <a:rPr lang="en-IN" sz="1600" i="1" dirty="0" smtClean="0"/>
-              <a:t> etc.</a:t>
-            </a:r>
-          </a:p>
-          <a:p>
-            <a:pPr>
-              <a:lnSpc>
-                <a:spcPct val="150000"/>
-              </a:lnSpc>
-              <a:buFont typeface="Wingdings" pitchFamily="2" charset="2"/>
-              <a:buChar char="ü"/>
-            </a:pPr>
-            <a:r>
-              <a:rPr lang="en-IN" sz="1600" b="1" i="1" dirty="0" smtClean="0"/>
-              <a:t>MCP</a:t>
-            </a:r>
-            <a:r>
-              <a:rPr lang="en-IN" sz="1600" i="1" dirty="0" smtClean="0"/>
-              <a:t> used </a:t>
-            </a:r>
-            <a:r>
-              <a:rPr lang="en-IN" sz="1600" i="1" dirty="0" smtClean="0"/>
-              <a:t>for seamless integration and efficient context management</a:t>
-            </a:r>
-            <a:endParaRPr lang="en-IN" sz="1600" i="1" dirty="0" smtClean="0"/>
-          </a:p>
-          <a:p>
-            <a:pPr>
-              <a:lnSpc>
-                <a:spcPct val="150000"/>
-              </a:lnSpc>
-              <a:buFont typeface="Wingdings" pitchFamily="2" charset="2"/>
-              <a:buChar char="ü"/>
-            </a:pPr>
-            <a:r>
-              <a:rPr lang="en-IN" sz="1600" b="1" i="1" dirty="0" smtClean="0"/>
-              <a:t>APIs</a:t>
-            </a:r>
-            <a:r>
-              <a:rPr lang="en-IN" sz="1600" i="1" dirty="0" smtClean="0"/>
-              <a:t> to easily integrate with UI and </a:t>
-            </a:r>
-            <a:r>
-              <a:rPr lang="en-IN" sz="1600" i="1" dirty="0" err="1" smtClean="0"/>
-              <a:t>GenAI</a:t>
-            </a:r>
-            <a:r>
-              <a:rPr lang="en-IN" sz="1600" i="1" dirty="0" smtClean="0"/>
-              <a:t> </a:t>
-            </a:r>
-            <a:r>
-              <a:rPr lang="en-IN" sz="1600" i="1" dirty="0" smtClean="0"/>
-              <a:t>workflow</a:t>
+              <a:rPr lang="en-IN" sz="1600" i="1" dirty="0" smtClean="0">
+                <a:ea typeface="+mj-ea"/>
+                <a:cs typeface="+mj-cs"/>
+              </a:rPr>
+              <a:t> workflows.</a:t>
             </a:r>
           </a:p>
           <a:p>
@@ -5605,7 +8894,7 @@
       </p:sp>
       <p:pic>
         <p:nvPicPr>
-          <p:cNvPr id="2050" name="Picture 2"/>
+          <p:cNvPr id="3073" name="Picture 1"/>
           <p:cNvPicPr>
             <a:picLocks noChangeAspect="1" noChangeArrowheads="1"/>
           </p:cNvPicPr>
@@ -5620,8 +8909,8 @@
         </p:blipFill>
         <p:spPr bwMode="auto">
           <a:xfrm>
-            <a:off x="6562724" y="5366785"/>
-            <a:ext cx="5486401" cy="788102"/>
+            <a:off x="4498835" y="83633"/>
+            <a:ext cx="7334250" cy="1123950"/>
           </a:xfrm>
           <a:prstGeom prst="rect">
             <a:avLst/>
@@ -5638,7 +8927,7 @@
     </p:spTree>
     <p:extLst>
       <p:ext uri="{BB962C8B-B14F-4D97-AF65-F5344CB8AC3E}">
-        <p14:creationId xmlns="" xmlns:p14="http://schemas.microsoft.com/office/powerpoint/2010/main" val="2026017015"/>
+        <p14:creationId xmlns:p14="http://schemas.microsoft.com/office/powerpoint/2010/main" xmlns="" val="2026017015"/>
       </p:ext>
     </p:extLst>
   </p:cSld>
@@ -5677,7 +8966,7 @@
           <p:cNvPr id="2" name="Title 1">
             <a:extLst>
               <a:ext uri="{FF2B5EF4-FFF2-40B4-BE49-F238E27FC236}">
-                <a16:creationId xmlns="" xmlns:a16="http://schemas.microsoft.com/office/drawing/2014/main" id="{CA84B1FC-437A-C0D8-613B-8F59C6F4EB16}"/>
+                <a16:creationId xmlns:a16="http://schemas.microsoft.com/office/drawing/2014/main" xmlns="" id="{CA84B1FC-437A-C0D8-613B-8F59C6F4EB16}"/>
               </a:ext>
             </a:extLst>
           </p:cNvPr>
@@ -5688,22 +8977,70 @@
             <p:ph type="title"/>
           </p:nvPr>
         </p:nvSpPr>
-        <p:spPr/>
-        <p:txBody>
-          <a:bodyPr/>
+        <p:spPr>
+          <a:xfrm>
+            <a:off x="375978" y="123964"/>
+            <a:ext cx="10515600" cy="1325563"/>
+          </a:xfrm>
+        </p:spPr>
+        <p:txBody>
+          <a:bodyPr>
+            <a:normAutofit/>
+          </a:bodyPr>
           <a:lstStyle/>
           <a:p>
             <a:r>
-              <a:rPr lang="en-US" dirty="0"/>
-              <a:t>Demo</a:t>
-            </a:r>
-          </a:p>
-        </p:txBody>
-      </p:sp>
+              <a:rPr lang="en-US" sz="2800" b="1" dirty="0" smtClean="0">
+                <a:solidFill>
+                  <a:srgbClr val="FF0000"/>
+                </a:solidFill>
+              </a:rPr>
+              <a:t>Multi Agent Orchestration workflow </a:t>
+            </a:r>
+            <a:endParaRPr lang="en-US" sz="2800" b="1" dirty="0">
+              <a:solidFill>
+                <a:srgbClr val="FF0000"/>
+              </a:solidFill>
+            </a:endParaRPr>
+          </a:p>
+        </p:txBody>
+      </p:sp>
+      <p:pic>
+        <p:nvPicPr>
+          <p:cNvPr id="22530" name="Picture 2"/>
+          <p:cNvPicPr>
+            <a:picLocks noChangeAspect="1" noChangeArrowheads="1"/>
+          </p:cNvPicPr>
+          <p:nvPr/>
+        </p:nvPicPr>
+        <p:blipFill>
+          <a:blip r:embed="rId2" cstate="print"/>
+          <a:srcRect/>
+          <a:stretch>
+            <a:fillRect/>
+          </a:stretch>
+        </p:blipFill>
+        <p:spPr bwMode="auto">
+          <a:xfrm>
+            <a:off x="376238" y="1223907"/>
+            <a:ext cx="11439525" cy="4591050"/>
+          </a:xfrm>
+          <a:prstGeom prst="rect">
+            <a:avLst/>
+          </a:prstGeom>
+          <a:noFill/>
+          <a:ln w="9525">
+            <a:noFill/>
+            <a:miter lim="800000"/>
+            <a:headEnd/>
+            <a:tailEnd/>
+          </a:ln>
+        </p:spPr>
+      </p:pic>
     </p:spTree>
     <p:extLst>
       <p:ext uri="{BB962C8B-B14F-4D97-AF65-F5344CB8AC3E}">
-        <p14:creationId xmlns="" xmlns:p14="http://schemas.microsoft.com/office/powerpoint/2010/main" val="3961496340"/>
+        <p14:creationId xmlns:p14="http://schemas.microsoft.com/office/powerpoint/2010/main" xmlns="" val="3961496340"/>
       </p:ext>
     </p:extLst>
   </p:cSld>
@@ -5742,7 +9079,7 @@
           <p:cNvPr id="2" name="Title 1">
             <a:extLst>
               <a:ext uri="{FF2B5EF4-FFF2-40B4-BE49-F238E27FC236}">
-                <a16:creationId xmlns="" xmlns:a16="http://schemas.microsoft.com/office/drawing/2014/main" id="{CA84B1FC-437A-C0D8-613B-8F59C6F4EB16}"/>
+                <a16:creationId xmlns:a16="http://schemas.microsoft.com/office/drawing/2014/main" xmlns="" id="{CA84B1FC-437A-C0D8-613B-8F59C6F4EB16}"/>
               </a:ext>
             </a:extLst>
           </p:cNvPr>
@@ -5753,15 +9090,144 @@
             <p:ph type="title"/>
           </p:nvPr>
         </p:nvSpPr>
-        <p:spPr/>
-        <p:txBody>
-          <a:bodyPr/>
+        <p:spPr>
+          <a:xfrm>
+            <a:off x="134817" y="123964"/>
+            <a:ext cx="10515600" cy="880871"/>
+          </a:xfrm>
+        </p:spPr>
+        <p:txBody>
+          <a:bodyPr>
+            <a:normAutofit/>
+          </a:bodyPr>
           <a:lstStyle/>
           <a:p>
             <a:r>
-              <a:rPr lang="en-US" dirty="0"/>
-              <a:t>Demo</a:t>
-            </a:r>
+              <a:rPr lang="en-US" sz="2800" b="1" dirty="0" smtClean="0">
+                <a:solidFill>
+                  <a:srgbClr val="FF0000"/>
+                </a:solidFill>
+              </a:rPr>
+              <a:t>Incident Recommendation &amp; Resolution MCP workflow</a:t>
+            </a:r>
+            <a:endParaRPr lang="en-US" sz="2800" b="1" dirty="0">
+              <a:solidFill>
+                <a:srgbClr val="FF0000"/>
+              </a:solidFill>
+            </a:endParaRPr>
+          </a:p>
+        </p:txBody>
+      </p:sp>
+      <p:pic>
+        <p:nvPicPr>
+          <p:cNvPr id="24579" name="Picture 3"/>
+          <p:cNvPicPr>
+            <a:picLocks noChangeAspect="1" noChangeArrowheads="1"/>
+          </p:cNvPicPr>
+          <p:nvPr/>
+        </p:nvPicPr>
+        <p:blipFill>
+          <a:blip r:embed="rId2" cstate="print"/>
+          <a:srcRect/>
+          <a:stretch>
+            <a:fillRect/>
+          </a:stretch>
+        </p:blipFill>
+        <p:spPr bwMode="auto">
+          <a:xfrm>
+            <a:off x="438536" y="1331983"/>
+            <a:ext cx="11112341" cy="4486013"/>
+          </a:xfrm>
+          <a:prstGeom prst="rect">
+            <a:avLst/>
+          </a:prstGeom>
+          <a:noFill/>
+          <a:ln w="9525">
+            <a:noFill/>
+            <a:miter lim="800000"/>
+            <a:headEnd/>
+            <a:tailEnd/>
+          </a:ln>
+        </p:spPr>
+      </p:pic>
+    </p:spTree>
+    <p:extLst>
+      <p:ext uri="{BB962C8B-B14F-4D97-AF65-F5344CB8AC3E}">
+        <p14:creationId xmlns:p14="http://schemas.microsoft.com/office/powerpoint/2010/main" xmlns="" val="3961496340"/>
+      </p:ext>
+    </p:extLst>
+  </p:cSld>
+  <p:clrMapOvr>
+    <a:masterClrMapping/>
+  </p:clrMapOvr>
+  <p:timing>
+    <p:tnLst>
+      <p:par>
+        <p:cTn id="1" dur="indefinite" restart="never" nodeType="tmRoot"/>
+      </p:par>
+    </p:tnLst>
+  </p:timing>
+</p:sld>
+</file>
+
+<file path=ppt/slides/slide7.xml><?xml version="1.0" encoding="utf-8"?>
+<p:sld xmlns:a="http://schemas.openxmlformats.org/drawingml/2006/main" xmlns:r="http://schemas.openxmlformats.org/officeDocument/2006/relationships" xmlns:p="http://schemas.openxmlformats.org/presentationml/2006/main">
+  <p:cSld>
+    <p:spTree>
+      <p:nvGrpSpPr>
+        <p:cNvPr id="1" name=""/>
+        <p:cNvGrpSpPr/>
+        <p:nvPr/>
+      </p:nvGrpSpPr>
+      <p:grpSpPr>
+        <a:xfrm>
+          <a:off x="0" y="0"/>
+          <a:ext cx="0" cy="0"/>
+          <a:chOff x="0" y="0"/>
+          <a:chExt cx="0" cy="0"/>
+        </a:xfrm>
+      </p:grpSpPr>
+      <p:sp>
+        <p:nvSpPr>
+          <p:cNvPr id="2" name="Title 1">
+            <a:extLst>
+              <a:ext uri="{FF2B5EF4-FFF2-40B4-BE49-F238E27FC236}">
+                <a16:creationId xmlns:a16="http://schemas.microsoft.com/office/drawing/2014/main" xmlns="" id="{CA84B1FC-437A-C0D8-613B-8F59C6F4EB16}"/>
+              </a:ext>
+            </a:extLst>
+          </p:cNvPr>
+          <p:cNvSpPr>
+            <a:spLocks noGrp="1"/>
+          </p:cNvSpPr>
+          <p:nvPr>
+            <p:ph type="title"/>
+          </p:nvPr>
+        </p:nvSpPr>
+        <p:spPr>
+          <a:xfrm>
+            <a:off x="436266" y="123964"/>
+            <a:ext cx="10515600" cy="1325563"/>
+          </a:xfrm>
+        </p:spPr>
+        <p:txBody>
+          <a:bodyPr>
+            <a:normAutofit/>
+          </a:bodyPr>
+          <a:lstStyle/>
+          <a:p>
+            <a:r>
+              <a:rPr lang="en-US" sz="2800" b="1" dirty="0" smtClean="0">
+                <a:solidFill>
+                  <a:srgbClr val="FF0000"/>
+                </a:solidFill>
+              </a:rPr>
+              <a:t>Incident data sync workflow</a:t>
+            </a:r>
+            <a:endParaRPr lang="en-US" sz="2800" b="1" dirty="0">
+              <a:solidFill>
+                <a:srgbClr val="FF0000"/>
+              </a:solidFill>
+            </a:endParaRPr>
           </a:p>
         </p:txBody>
       </p:sp>
@@ -5782,8 +9248,8 @@
         </p:blipFill>
         <p:spPr bwMode="auto">
           <a:xfrm>
-            <a:off x="1604963" y="1552575"/>
-            <a:ext cx="8982075" cy="3752850"/>
+            <a:off x="907270" y="1552574"/>
+            <a:ext cx="10226303" cy="4272708"/>
           </a:xfrm>
           <a:prstGeom prst="rect">
             <a:avLst/>
@@ -5800,7 +9266,389 @@
     </p:spTree>
     <p:extLst>
       <p:ext uri="{BB962C8B-B14F-4D97-AF65-F5344CB8AC3E}">
-        <p14:creationId xmlns="" xmlns:p14="http://schemas.microsoft.com/office/powerpoint/2010/main" val="3961496340"/>
+        <p14:creationId xmlns:p14="http://schemas.microsoft.com/office/powerpoint/2010/main" xmlns="" val="3961496340"/>
+      </p:ext>
+    </p:extLst>
+  </p:cSld>
+  <p:clrMapOvr>
+    <a:masterClrMapping/>
+  </p:clrMapOvr>
+  <p:timing>
+    <p:tnLst>
+      <p:par>
+        <p:cTn id="1" dur="indefinite" restart="never" nodeType="tmRoot"/>
+      </p:par>
+    </p:tnLst>
+  </p:timing>
+</p:sld>
+</file>
+
+<file path=ppt/slides/slide8.xml><?xml version="1.0" encoding="utf-8"?>
+<p:sld xmlns:a="http://schemas.openxmlformats.org/drawingml/2006/main" xmlns:r="http://schemas.openxmlformats.org/officeDocument/2006/relationships" xmlns:p="http://schemas.openxmlformats.org/presentationml/2006/main">
+  <p:cSld>
+    <p:spTree>
+      <p:nvGrpSpPr>
+        <p:cNvPr id="1" name=""/>
+        <p:cNvGrpSpPr/>
+        <p:nvPr/>
+      </p:nvGrpSpPr>
+      <p:grpSpPr>
+        <a:xfrm>
+          <a:off x="0" y="0"/>
+          <a:ext cx="0" cy="0"/>
+          <a:chOff x="0" y="0"/>
+          <a:chExt cx="0" cy="0"/>
+        </a:xfrm>
+      </p:grpSpPr>
+      <p:sp>
+        <p:nvSpPr>
+          <p:cNvPr id="2" name="Title 1">
+            <a:extLst>
+              <a:ext uri="{FF2B5EF4-FFF2-40B4-BE49-F238E27FC236}">
+                <a16:creationId xmlns:a16="http://schemas.microsoft.com/office/drawing/2014/main" xmlns="" id="{CA84B1FC-437A-C0D8-613B-8F59C6F4EB16}"/>
+              </a:ext>
+            </a:extLst>
+          </p:cNvPr>
+          <p:cNvSpPr>
+            <a:spLocks noGrp="1"/>
+          </p:cNvSpPr>
+          <p:nvPr>
+            <p:ph type="title"/>
+          </p:nvPr>
+        </p:nvSpPr>
+        <p:spPr>
+          <a:xfrm>
+            <a:off x="134817" y="123964"/>
+            <a:ext cx="10515600" cy="880871"/>
+          </a:xfrm>
+        </p:spPr>
+        <p:txBody>
+          <a:bodyPr>
+            <a:normAutofit/>
+          </a:bodyPr>
+          <a:lstStyle/>
+          <a:p>
+            <a:r>
+              <a:rPr lang="en-US" sz="2800" b="1" dirty="0" smtClean="0">
+                <a:solidFill>
+                  <a:srgbClr val="FF0000"/>
+                </a:solidFill>
+              </a:rPr>
+              <a:t>Knowledge source data sync workflow</a:t>
+            </a:r>
+            <a:endParaRPr lang="en-US" sz="2800" b="1" dirty="0">
+              <a:solidFill>
+                <a:srgbClr val="FF0000"/>
+              </a:solidFill>
+            </a:endParaRPr>
+          </a:p>
+        </p:txBody>
+      </p:sp>
+      <p:pic>
+        <p:nvPicPr>
+          <p:cNvPr id="23554" name="Picture 2"/>
+          <p:cNvPicPr>
+            <a:picLocks noChangeAspect="1" noChangeArrowheads="1"/>
+          </p:cNvPicPr>
+          <p:nvPr/>
+        </p:nvPicPr>
+        <p:blipFill>
+          <a:blip r:embed="rId2" cstate="print"/>
+          <a:srcRect/>
+          <a:stretch>
+            <a:fillRect/>
+          </a:stretch>
+        </p:blipFill>
+        <p:spPr bwMode="auto">
+          <a:xfrm>
+            <a:off x="413419" y="1979526"/>
+            <a:ext cx="11487750" cy="3267702"/>
+          </a:xfrm>
+          <a:prstGeom prst="rect">
+            <a:avLst/>
+          </a:prstGeom>
+          <a:noFill/>
+          <a:ln w="9525">
+            <a:noFill/>
+            <a:miter lim="800000"/>
+            <a:headEnd/>
+            <a:tailEnd/>
+          </a:ln>
+        </p:spPr>
+      </p:pic>
+    </p:spTree>
+    <p:extLst>
+      <p:ext uri="{BB962C8B-B14F-4D97-AF65-F5344CB8AC3E}">
+        <p14:creationId xmlns:p14="http://schemas.microsoft.com/office/powerpoint/2010/main" xmlns="" val="3961496340"/>
+      </p:ext>
+    </p:extLst>
+  </p:cSld>
+  <p:clrMapOvr>
+    <a:masterClrMapping/>
+  </p:clrMapOvr>
+  <p:timing>
+    <p:tnLst>
+      <p:par>
+        <p:cTn id="1" dur="indefinite" restart="never" nodeType="tmRoot"/>
+      </p:par>
+    </p:tnLst>
+  </p:timing>
+</p:sld>
+</file>
+
+<file path=ppt/slides/slide9.xml><?xml version="1.0" encoding="utf-8"?>
+<p:sld xmlns:a="http://schemas.openxmlformats.org/drawingml/2006/main" xmlns:r="http://schemas.openxmlformats.org/officeDocument/2006/relationships" xmlns:p="http://schemas.openxmlformats.org/presentationml/2006/main">
+  <p:cSld>
+    <p:spTree>
+      <p:nvGrpSpPr>
+        <p:cNvPr id="1" name=""/>
+        <p:cNvGrpSpPr/>
+        <p:nvPr/>
+      </p:nvGrpSpPr>
+      <p:grpSpPr>
+        <a:xfrm>
+          <a:off x="0" y="0"/>
+          <a:ext cx="0" cy="0"/>
+          <a:chOff x="0" y="0"/>
+          <a:chExt cx="0" cy="0"/>
+        </a:xfrm>
+      </p:grpSpPr>
+      <p:sp>
+        <p:nvSpPr>
+          <p:cNvPr id="2" name="Title 1">
+            <a:extLst>
+              <a:ext uri="{FF2B5EF4-FFF2-40B4-BE49-F238E27FC236}">
+                <a16:creationId xmlns:a16="http://schemas.microsoft.com/office/drawing/2014/main" xmlns="" id="{CA84B1FC-437A-C0D8-613B-8F59C6F4EB16}"/>
+              </a:ext>
+            </a:extLst>
+          </p:cNvPr>
+          <p:cNvSpPr>
+            <a:spLocks noGrp="1"/>
+          </p:cNvSpPr>
+          <p:nvPr>
+            <p:ph type="title"/>
+          </p:nvPr>
+        </p:nvSpPr>
+        <p:spPr>
+          <a:xfrm>
+            <a:off x="235299" y="174207"/>
+            <a:ext cx="10515600" cy="860773"/>
+          </a:xfrm>
+        </p:spPr>
+        <p:txBody>
+          <a:bodyPr/>
+          <a:lstStyle/>
+          <a:p>
+            <a:r>
+              <a:rPr lang="en-US" dirty="0" smtClean="0">
+                <a:solidFill>
+                  <a:srgbClr val="FF0000"/>
+                </a:solidFill>
+              </a:rPr>
+              <a:t>Challenges</a:t>
+            </a:r>
+            <a:endParaRPr lang="en-US" dirty="0">
+              <a:solidFill>
+                <a:srgbClr val="FF0000"/>
+              </a:solidFill>
+            </a:endParaRPr>
+          </a:p>
+        </p:txBody>
+      </p:sp>
+      <p:sp>
+        <p:nvSpPr>
+          <p:cNvPr id="3" name="Rectangle 2"/>
+          <p:cNvSpPr/>
+          <p:nvPr/>
+        </p:nvSpPr>
+        <p:spPr>
+          <a:xfrm>
+            <a:off x="321547" y="982177"/>
+            <a:ext cx="8249697" cy="3277820"/>
+          </a:xfrm>
+          <a:prstGeom prst="rect">
+            <a:avLst/>
+          </a:prstGeom>
+        </p:spPr>
+        <p:txBody>
+          <a:bodyPr wrap="square">
+            <a:spAutoFit/>
+          </a:bodyPr>
+          <a:lstStyle/>
+          <a:p>
+            <a:pPr>
+              <a:lnSpc>
+                <a:spcPct val="150000"/>
+              </a:lnSpc>
+              <a:buFont typeface="Wingdings" pitchFamily="2" charset="2"/>
+              <a:buChar char="ü"/>
+            </a:pPr>
+            <a:r>
+              <a:rPr lang="en-IN" b="1" i="1" dirty="0" err="1" smtClean="0"/>
+              <a:t>GenAI</a:t>
+            </a:r>
+            <a:r>
+              <a:rPr lang="en-IN" b="1" i="1" dirty="0" smtClean="0"/>
+              <a:t>-powered</a:t>
+            </a:r>
+            <a:r>
+              <a:rPr lang="en-IN" i="1" dirty="0" smtClean="0"/>
+              <a:t> </a:t>
+            </a:r>
+            <a:r>
+              <a:rPr lang="en-IN" i="1" dirty="0" smtClean="0"/>
+              <a:t>workflows to enhance key platform capabilities.</a:t>
+            </a:r>
+          </a:p>
+          <a:p>
+            <a:pPr>
+              <a:buFont typeface="Wingdings" pitchFamily="2" charset="2"/>
+              <a:buChar char="ü"/>
+            </a:pPr>
+            <a:r>
+              <a:rPr lang="en-IN" b="1" i="1" dirty="0" err="1" smtClean="0"/>
+              <a:t>Webhook</a:t>
+            </a:r>
+            <a:r>
+              <a:rPr lang="en-IN" b="1" i="1" dirty="0" smtClean="0"/>
+              <a:t> integration </a:t>
+            </a:r>
+            <a:r>
+              <a:rPr lang="en-IN" i="1" dirty="0" smtClean="0"/>
+              <a:t>with </a:t>
+            </a:r>
+            <a:r>
+              <a:rPr lang="en-IN" i="1" dirty="0" err="1" smtClean="0"/>
+              <a:t>ServiceNow</a:t>
+            </a:r>
+            <a:r>
+              <a:rPr lang="en-IN" i="1" dirty="0" smtClean="0"/>
+              <a:t> to trigger </a:t>
+            </a:r>
+            <a:r>
+              <a:rPr lang="en-IN" i="1" dirty="0" err="1" smtClean="0"/>
+              <a:t>GenAI</a:t>
+            </a:r>
+            <a:r>
+              <a:rPr lang="en-IN" i="1" dirty="0" smtClean="0"/>
+              <a:t> workflows for proactive recommendations, RCA summaries, and resolutions.</a:t>
+            </a:r>
+          </a:p>
+          <a:p>
+            <a:pPr>
+              <a:buFont typeface="Wingdings" pitchFamily="2" charset="2"/>
+              <a:buChar char="ü"/>
+            </a:pPr>
+            <a:r>
+              <a:rPr lang="en-IN" b="1" i="1" dirty="0" smtClean="0"/>
+              <a:t>User-friendly UI with an AI-powered </a:t>
+            </a:r>
+            <a:r>
+              <a:rPr lang="en-IN" b="1" i="1" dirty="0" err="1" smtClean="0"/>
+              <a:t>chatbot</a:t>
+            </a:r>
+            <a:r>
+              <a:rPr lang="en-IN" i="1" dirty="0" smtClean="0"/>
+              <a:t>, offering incident management, triaging, and resolution capabilities, along with additional features to streamline daily operations..</a:t>
+            </a:r>
+          </a:p>
+          <a:p>
+            <a:pPr>
+              <a:buFont typeface="Wingdings" pitchFamily="2" charset="2"/>
+              <a:buChar char="ü"/>
+            </a:pPr>
+            <a:r>
+              <a:rPr lang="en-IN" b="1" i="1" dirty="0" smtClean="0"/>
+              <a:t>Seamless</a:t>
+            </a:r>
+            <a:r>
+              <a:rPr lang="en-IN" i="1" dirty="0" smtClean="0"/>
+              <a:t> </a:t>
+            </a:r>
+            <a:r>
+              <a:rPr lang="en-IN" b="1" i="1" dirty="0" smtClean="0"/>
+              <a:t>data</a:t>
+            </a:r>
+            <a:r>
+              <a:rPr lang="en-IN" i="1" dirty="0" smtClean="0"/>
+              <a:t> </a:t>
+            </a:r>
+            <a:r>
+              <a:rPr lang="en-IN" b="1" i="1" dirty="0" smtClean="0"/>
+              <a:t>integration</a:t>
+            </a:r>
+            <a:r>
+              <a:rPr lang="en-IN" i="1" dirty="0" smtClean="0"/>
+              <a:t> from enterprise tools like </a:t>
+            </a:r>
+            <a:r>
+              <a:rPr lang="en-IN" i="1" dirty="0" err="1" smtClean="0"/>
+              <a:t>ServiceNow</a:t>
+            </a:r>
+            <a:r>
+              <a:rPr lang="en-IN" i="1" dirty="0" smtClean="0"/>
+              <a:t>, </a:t>
+            </a:r>
+            <a:r>
+              <a:rPr lang="en-IN" i="1" dirty="0" err="1" smtClean="0"/>
+              <a:t>Grafana</a:t>
+            </a:r>
+            <a:r>
+              <a:rPr lang="en-IN" i="1" dirty="0" smtClean="0"/>
+              <a:t>, </a:t>
+            </a:r>
+            <a:r>
+              <a:rPr lang="en-IN" i="1" dirty="0" err="1" smtClean="0"/>
+              <a:t>Splunk</a:t>
+            </a:r>
+            <a:r>
+              <a:rPr lang="en-IN" i="1" dirty="0" smtClean="0"/>
+              <a:t>, and Confluence.</a:t>
+            </a:r>
+          </a:p>
+          <a:p>
+            <a:pPr>
+              <a:buFont typeface="Wingdings" pitchFamily="2" charset="2"/>
+              <a:buChar char="ü"/>
+            </a:pPr>
+            <a:r>
+              <a:rPr lang="en-IN" b="1" i="1" dirty="0" smtClean="0"/>
+              <a:t>MCP-enabled architecture </a:t>
+            </a:r>
+            <a:r>
+              <a:rPr lang="en-IN" i="1" dirty="0" smtClean="0"/>
+              <a:t>for efficient context management and smooth integrations.</a:t>
+            </a:r>
+          </a:p>
+          <a:p>
+            <a:pPr>
+              <a:buFont typeface="Wingdings" pitchFamily="2" charset="2"/>
+              <a:buChar char="ü"/>
+            </a:pPr>
+            <a:r>
+              <a:rPr lang="en-IN" b="1" i="1" dirty="0" smtClean="0"/>
+              <a:t>APIs for easy integration </a:t>
+            </a:r>
+            <a:r>
+              <a:rPr lang="en-IN" i="1" dirty="0" smtClean="0"/>
+              <a:t>between the UI and </a:t>
+            </a:r>
+            <a:r>
+              <a:rPr lang="en-IN" i="1" dirty="0" err="1" smtClean="0"/>
+              <a:t>GenAI</a:t>
+            </a:r>
+            <a:r>
+              <a:rPr lang="en-IN" i="1" dirty="0" smtClean="0"/>
+              <a:t> workflows.</a:t>
+            </a:r>
+            <a:endParaRPr lang="en-IN" i="1" dirty="0" smtClean="0"/>
+          </a:p>
+        </p:txBody>
+      </p:sp>
+    </p:spTree>
+    <p:extLst>
+      <p:ext uri="{BB962C8B-B14F-4D97-AF65-F5344CB8AC3E}">
+        <p14:creationId xmlns:p14="http://schemas.microsoft.com/office/powerpoint/2010/main" xmlns="" val="3961496340"/>
       </p:ext>
     </p:extLst>
   </p:cSld>
@@ -6106,7 +9954,7 @@
   <a:extraClrSchemeLst/>
   <a:extLst>
     <a:ext uri="{05A4C25C-085E-4340-85A3-A5531E510DB2}">
-      <thm15:themeFamily xmlns="" xmlns:thm15="http://schemas.microsoft.com/office/thememl/2012/main" name="Office Theme" id="{62F939B6-93AF-4DB8-9C6B-D6C7DFDC589F}" vid="{4A3C46E8-61CC-4603-A589-7422A47A8E4A}"/>
+      <thm15:themeFamily xmlns:thm15="http://schemas.microsoft.com/office/thememl/2012/main" xmlns="" name="Office Theme" id="{62F939B6-93AF-4DB8-9C6B-D6C7DFDC589F}" vid="{4A3C46E8-61CC-4603-A589-7422A47A8E4A}"/>
     </a:ext>
   </a:extLst>
 </a:theme>
@@ -6367,7 +10215,7 @@
   <a:extraClrSchemeLst/>
   <a:extLst>
     <a:ext uri="{05A4C25C-085E-4340-85A3-A5531E510DB2}">
-      <thm15:themeFamily xmlns="" xmlns:thm15="http://schemas.microsoft.com/office/thememl/2012/main" name="Office Theme" id="{62F939B6-93AF-4DB8-9C6B-D6C7DFDC589F}" vid="{4A3C46E8-61CC-4603-A589-7422A47A8E4A}"/>
+      <thm15:themeFamily xmlns:thm15="http://schemas.microsoft.com/office/thememl/2012/main" xmlns="" name="Office Theme" id="{62F939B6-93AF-4DB8-9C6B-D6C7DFDC589F}" vid="{4A3C46E8-61CC-4603-A589-7422A47A8E4A}"/>
     </a:ext>
   </a:extLst>
 </a:theme>
